--- a/cits1003-lecture_slides/CITS1003-5 Threats - exercises.pptx
+++ b/cits1003-lecture_slides/CITS1003-5 Threats - exercises.pptx
@@ -5,7 +5,7 @@
     <p:sldMasterId id="2147483763" r:id="rId1"/>
   </p:sldMasterIdLst>
   <p:notesMasterIdLst>
-    <p:notesMasterId r:id="rId45"/>
+    <p:notesMasterId r:id="rId34"/>
   </p:notesMasterIdLst>
   <p:sldIdLst>
     <p:sldId id="256" r:id="rId2"/>
@@ -30,27 +30,16 @@
     <p:sldId id="536" r:id="rId21"/>
     <p:sldId id="537" r:id="rId22"/>
     <p:sldId id="544" r:id="rId23"/>
-    <p:sldId id="451" r:id="rId24"/>
-    <p:sldId id="538" r:id="rId25"/>
-    <p:sldId id="539" r:id="rId26"/>
-    <p:sldId id="344" r:id="rId27"/>
-    <p:sldId id="507" r:id="rId28"/>
-    <p:sldId id="508" r:id="rId29"/>
-    <p:sldId id="461" r:id="rId30"/>
-    <p:sldId id="510" r:id="rId31"/>
-    <p:sldId id="511" r:id="rId32"/>
-    <p:sldId id="512" r:id="rId33"/>
-    <p:sldId id="345" r:id="rId34"/>
-    <p:sldId id="514" r:id="rId35"/>
-    <p:sldId id="553" r:id="rId36"/>
-    <p:sldId id="515" r:id="rId37"/>
-    <p:sldId id="516" r:id="rId38"/>
-    <p:sldId id="346" r:id="rId39"/>
-    <p:sldId id="519" r:id="rId40"/>
-    <p:sldId id="347" r:id="rId41"/>
-    <p:sldId id="518" r:id="rId42"/>
-    <p:sldId id="554" r:id="rId43"/>
-    <p:sldId id="555" r:id="rId44"/>
+    <p:sldId id="538" r:id="rId24"/>
+    <p:sldId id="344" r:id="rId25"/>
+    <p:sldId id="507" r:id="rId26"/>
+    <p:sldId id="508" r:id="rId27"/>
+    <p:sldId id="461" r:id="rId28"/>
+    <p:sldId id="510" r:id="rId29"/>
+    <p:sldId id="511" r:id="rId30"/>
+    <p:sldId id="512" r:id="rId31"/>
+    <p:sldId id="345" r:id="rId32"/>
+    <p:sldId id="346" r:id="rId33"/>
   </p:sldIdLst>
   <p:sldSz cx="12192000" cy="6858000"/>
   <p:notesSz cx="6858000" cy="9144000"/>
@@ -1495,6 +1484,146 @@
       </pc:sldChg>
     </pc:docChg>
   </pc:docChgLst>
+  <pc:docChgLst>
+    <pc:chgData name="Robert McKnight" userId="d5c7fb24-67df-49c0-a0e8-7fe946ae099c" providerId="ADAL" clId="{769EAF18-1950-43BD-B1C2-907192FDFCF0}"/>
+    <pc:docChg chg="custSel delSld modSld">
+      <pc:chgData name="Robert McKnight" userId="d5c7fb24-67df-49c0-a0e8-7fe946ae099c" providerId="ADAL" clId="{769EAF18-1950-43BD-B1C2-907192FDFCF0}" dt="2024-03-28T02:36:37.231" v="23" actId="20577"/>
+      <pc:docMkLst>
+        <pc:docMk/>
+      </pc:docMkLst>
+      <pc:sldChg chg="modSp mod">
+        <pc:chgData name="Robert McKnight" userId="d5c7fb24-67df-49c0-a0e8-7fe946ae099c" providerId="ADAL" clId="{769EAF18-1950-43BD-B1C2-907192FDFCF0}" dt="2024-03-28T02:36:37.231" v="23" actId="20577"/>
+        <pc:sldMkLst>
+          <pc:docMk/>
+          <pc:sldMk cId="1077586671" sldId="256"/>
+        </pc:sldMkLst>
+        <pc:spChg chg="mod">
+          <ac:chgData name="Robert McKnight" userId="d5c7fb24-67df-49c0-a0e8-7fe946ae099c" providerId="ADAL" clId="{769EAF18-1950-43BD-B1C2-907192FDFCF0}" dt="2024-03-28T02:36:37.231" v="23" actId="20577"/>
+          <ac:spMkLst>
+            <pc:docMk/>
+            <pc:sldMk cId="1077586671" sldId="256"/>
+            <ac:spMk id="2" creationId="{A7F2B5DE-6445-CC49-9F8E-7C9072991AF6}"/>
+          </ac:spMkLst>
+        </pc:spChg>
+      </pc:sldChg>
+      <pc:sldChg chg="del">
+        <pc:chgData name="Robert McKnight" userId="d5c7fb24-67df-49c0-a0e8-7fe946ae099c" providerId="ADAL" clId="{769EAF18-1950-43BD-B1C2-907192FDFCF0}" dt="2024-03-28T02:34:13.299" v="19" actId="47"/>
+        <pc:sldMkLst>
+          <pc:docMk/>
+          <pc:sldMk cId="3682485318" sldId="347"/>
+        </pc:sldMkLst>
+      </pc:sldChg>
+      <pc:sldChg chg="del">
+        <pc:chgData name="Robert McKnight" userId="d5c7fb24-67df-49c0-a0e8-7fe946ae099c" providerId="ADAL" clId="{769EAF18-1950-43BD-B1C2-907192FDFCF0}" dt="2024-03-28T01:57:49.821" v="0" actId="47"/>
+        <pc:sldMkLst>
+          <pc:docMk/>
+          <pc:sldMk cId="2057311167" sldId="451"/>
+        </pc:sldMkLst>
+      </pc:sldChg>
+      <pc:sldChg chg="del">
+        <pc:chgData name="Robert McKnight" userId="d5c7fb24-67df-49c0-a0e8-7fe946ae099c" providerId="ADAL" clId="{769EAF18-1950-43BD-B1C2-907192FDFCF0}" dt="2024-03-28T02:26:51.534" v="14" actId="47"/>
+        <pc:sldMkLst>
+          <pc:docMk/>
+          <pc:sldMk cId="3263746602" sldId="514"/>
+        </pc:sldMkLst>
+      </pc:sldChg>
+      <pc:sldChg chg="del">
+        <pc:chgData name="Robert McKnight" userId="d5c7fb24-67df-49c0-a0e8-7fe946ae099c" providerId="ADAL" clId="{769EAF18-1950-43BD-B1C2-907192FDFCF0}" dt="2024-03-28T02:26:54.487" v="16" actId="47"/>
+        <pc:sldMkLst>
+          <pc:docMk/>
+          <pc:sldMk cId="2758315679" sldId="515"/>
+        </pc:sldMkLst>
+      </pc:sldChg>
+      <pc:sldChg chg="del">
+        <pc:chgData name="Robert McKnight" userId="d5c7fb24-67df-49c0-a0e8-7fe946ae099c" providerId="ADAL" clId="{769EAF18-1950-43BD-B1C2-907192FDFCF0}" dt="2024-03-28T02:26:55.498" v="17" actId="47"/>
+        <pc:sldMkLst>
+          <pc:docMk/>
+          <pc:sldMk cId="2761264589" sldId="516"/>
+        </pc:sldMkLst>
+      </pc:sldChg>
+      <pc:sldChg chg="del">
+        <pc:chgData name="Robert McKnight" userId="d5c7fb24-67df-49c0-a0e8-7fe946ae099c" providerId="ADAL" clId="{769EAF18-1950-43BD-B1C2-907192FDFCF0}" dt="2024-03-28T02:34:14.043" v="20" actId="47"/>
+        <pc:sldMkLst>
+          <pc:docMk/>
+          <pc:sldMk cId="3121942135" sldId="518"/>
+        </pc:sldMkLst>
+      </pc:sldChg>
+      <pc:sldChg chg="del">
+        <pc:chgData name="Robert McKnight" userId="d5c7fb24-67df-49c0-a0e8-7fe946ae099c" providerId="ADAL" clId="{769EAF18-1950-43BD-B1C2-907192FDFCF0}" dt="2024-03-28T02:34:12.551" v="18" actId="47"/>
+        <pc:sldMkLst>
+          <pc:docMk/>
+          <pc:sldMk cId="2862420244" sldId="519"/>
+        </pc:sldMkLst>
+      </pc:sldChg>
+      <pc:sldChg chg="modSp mod">
+        <pc:chgData name="Robert McKnight" userId="d5c7fb24-67df-49c0-a0e8-7fe946ae099c" providerId="ADAL" clId="{769EAF18-1950-43BD-B1C2-907192FDFCF0}" dt="2024-03-28T01:58:19.006" v="12" actId="20577"/>
+        <pc:sldMkLst>
+          <pc:docMk/>
+          <pc:sldMk cId="2533689939" sldId="538"/>
+        </pc:sldMkLst>
+        <pc:spChg chg="mod">
+          <ac:chgData name="Robert McKnight" userId="d5c7fb24-67df-49c0-a0e8-7fe946ae099c" providerId="ADAL" clId="{769EAF18-1950-43BD-B1C2-907192FDFCF0}" dt="2024-03-28T01:58:19.006" v="12" actId="20577"/>
+          <ac:spMkLst>
+            <pc:docMk/>
+            <pc:sldMk cId="2533689939" sldId="538"/>
+            <ac:spMk id="3" creationId="{586EAAFD-B1FF-4F0E-8F27-BCFF5AA0ABE7}"/>
+          </ac:spMkLst>
+        </pc:spChg>
+      </pc:sldChg>
+      <pc:sldChg chg="del">
+        <pc:chgData name="Robert McKnight" userId="d5c7fb24-67df-49c0-a0e8-7fe946ae099c" providerId="ADAL" clId="{769EAF18-1950-43BD-B1C2-907192FDFCF0}" dt="2024-03-28T01:58:38.620" v="13" actId="47"/>
+        <pc:sldMkLst>
+          <pc:docMk/>
+          <pc:sldMk cId="1771193055" sldId="539"/>
+        </pc:sldMkLst>
+      </pc:sldChg>
+      <pc:sldChg chg="del">
+        <pc:chgData name="Robert McKnight" userId="d5c7fb24-67df-49c0-a0e8-7fe946ae099c" providerId="ADAL" clId="{769EAF18-1950-43BD-B1C2-907192FDFCF0}" dt="2024-03-28T02:26:52.768" v="15" actId="47"/>
+        <pc:sldMkLst>
+          <pc:docMk/>
+          <pc:sldMk cId="3399154406" sldId="553"/>
+        </pc:sldMkLst>
+      </pc:sldChg>
+      <pc:sldChg chg="del">
+        <pc:chgData name="Robert McKnight" userId="d5c7fb24-67df-49c0-a0e8-7fe946ae099c" providerId="ADAL" clId="{769EAF18-1950-43BD-B1C2-907192FDFCF0}" dt="2024-03-28T02:34:14.737" v="21" actId="47"/>
+        <pc:sldMkLst>
+          <pc:docMk/>
+          <pc:sldMk cId="853962288" sldId="554"/>
+        </pc:sldMkLst>
+      </pc:sldChg>
+      <pc:sldChg chg="del">
+        <pc:chgData name="Robert McKnight" userId="d5c7fb24-67df-49c0-a0e8-7fe946ae099c" providerId="ADAL" clId="{769EAF18-1950-43BD-B1C2-907192FDFCF0}" dt="2024-03-28T02:34:15.364" v="22" actId="47"/>
+        <pc:sldMkLst>
+          <pc:docMk/>
+          <pc:sldMk cId="1050398790" sldId="555"/>
+        </pc:sldMkLst>
+      </pc:sldChg>
+    </pc:docChg>
+  </pc:docChgLst>
+  <pc:docChgLst>
+    <pc:chgData name="Robert McKnight" userId="d5c7fb24-67df-49c0-a0e8-7fe946ae099c" providerId="ADAL" clId="{5A1B91F9-3F3B-4D60-8661-A4FD11AC6798}"/>
+    <pc:docChg chg="modSld">
+      <pc:chgData name="Robert McKnight" userId="d5c7fb24-67df-49c0-a0e8-7fe946ae099c" providerId="ADAL" clId="{5A1B91F9-3F3B-4D60-8661-A4FD11AC6798}" dt="2024-07-30T02:35:53.643" v="23" actId="20577"/>
+      <pc:docMkLst>
+        <pc:docMk/>
+      </pc:docMkLst>
+      <pc:sldChg chg="modSp mod">
+        <pc:chgData name="Robert McKnight" userId="d5c7fb24-67df-49c0-a0e8-7fe946ae099c" providerId="ADAL" clId="{5A1B91F9-3F3B-4D60-8661-A4FD11AC6798}" dt="2024-07-30T02:35:53.643" v="23" actId="20577"/>
+        <pc:sldMkLst>
+          <pc:docMk/>
+          <pc:sldMk cId="1077586671" sldId="256"/>
+        </pc:sldMkLst>
+        <pc:spChg chg="mod">
+          <ac:chgData name="Robert McKnight" userId="d5c7fb24-67df-49c0-a0e8-7fe946ae099c" providerId="ADAL" clId="{5A1B91F9-3F3B-4D60-8661-A4FD11AC6798}" dt="2024-07-30T02:35:53.643" v="23" actId="20577"/>
+          <ac:spMkLst>
+            <pc:docMk/>
+            <pc:sldMk cId="1077586671" sldId="256"/>
+            <ac:spMk id="2" creationId="{A7F2B5DE-6445-CC49-9F8E-7C9072991AF6}"/>
+          </ac:spMkLst>
+        </pc:spChg>
+      </pc:sldChg>
+    </pc:docChg>
+  </pc:docChgLst>
 </pc:chgInfo>
 </file>
 
@@ -1580,7 +1709,7 @@
           <a:p>
             <a:fld id="{6D6D7260-B7E4-B548-BD1F-84ED14536037}" type="datetimeFigureOut">
               <a:rPr lang="en-AU" smtClean="0"/>
-              <a:t>12/07/2023</a:t>
+              <a:t>30/07/2024</a:t>
             </a:fld>
             <a:endParaRPr lang="en-AU"/>
           </a:p>
@@ -3203,6 +3332,23 @@
           <a:bodyPr/>
           <a:lstStyle/>
           <a:p>
+            <a:pPr marL="0" marR="0" lvl="0" indent="0" algn="l" defTabSz="914400" rtl="0" eaLnBrk="1" fontAlgn="auto" latinLnBrk="0" hangingPunct="1">
+              <a:lnSpc>
+                <a:spcPct val="100000"/>
+              </a:lnSpc>
+              <a:spcBef>
+                <a:spcPts val="0"/>
+              </a:spcBef>
+              <a:spcAft>
+                <a:spcPts val="0"/>
+              </a:spcAft>
+              <a:buClrTx/>
+              <a:buSzTx/>
+              <a:buFontTx/>
+              <a:buNone/>
+              <a:tabLst/>
+              <a:defRPr/>
+            </a:pPr>
             <a:endParaRPr lang="en-AU" dirty="0"/>
           </a:p>
         </p:txBody>
@@ -3233,7 +3379,7 @@
     </p:spTree>
     <p:extLst>
       <p:ext uri="{BB962C8B-B14F-4D97-AF65-F5344CB8AC3E}">
-        <p14:creationId xmlns:p14="http://schemas.microsoft.com/office/powerpoint/2010/main" val="880818231"/>
+        <p14:creationId xmlns:p14="http://schemas.microsoft.com/office/powerpoint/2010/main" val="1456722166"/>
       </p:ext>
     </p:extLst>
   </p:cSld>
@@ -3304,7 +3450,7 @@
               <a:tabLst/>
               <a:defRPr/>
             </a:pPr>
-            <a:endParaRPr lang="en-AU" dirty="0"/>
+            <a:endParaRPr lang="en-US" dirty="0"/>
           </a:p>
         </p:txBody>
       </p:sp>
@@ -3334,7 +3480,7 @@
     </p:spTree>
     <p:extLst>
       <p:ext uri="{BB962C8B-B14F-4D97-AF65-F5344CB8AC3E}">
-        <p14:creationId xmlns:p14="http://schemas.microsoft.com/office/powerpoint/2010/main" val="1456722166"/>
+        <p14:creationId xmlns:p14="http://schemas.microsoft.com/office/powerpoint/2010/main" val="3803274238"/>
       </p:ext>
     </p:extLst>
   </p:cSld>
@@ -3435,7 +3581,7 @@
     </p:spTree>
     <p:extLst>
       <p:ext uri="{BB962C8B-B14F-4D97-AF65-F5344CB8AC3E}">
-        <p14:creationId xmlns:p14="http://schemas.microsoft.com/office/powerpoint/2010/main" val="658469085"/>
+        <p14:creationId xmlns:p14="http://schemas.microsoft.com/office/powerpoint/2010/main" val="4179172744"/>
       </p:ext>
     </p:extLst>
   </p:cSld>
@@ -3506,7 +3652,7 @@
               <a:tabLst/>
               <a:defRPr/>
             </a:pPr>
-            <a:endParaRPr lang="en-US" dirty="0"/>
+            <a:endParaRPr lang="en-AU" dirty="0"/>
           </a:p>
         </p:txBody>
       </p:sp>
@@ -3536,7 +3682,7 @@
     </p:spTree>
     <p:extLst>
       <p:ext uri="{BB962C8B-B14F-4D97-AF65-F5344CB8AC3E}">
-        <p14:creationId xmlns:p14="http://schemas.microsoft.com/office/powerpoint/2010/main" val="3803274238"/>
+        <p14:creationId xmlns:p14="http://schemas.microsoft.com/office/powerpoint/2010/main" val="4023990162"/>
       </p:ext>
     </p:extLst>
   </p:cSld>
@@ -3590,23 +3736,6 @@
           <a:bodyPr/>
           <a:lstStyle/>
           <a:p>
-            <a:pPr marL="0" marR="0" lvl="0" indent="0" algn="l" defTabSz="914400" rtl="0" eaLnBrk="1" fontAlgn="auto" latinLnBrk="0" hangingPunct="1">
-              <a:lnSpc>
-                <a:spcPct val="100000"/>
-              </a:lnSpc>
-              <a:spcBef>
-                <a:spcPts val="0"/>
-              </a:spcBef>
-              <a:spcAft>
-                <a:spcPts val="0"/>
-              </a:spcAft>
-              <a:buClrTx/>
-              <a:buSzTx/>
-              <a:buFontTx/>
-              <a:buNone/>
-              <a:tabLst/>
-              <a:defRPr/>
-            </a:pPr>
             <a:endParaRPr lang="en-AU" dirty="0"/>
           </a:p>
         </p:txBody>
@@ -3637,7 +3766,7 @@
     </p:spTree>
     <p:extLst>
       <p:ext uri="{BB962C8B-B14F-4D97-AF65-F5344CB8AC3E}">
-        <p14:creationId xmlns:p14="http://schemas.microsoft.com/office/powerpoint/2010/main" val="4179172744"/>
+        <p14:creationId xmlns:p14="http://schemas.microsoft.com/office/powerpoint/2010/main" val="3194245530"/>
       </p:ext>
     </p:extLst>
   </p:cSld>
@@ -3691,23 +3820,6 @@
           <a:bodyPr/>
           <a:lstStyle/>
           <a:p>
-            <a:pPr marL="0" marR="0" lvl="0" indent="0" algn="l" defTabSz="914400" rtl="0" eaLnBrk="1" fontAlgn="auto" latinLnBrk="0" hangingPunct="1">
-              <a:lnSpc>
-                <a:spcPct val="100000"/>
-              </a:lnSpc>
-              <a:spcBef>
-                <a:spcPts val="0"/>
-              </a:spcBef>
-              <a:spcAft>
-                <a:spcPts val="0"/>
-              </a:spcAft>
-              <a:buClrTx/>
-              <a:buSzTx/>
-              <a:buFontTx/>
-              <a:buNone/>
-              <a:tabLst/>
-              <a:defRPr/>
-            </a:pPr>
             <a:endParaRPr lang="en-AU" dirty="0"/>
           </a:p>
         </p:txBody>
@@ -3738,7 +3850,7 @@
     </p:spTree>
     <p:extLst>
       <p:ext uri="{BB962C8B-B14F-4D97-AF65-F5344CB8AC3E}">
-        <p14:creationId xmlns:p14="http://schemas.microsoft.com/office/powerpoint/2010/main" val="4023990162"/>
+        <p14:creationId xmlns:p14="http://schemas.microsoft.com/office/powerpoint/2010/main" val="2001386222"/>
       </p:ext>
     </p:extLst>
   </p:cSld>
@@ -3822,7 +3934,7 @@
     </p:spTree>
     <p:extLst>
       <p:ext uri="{BB962C8B-B14F-4D97-AF65-F5344CB8AC3E}">
-        <p14:creationId xmlns:p14="http://schemas.microsoft.com/office/powerpoint/2010/main" val="3194245530"/>
+        <p14:creationId xmlns:p14="http://schemas.microsoft.com/office/powerpoint/2010/main" val="3040101420"/>
       </p:ext>
     </p:extLst>
   </p:cSld>
@@ -3960,6 +4072,23 @@
           <a:bodyPr/>
           <a:lstStyle/>
           <a:p>
+            <a:pPr marL="0" marR="0" lvl="0" indent="0" algn="l" defTabSz="914400" rtl="0" eaLnBrk="1" fontAlgn="auto" latinLnBrk="0" hangingPunct="1">
+              <a:lnSpc>
+                <a:spcPct val="100000"/>
+              </a:lnSpc>
+              <a:spcBef>
+                <a:spcPts val="0"/>
+              </a:spcBef>
+              <a:spcAft>
+                <a:spcPts val="0"/>
+              </a:spcAft>
+              <a:buClrTx/>
+              <a:buSzTx/>
+              <a:buFontTx/>
+              <a:buNone/>
+              <a:tabLst/>
+              <a:defRPr/>
+            </a:pPr>
             <a:endParaRPr lang="en-AU" dirty="0"/>
           </a:p>
         </p:txBody>
@@ -3990,7 +4119,7 @@
     </p:spTree>
     <p:extLst>
       <p:ext uri="{BB962C8B-B14F-4D97-AF65-F5344CB8AC3E}">
-        <p14:creationId xmlns:p14="http://schemas.microsoft.com/office/powerpoint/2010/main" val="2001386222"/>
+        <p14:creationId xmlns:p14="http://schemas.microsoft.com/office/powerpoint/2010/main" val="2677993137"/>
       </p:ext>
     </p:extLst>
   </p:cSld>
@@ -4074,7 +4203,7 @@
     </p:spTree>
     <p:extLst>
       <p:ext uri="{BB962C8B-B14F-4D97-AF65-F5344CB8AC3E}">
-        <p14:creationId xmlns:p14="http://schemas.microsoft.com/office/powerpoint/2010/main" val="3040101420"/>
+        <p14:creationId xmlns:p14="http://schemas.microsoft.com/office/powerpoint/2010/main" val="3775483357"/>
       </p:ext>
     </p:extLst>
   </p:cSld>
@@ -4175,663 +4304,7 @@
     </p:spTree>
     <p:extLst>
       <p:ext uri="{BB962C8B-B14F-4D97-AF65-F5344CB8AC3E}">
-        <p14:creationId xmlns:p14="http://schemas.microsoft.com/office/powerpoint/2010/main" val="2677993137"/>
-      </p:ext>
-    </p:extLst>
-  </p:cSld>
-  <p:clrMapOvr>
-    <a:masterClrMapping/>
-  </p:clrMapOvr>
-</p:notes>
-</file>
-
-<file path=ppt/notesSlides/notesSlide33.xml><?xml version="1.0" encoding="utf-8"?>
-<p:notes xmlns:a="http://schemas.openxmlformats.org/drawingml/2006/main" xmlns:r="http://schemas.openxmlformats.org/officeDocument/2006/relationships" xmlns:p="http://schemas.openxmlformats.org/presentationml/2006/main">
-  <p:cSld>
-    <p:spTree>
-      <p:nvGrpSpPr>
-        <p:cNvPr id="1" name=""/>
-        <p:cNvGrpSpPr/>
-        <p:nvPr/>
-      </p:nvGrpSpPr>
-      <p:grpSpPr>
-        <a:xfrm>
-          <a:off x="0" y="0"/>
-          <a:ext cx="0" cy="0"/>
-          <a:chOff x="0" y="0"/>
-          <a:chExt cx="0" cy="0"/>
-        </a:xfrm>
-      </p:grpSpPr>
-      <p:sp>
-        <p:nvSpPr>
-          <p:cNvPr id="2" name="Slide Image Placeholder 1"/>
-          <p:cNvSpPr>
-            <a:spLocks noGrp="1" noRot="1" noChangeAspect="1"/>
-          </p:cNvSpPr>
-          <p:nvPr>
-            <p:ph type="sldImg"/>
-          </p:nvPr>
-        </p:nvSpPr>
-        <p:spPr/>
-      </p:sp>
-      <p:sp>
-        <p:nvSpPr>
-          <p:cNvPr id="3" name="Notes Placeholder 2"/>
-          <p:cNvSpPr>
-            <a:spLocks noGrp="1"/>
-          </p:cNvSpPr>
-          <p:nvPr>
-            <p:ph type="body" idx="1"/>
-          </p:nvPr>
-        </p:nvSpPr>
-        <p:spPr/>
-        <p:txBody>
-          <a:bodyPr/>
-          <a:lstStyle/>
-          <a:p>
-            <a:endParaRPr lang="en-AU" dirty="0"/>
-          </a:p>
-        </p:txBody>
-      </p:sp>
-      <p:sp>
-        <p:nvSpPr>
-          <p:cNvPr id="4" name="Slide Number Placeholder 3"/>
-          <p:cNvSpPr>
-            <a:spLocks noGrp="1"/>
-          </p:cNvSpPr>
-          <p:nvPr>
-            <p:ph type="sldNum" sz="quarter" idx="5"/>
-          </p:nvPr>
-        </p:nvSpPr>
-        <p:spPr/>
-        <p:txBody>
-          <a:bodyPr/>
-          <a:lstStyle/>
-          <a:p>
-            <a:fld id="{DF030C05-EF6C-9847-8923-580D76870F8E}" type="slidenum">
-              <a:rPr lang="en-AU" smtClean="0"/>
-              <a:t>33</a:t>
-            </a:fld>
-            <a:endParaRPr lang="en-AU"/>
-          </a:p>
-        </p:txBody>
-      </p:sp>
-    </p:spTree>
-    <p:extLst>
-      <p:ext uri="{BB962C8B-B14F-4D97-AF65-F5344CB8AC3E}">
-        <p14:creationId xmlns:p14="http://schemas.microsoft.com/office/powerpoint/2010/main" val="3775483357"/>
-      </p:ext>
-    </p:extLst>
-  </p:cSld>
-  <p:clrMapOvr>
-    <a:masterClrMapping/>
-  </p:clrMapOvr>
-</p:notes>
-</file>
-
-<file path=ppt/notesSlides/notesSlide34.xml><?xml version="1.0" encoding="utf-8"?>
-<p:notes xmlns:a="http://schemas.openxmlformats.org/drawingml/2006/main" xmlns:r="http://schemas.openxmlformats.org/officeDocument/2006/relationships" xmlns:p="http://schemas.openxmlformats.org/presentationml/2006/main">
-  <p:cSld>
-    <p:spTree>
-      <p:nvGrpSpPr>
-        <p:cNvPr id="1" name=""/>
-        <p:cNvGrpSpPr/>
-        <p:nvPr/>
-      </p:nvGrpSpPr>
-      <p:grpSpPr>
-        <a:xfrm>
-          <a:off x="0" y="0"/>
-          <a:ext cx="0" cy="0"/>
-          <a:chOff x="0" y="0"/>
-          <a:chExt cx="0" cy="0"/>
-        </a:xfrm>
-      </p:grpSpPr>
-      <p:sp>
-        <p:nvSpPr>
-          <p:cNvPr id="2" name="Slide Image Placeholder 1"/>
-          <p:cNvSpPr>
-            <a:spLocks noGrp="1" noRot="1" noChangeAspect="1"/>
-          </p:cNvSpPr>
-          <p:nvPr>
-            <p:ph type="sldImg"/>
-          </p:nvPr>
-        </p:nvSpPr>
-        <p:spPr/>
-      </p:sp>
-      <p:sp>
-        <p:nvSpPr>
-          <p:cNvPr id="3" name="Notes Placeholder 2"/>
-          <p:cNvSpPr>
-            <a:spLocks noGrp="1"/>
-          </p:cNvSpPr>
-          <p:nvPr>
-            <p:ph type="body" idx="1"/>
-          </p:nvPr>
-        </p:nvSpPr>
-        <p:spPr/>
-        <p:txBody>
-          <a:bodyPr/>
-          <a:lstStyle/>
-          <a:p>
-            <a:pPr marL="0" marR="0" lvl="0" indent="0" algn="l" defTabSz="914400" rtl="0" eaLnBrk="1" fontAlgn="auto" latinLnBrk="0" hangingPunct="1">
-              <a:lnSpc>
-                <a:spcPct val="100000"/>
-              </a:lnSpc>
-              <a:spcBef>
-                <a:spcPts val="0"/>
-              </a:spcBef>
-              <a:spcAft>
-                <a:spcPts val="0"/>
-              </a:spcAft>
-              <a:buClrTx/>
-              <a:buSzTx/>
-              <a:buFontTx/>
-              <a:buNone/>
-              <a:tabLst/>
-              <a:defRPr/>
-            </a:pPr>
-            <a:endParaRPr lang="en-AU" dirty="0"/>
-          </a:p>
-        </p:txBody>
-      </p:sp>
-      <p:sp>
-        <p:nvSpPr>
-          <p:cNvPr id="4" name="Slide Number Placeholder 3"/>
-          <p:cNvSpPr>
-            <a:spLocks noGrp="1"/>
-          </p:cNvSpPr>
-          <p:nvPr>
-            <p:ph type="sldNum" sz="quarter" idx="5"/>
-          </p:nvPr>
-        </p:nvSpPr>
-        <p:spPr/>
-        <p:txBody>
-          <a:bodyPr/>
-          <a:lstStyle/>
-          <a:p>
-            <a:fld id="{DF030C05-EF6C-9847-8923-580D76870F8E}" type="slidenum">
-              <a:rPr lang="en-AU" smtClean="0"/>
-              <a:t>34</a:t>
-            </a:fld>
-            <a:endParaRPr lang="en-AU"/>
-          </a:p>
-        </p:txBody>
-      </p:sp>
-    </p:spTree>
-    <p:extLst>
-      <p:ext uri="{BB962C8B-B14F-4D97-AF65-F5344CB8AC3E}">
-        <p14:creationId xmlns:p14="http://schemas.microsoft.com/office/powerpoint/2010/main" val="2780869015"/>
-      </p:ext>
-    </p:extLst>
-  </p:cSld>
-  <p:clrMapOvr>
-    <a:masterClrMapping/>
-  </p:clrMapOvr>
-</p:notes>
-</file>
-
-<file path=ppt/notesSlides/notesSlide35.xml><?xml version="1.0" encoding="utf-8"?>
-<p:notes xmlns:a="http://schemas.openxmlformats.org/drawingml/2006/main" xmlns:r="http://schemas.openxmlformats.org/officeDocument/2006/relationships" xmlns:p="http://schemas.openxmlformats.org/presentationml/2006/main">
-  <p:cSld>
-    <p:spTree>
-      <p:nvGrpSpPr>
-        <p:cNvPr id="1" name=""/>
-        <p:cNvGrpSpPr/>
-        <p:nvPr/>
-      </p:nvGrpSpPr>
-      <p:grpSpPr>
-        <a:xfrm>
-          <a:off x="0" y="0"/>
-          <a:ext cx="0" cy="0"/>
-          <a:chOff x="0" y="0"/>
-          <a:chExt cx="0" cy="0"/>
-        </a:xfrm>
-      </p:grpSpPr>
-      <p:sp>
-        <p:nvSpPr>
-          <p:cNvPr id="2" name="Slide Image Placeholder 1"/>
-          <p:cNvSpPr>
-            <a:spLocks noGrp="1" noRot="1" noChangeAspect="1"/>
-          </p:cNvSpPr>
-          <p:nvPr>
-            <p:ph type="sldImg"/>
-          </p:nvPr>
-        </p:nvSpPr>
-        <p:spPr/>
-      </p:sp>
-      <p:sp>
-        <p:nvSpPr>
-          <p:cNvPr id="3" name="Notes Placeholder 2"/>
-          <p:cNvSpPr>
-            <a:spLocks noGrp="1"/>
-          </p:cNvSpPr>
-          <p:nvPr>
-            <p:ph type="body" idx="1"/>
-          </p:nvPr>
-        </p:nvSpPr>
-        <p:spPr/>
-        <p:txBody>
-          <a:bodyPr/>
-          <a:lstStyle/>
-          <a:p>
-            <a:pPr marL="0" marR="0" lvl="0" indent="0" algn="l" defTabSz="914400" rtl="0" eaLnBrk="1" fontAlgn="auto" latinLnBrk="0" hangingPunct="1">
-              <a:lnSpc>
-                <a:spcPct val="100000"/>
-              </a:lnSpc>
-              <a:spcBef>
-                <a:spcPts val="0"/>
-              </a:spcBef>
-              <a:spcAft>
-                <a:spcPts val="0"/>
-              </a:spcAft>
-              <a:buClrTx/>
-              <a:buSzTx/>
-              <a:buFontTx/>
-              <a:buNone/>
-              <a:tabLst/>
-              <a:defRPr/>
-            </a:pPr>
-            <a:endParaRPr lang="en-AU" dirty="0"/>
-          </a:p>
-        </p:txBody>
-      </p:sp>
-      <p:sp>
-        <p:nvSpPr>
-          <p:cNvPr id="4" name="Slide Number Placeholder 3"/>
-          <p:cNvSpPr>
-            <a:spLocks noGrp="1"/>
-          </p:cNvSpPr>
-          <p:nvPr>
-            <p:ph type="sldNum" sz="quarter" idx="5"/>
-          </p:nvPr>
-        </p:nvSpPr>
-        <p:spPr/>
-        <p:txBody>
-          <a:bodyPr/>
-          <a:lstStyle/>
-          <a:p>
-            <a:fld id="{DF030C05-EF6C-9847-8923-580D76870F8E}" type="slidenum">
-              <a:rPr lang="en-AU" smtClean="0"/>
-              <a:t>35</a:t>
-            </a:fld>
-            <a:endParaRPr lang="en-AU"/>
-          </a:p>
-        </p:txBody>
-      </p:sp>
-    </p:spTree>
-    <p:extLst>
-      <p:ext uri="{BB962C8B-B14F-4D97-AF65-F5344CB8AC3E}">
-        <p14:creationId xmlns:p14="http://schemas.microsoft.com/office/powerpoint/2010/main" val="895153575"/>
-      </p:ext>
-    </p:extLst>
-  </p:cSld>
-  <p:clrMapOvr>
-    <a:masterClrMapping/>
-  </p:clrMapOvr>
-</p:notes>
-</file>
-
-<file path=ppt/notesSlides/notesSlide36.xml><?xml version="1.0" encoding="utf-8"?>
-<p:notes xmlns:a="http://schemas.openxmlformats.org/drawingml/2006/main" xmlns:r="http://schemas.openxmlformats.org/officeDocument/2006/relationships" xmlns:p="http://schemas.openxmlformats.org/presentationml/2006/main">
-  <p:cSld>
-    <p:spTree>
-      <p:nvGrpSpPr>
-        <p:cNvPr id="1" name=""/>
-        <p:cNvGrpSpPr/>
-        <p:nvPr/>
-      </p:nvGrpSpPr>
-      <p:grpSpPr>
-        <a:xfrm>
-          <a:off x="0" y="0"/>
-          <a:ext cx="0" cy="0"/>
-          <a:chOff x="0" y="0"/>
-          <a:chExt cx="0" cy="0"/>
-        </a:xfrm>
-      </p:grpSpPr>
-      <p:sp>
-        <p:nvSpPr>
-          <p:cNvPr id="2" name="Slide Image Placeholder 1"/>
-          <p:cNvSpPr>
-            <a:spLocks noGrp="1" noRot="1" noChangeAspect="1"/>
-          </p:cNvSpPr>
-          <p:nvPr>
-            <p:ph type="sldImg"/>
-          </p:nvPr>
-        </p:nvSpPr>
-        <p:spPr/>
-      </p:sp>
-      <p:sp>
-        <p:nvSpPr>
-          <p:cNvPr id="3" name="Notes Placeholder 2"/>
-          <p:cNvSpPr>
-            <a:spLocks noGrp="1"/>
-          </p:cNvSpPr>
-          <p:nvPr>
-            <p:ph type="body" idx="1"/>
-          </p:nvPr>
-        </p:nvSpPr>
-        <p:spPr/>
-        <p:txBody>
-          <a:bodyPr/>
-          <a:lstStyle/>
-          <a:p>
-            <a:endParaRPr lang="en-AU" dirty="0"/>
-          </a:p>
-        </p:txBody>
-      </p:sp>
-      <p:sp>
-        <p:nvSpPr>
-          <p:cNvPr id="4" name="Slide Number Placeholder 3"/>
-          <p:cNvSpPr>
-            <a:spLocks noGrp="1"/>
-          </p:cNvSpPr>
-          <p:nvPr>
-            <p:ph type="sldNum" sz="quarter" idx="5"/>
-          </p:nvPr>
-        </p:nvSpPr>
-        <p:spPr/>
-        <p:txBody>
-          <a:bodyPr/>
-          <a:lstStyle/>
-          <a:p>
-            <a:fld id="{DF030C05-EF6C-9847-8923-580D76870F8E}" type="slidenum">
-              <a:rPr lang="en-AU" smtClean="0"/>
-              <a:t>36</a:t>
-            </a:fld>
-            <a:endParaRPr lang="en-AU"/>
-          </a:p>
-        </p:txBody>
-      </p:sp>
-    </p:spTree>
-    <p:extLst>
-      <p:ext uri="{BB962C8B-B14F-4D97-AF65-F5344CB8AC3E}">
-        <p14:creationId xmlns:p14="http://schemas.microsoft.com/office/powerpoint/2010/main" val="813264593"/>
-      </p:ext>
-    </p:extLst>
-  </p:cSld>
-  <p:clrMapOvr>
-    <a:masterClrMapping/>
-  </p:clrMapOvr>
-</p:notes>
-</file>
-
-<file path=ppt/notesSlides/notesSlide37.xml><?xml version="1.0" encoding="utf-8"?>
-<p:notes xmlns:a="http://schemas.openxmlformats.org/drawingml/2006/main" xmlns:r="http://schemas.openxmlformats.org/officeDocument/2006/relationships" xmlns:p="http://schemas.openxmlformats.org/presentationml/2006/main">
-  <p:cSld>
-    <p:spTree>
-      <p:nvGrpSpPr>
-        <p:cNvPr id="1" name=""/>
-        <p:cNvGrpSpPr/>
-        <p:nvPr/>
-      </p:nvGrpSpPr>
-      <p:grpSpPr>
-        <a:xfrm>
-          <a:off x="0" y="0"/>
-          <a:ext cx="0" cy="0"/>
-          <a:chOff x="0" y="0"/>
-          <a:chExt cx="0" cy="0"/>
-        </a:xfrm>
-      </p:grpSpPr>
-      <p:sp>
-        <p:nvSpPr>
-          <p:cNvPr id="2" name="Slide Image Placeholder 1"/>
-          <p:cNvSpPr>
-            <a:spLocks noGrp="1" noRot="1" noChangeAspect="1"/>
-          </p:cNvSpPr>
-          <p:nvPr>
-            <p:ph type="sldImg"/>
-          </p:nvPr>
-        </p:nvSpPr>
-        <p:spPr/>
-      </p:sp>
-      <p:sp>
-        <p:nvSpPr>
-          <p:cNvPr id="3" name="Notes Placeholder 2"/>
-          <p:cNvSpPr>
-            <a:spLocks noGrp="1"/>
-          </p:cNvSpPr>
-          <p:nvPr>
-            <p:ph type="body" idx="1"/>
-          </p:nvPr>
-        </p:nvSpPr>
-        <p:spPr/>
-        <p:txBody>
-          <a:bodyPr/>
-          <a:lstStyle/>
-          <a:p>
-            <a:endParaRPr lang="en-AU" dirty="0"/>
-          </a:p>
-        </p:txBody>
-      </p:sp>
-      <p:sp>
-        <p:nvSpPr>
-          <p:cNvPr id="4" name="Slide Number Placeholder 3"/>
-          <p:cNvSpPr>
-            <a:spLocks noGrp="1"/>
-          </p:cNvSpPr>
-          <p:nvPr>
-            <p:ph type="sldNum" sz="quarter" idx="5"/>
-          </p:nvPr>
-        </p:nvSpPr>
-        <p:spPr/>
-        <p:txBody>
-          <a:bodyPr/>
-          <a:lstStyle/>
-          <a:p>
-            <a:fld id="{DF030C05-EF6C-9847-8923-580D76870F8E}" type="slidenum">
-              <a:rPr lang="en-AU" smtClean="0"/>
-              <a:t>37</a:t>
-            </a:fld>
-            <a:endParaRPr lang="en-AU"/>
-          </a:p>
-        </p:txBody>
-      </p:sp>
-    </p:spTree>
-    <p:extLst>
-      <p:ext uri="{BB962C8B-B14F-4D97-AF65-F5344CB8AC3E}">
-        <p14:creationId xmlns:p14="http://schemas.microsoft.com/office/powerpoint/2010/main" val="2114929769"/>
-      </p:ext>
-    </p:extLst>
-  </p:cSld>
-  <p:clrMapOvr>
-    <a:masterClrMapping/>
-  </p:clrMapOvr>
-</p:notes>
-</file>
-
-<file path=ppt/notesSlides/notesSlide38.xml><?xml version="1.0" encoding="utf-8"?>
-<p:notes xmlns:a="http://schemas.openxmlformats.org/drawingml/2006/main" xmlns:r="http://schemas.openxmlformats.org/officeDocument/2006/relationships" xmlns:p="http://schemas.openxmlformats.org/presentationml/2006/main">
-  <p:cSld>
-    <p:spTree>
-      <p:nvGrpSpPr>
-        <p:cNvPr id="1" name=""/>
-        <p:cNvGrpSpPr/>
-        <p:nvPr/>
-      </p:nvGrpSpPr>
-      <p:grpSpPr>
-        <a:xfrm>
-          <a:off x="0" y="0"/>
-          <a:ext cx="0" cy="0"/>
-          <a:chOff x="0" y="0"/>
-          <a:chExt cx="0" cy="0"/>
-        </a:xfrm>
-      </p:grpSpPr>
-      <p:sp>
-        <p:nvSpPr>
-          <p:cNvPr id="2" name="Slide Image Placeholder 1"/>
-          <p:cNvSpPr>
-            <a:spLocks noGrp="1" noRot="1" noChangeAspect="1"/>
-          </p:cNvSpPr>
-          <p:nvPr>
-            <p:ph type="sldImg"/>
-          </p:nvPr>
-        </p:nvSpPr>
-        <p:spPr/>
-      </p:sp>
-      <p:sp>
-        <p:nvSpPr>
-          <p:cNvPr id="3" name="Notes Placeholder 2"/>
-          <p:cNvSpPr>
-            <a:spLocks noGrp="1"/>
-          </p:cNvSpPr>
-          <p:nvPr>
-            <p:ph type="body" idx="1"/>
-          </p:nvPr>
-        </p:nvSpPr>
-        <p:spPr/>
-        <p:txBody>
-          <a:bodyPr/>
-          <a:lstStyle/>
-          <a:p>
-            <a:pPr marL="0" marR="0" lvl="0" indent="0" algn="l" defTabSz="914400" rtl="0" eaLnBrk="1" fontAlgn="auto" latinLnBrk="0" hangingPunct="1">
-              <a:lnSpc>
-                <a:spcPct val="100000"/>
-              </a:lnSpc>
-              <a:spcBef>
-                <a:spcPts val="0"/>
-              </a:spcBef>
-              <a:spcAft>
-                <a:spcPts val="0"/>
-              </a:spcAft>
-              <a:buClrTx/>
-              <a:buSzTx/>
-              <a:buFontTx/>
-              <a:buNone/>
-              <a:tabLst/>
-              <a:defRPr/>
-            </a:pPr>
-            <a:endParaRPr lang="en-AU" dirty="0"/>
-          </a:p>
-        </p:txBody>
-      </p:sp>
-      <p:sp>
-        <p:nvSpPr>
-          <p:cNvPr id="4" name="Slide Number Placeholder 3"/>
-          <p:cNvSpPr>
-            <a:spLocks noGrp="1"/>
-          </p:cNvSpPr>
-          <p:nvPr>
-            <p:ph type="sldNum" sz="quarter" idx="5"/>
-          </p:nvPr>
-        </p:nvSpPr>
-        <p:spPr/>
-        <p:txBody>
-          <a:bodyPr/>
-          <a:lstStyle/>
-          <a:p>
-            <a:fld id="{DF030C05-EF6C-9847-8923-580D76870F8E}" type="slidenum">
-              <a:rPr lang="en-AU" smtClean="0"/>
-              <a:t>38</a:t>
-            </a:fld>
-            <a:endParaRPr lang="en-AU"/>
-          </a:p>
-        </p:txBody>
-      </p:sp>
-    </p:spTree>
-    <p:extLst>
-      <p:ext uri="{BB962C8B-B14F-4D97-AF65-F5344CB8AC3E}">
         <p14:creationId xmlns:p14="http://schemas.microsoft.com/office/powerpoint/2010/main" val="1875223113"/>
-      </p:ext>
-    </p:extLst>
-  </p:cSld>
-  <p:clrMapOvr>
-    <a:masterClrMapping/>
-  </p:clrMapOvr>
-</p:notes>
-</file>
-
-<file path=ppt/notesSlides/notesSlide39.xml><?xml version="1.0" encoding="utf-8"?>
-<p:notes xmlns:a="http://schemas.openxmlformats.org/drawingml/2006/main" xmlns:r="http://schemas.openxmlformats.org/officeDocument/2006/relationships" xmlns:p="http://schemas.openxmlformats.org/presentationml/2006/main">
-  <p:cSld>
-    <p:spTree>
-      <p:nvGrpSpPr>
-        <p:cNvPr id="1" name=""/>
-        <p:cNvGrpSpPr/>
-        <p:nvPr/>
-      </p:nvGrpSpPr>
-      <p:grpSpPr>
-        <a:xfrm>
-          <a:off x="0" y="0"/>
-          <a:ext cx="0" cy="0"/>
-          <a:chOff x="0" y="0"/>
-          <a:chExt cx="0" cy="0"/>
-        </a:xfrm>
-      </p:grpSpPr>
-      <p:sp>
-        <p:nvSpPr>
-          <p:cNvPr id="2" name="Slide Image Placeholder 1"/>
-          <p:cNvSpPr>
-            <a:spLocks noGrp="1" noRot="1" noChangeAspect="1"/>
-          </p:cNvSpPr>
-          <p:nvPr>
-            <p:ph type="sldImg"/>
-          </p:nvPr>
-        </p:nvSpPr>
-        <p:spPr/>
-      </p:sp>
-      <p:sp>
-        <p:nvSpPr>
-          <p:cNvPr id="3" name="Notes Placeholder 2"/>
-          <p:cNvSpPr>
-            <a:spLocks noGrp="1"/>
-          </p:cNvSpPr>
-          <p:nvPr>
-            <p:ph type="body" idx="1"/>
-          </p:nvPr>
-        </p:nvSpPr>
-        <p:spPr/>
-        <p:txBody>
-          <a:bodyPr/>
-          <a:lstStyle/>
-          <a:p>
-            <a:pPr marL="0" marR="0" lvl="0" indent="0" algn="l" defTabSz="914400" rtl="0" eaLnBrk="1" fontAlgn="auto" latinLnBrk="0" hangingPunct="1">
-              <a:lnSpc>
-                <a:spcPct val="100000"/>
-              </a:lnSpc>
-              <a:spcBef>
-                <a:spcPts val="0"/>
-              </a:spcBef>
-              <a:spcAft>
-                <a:spcPts val="0"/>
-              </a:spcAft>
-              <a:buClrTx/>
-              <a:buSzTx/>
-              <a:buFontTx/>
-              <a:buNone/>
-              <a:tabLst/>
-              <a:defRPr/>
-            </a:pPr>
-            <a:endParaRPr lang="en-AU" dirty="0"/>
-          </a:p>
-        </p:txBody>
-      </p:sp>
-      <p:sp>
-        <p:nvSpPr>
-          <p:cNvPr id="4" name="Slide Number Placeholder 3"/>
-          <p:cNvSpPr>
-            <a:spLocks noGrp="1"/>
-          </p:cNvSpPr>
-          <p:nvPr>
-            <p:ph type="sldNum" sz="quarter" idx="5"/>
-          </p:nvPr>
-        </p:nvSpPr>
-        <p:spPr/>
-        <p:txBody>
-          <a:bodyPr/>
-          <a:lstStyle/>
-          <a:p>
-            <a:fld id="{DF030C05-EF6C-9847-8923-580D76870F8E}" type="slidenum">
-              <a:rPr lang="en-AU" smtClean="0"/>
-              <a:t>39</a:t>
-            </a:fld>
-            <a:endParaRPr lang="en-AU"/>
-          </a:p>
-        </p:txBody>
-      </p:sp>
-    </p:spTree>
-    <p:extLst>
-      <p:ext uri="{BB962C8B-B14F-4D97-AF65-F5344CB8AC3E}">
-        <p14:creationId xmlns:p14="http://schemas.microsoft.com/office/powerpoint/2010/main" val="1219494435"/>
       </p:ext>
     </p:extLst>
   </p:cSld>
@@ -4916,393 +4389,6 @@
     <p:extLst>
       <p:ext uri="{BB962C8B-B14F-4D97-AF65-F5344CB8AC3E}">
         <p14:creationId xmlns:p14="http://schemas.microsoft.com/office/powerpoint/2010/main" val="2967239513"/>
-      </p:ext>
-    </p:extLst>
-  </p:cSld>
-  <p:clrMapOvr>
-    <a:masterClrMapping/>
-  </p:clrMapOvr>
-</p:notes>
-</file>
-
-<file path=ppt/notesSlides/notesSlide40.xml><?xml version="1.0" encoding="utf-8"?>
-<p:notes xmlns:a="http://schemas.openxmlformats.org/drawingml/2006/main" xmlns:r="http://schemas.openxmlformats.org/officeDocument/2006/relationships" xmlns:p="http://schemas.openxmlformats.org/presentationml/2006/main">
-  <p:cSld>
-    <p:spTree>
-      <p:nvGrpSpPr>
-        <p:cNvPr id="1" name=""/>
-        <p:cNvGrpSpPr/>
-        <p:nvPr/>
-      </p:nvGrpSpPr>
-      <p:grpSpPr>
-        <a:xfrm>
-          <a:off x="0" y="0"/>
-          <a:ext cx="0" cy="0"/>
-          <a:chOff x="0" y="0"/>
-          <a:chExt cx="0" cy="0"/>
-        </a:xfrm>
-      </p:grpSpPr>
-      <p:sp>
-        <p:nvSpPr>
-          <p:cNvPr id="2" name="Slide Image Placeholder 1"/>
-          <p:cNvSpPr>
-            <a:spLocks noGrp="1" noRot="1" noChangeAspect="1"/>
-          </p:cNvSpPr>
-          <p:nvPr>
-            <p:ph type="sldImg"/>
-          </p:nvPr>
-        </p:nvSpPr>
-        <p:spPr/>
-      </p:sp>
-      <p:sp>
-        <p:nvSpPr>
-          <p:cNvPr id="3" name="Notes Placeholder 2"/>
-          <p:cNvSpPr>
-            <a:spLocks noGrp="1"/>
-          </p:cNvSpPr>
-          <p:nvPr>
-            <p:ph type="body" idx="1"/>
-          </p:nvPr>
-        </p:nvSpPr>
-        <p:spPr/>
-        <p:txBody>
-          <a:bodyPr/>
-          <a:lstStyle/>
-          <a:p>
-            <a:pPr marL="0" marR="0" lvl="0" indent="0" algn="l" defTabSz="914400" rtl="0" eaLnBrk="1" fontAlgn="auto" latinLnBrk="0" hangingPunct="1">
-              <a:lnSpc>
-                <a:spcPct val="100000"/>
-              </a:lnSpc>
-              <a:spcBef>
-                <a:spcPts val="0"/>
-              </a:spcBef>
-              <a:spcAft>
-                <a:spcPts val="0"/>
-              </a:spcAft>
-              <a:buClrTx/>
-              <a:buSzTx/>
-              <a:buFontTx/>
-              <a:buNone/>
-              <a:tabLst/>
-              <a:defRPr/>
-            </a:pPr>
-            <a:endParaRPr lang="en-AU" dirty="0"/>
-          </a:p>
-        </p:txBody>
-      </p:sp>
-      <p:sp>
-        <p:nvSpPr>
-          <p:cNvPr id="4" name="Slide Number Placeholder 3"/>
-          <p:cNvSpPr>
-            <a:spLocks noGrp="1"/>
-          </p:cNvSpPr>
-          <p:nvPr>
-            <p:ph type="sldNum" sz="quarter" idx="5"/>
-          </p:nvPr>
-        </p:nvSpPr>
-        <p:spPr/>
-        <p:txBody>
-          <a:bodyPr/>
-          <a:lstStyle/>
-          <a:p>
-            <a:fld id="{DF030C05-EF6C-9847-8923-580D76870F8E}" type="slidenum">
-              <a:rPr lang="en-AU" smtClean="0"/>
-              <a:t>40</a:t>
-            </a:fld>
-            <a:endParaRPr lang="en-AU"/>
-          </a:p>
-        </p:txBody>
-      </p:sp>
-    </p:spTree>
-    <p:extLst>
-      <p:ext uri="{BB962C8B-B14F-4D97-AF65-F5344CB8AC3E}">
-        <p14:creationId xmlns:p14="http://schemas.microsoft.com/office/powerpoint/2010/main" val="210879796"/>
-      </p:ext>
-    </p:extLst>
-  </p:cSld>
-  <p:clrMapOvr>
-    <a:masterClrMapping/>
-  </p:clrMapOvr>
-</p:notes>
-</file>
-
-<file path=ppt/notesSlides/notesSlide41.xml><?xml version="1.0" encoding="utf-8"?>
-<p:notes xmlns:a="http://schemas.openxmlformats.org/drawingml/2006/main" xmlns:r="http://schemas.openxmlformats.org/officeDocument/2006/relationships" xmlns:p="http://schemas.openxmlformats.org/presentationml/2006/main">
-  <p:cSld>
-    <p:spTree>
-      <p:nvGrpSpPr>
-        <p:cNvPr id="1" name=""/>
-        <p:cNvGrpSpPr/>
-        <p:nvPr/>
-      </p:nvGrpSpPr>
-      <p:grpSpPr>
-        <a:xfrm>
-          <a:off x="0" y="0"/>
-          <a:ext cx="0" cy="0"/>
-          <a:chOff x="0" y="0"/>
-          <a:chExt cx="0" cy="0"/>
-        </a:xfrm>
-      </p:grpSpPr>
-      <p:sp>
-        <p:nvSpPr>
-          <p:cNvPr id="2" name="Slide Image Placeholder 1"/>
-          <p:cNvSpPr>
-            <a:spLocks noGrp="1" noRot="1" noChangeAspect="1"/>
-          </p:cNvSpPr>
-          <p:nvPr>
-            <p:ph type="sldImg"/>
-          </p:nvPr>
-        </p:nvSpPr>
-        <p:spPr/>
-      </p:sp>
-      <p:sp>
-        <p:nvSpPr>
-          <p:cNvPr id="3" name="Notes Placeholder 2"/>
-          <p:cNvSpPr>
-            <a:spLocks noGrp="1"/>
-          </p:cNvSpPr>
-          <p:nvPr>
-            <p:ph type="body" idx="1"/>
-          </p:nvPr>
-        </p:nvSpPr>
-        <p:spPr/>
-        <p:txBody>
-          <a:bodyPr/>
-          <a:lstStyle/>
-          <a:p>
-            <a:endParaRPr lang="en-AU" dirty="0"/>
-          </a:p>
-        </p:txBody>
-      </p:sp>
-      <p:sp>
-        <p:nvSpPr>
-          <p:cNvPr id="4" name="Slide Number Placeholder 3"/>
-          <p:cNvSpPr>
-            <a:spLocks noGrp="1"/>
-          </p:cNvSpPr>
-          <p:nvPr>
-            <p:ph type="sldNum" sz="quarter" idx="5"/>
-          </p:nvPr>
-        </p:nvSpPr>
-        <p:spPr/>
-        <p:txBody>
-          <a:bodyPr/>
-          <a:lstStyle/>
-          <a:p>
-            <a:fld id="{DF030C05-EF6C-9847-8923-580D76870F8E}" type="slidenum">
-              <a:rPr lang="en-AU" smtClean="0"/>
-              <a:t>41</a:t>
-            </a:fld>
-            <a:endParaRPr lang="en-AU"/>
-          </a:p>
-        </p:txBody>
-      </p:sp>
-    </p:spTree>
-    <p:extLst>
-      <p:ext uri="{BB962C8B-B14F-4D97-AF65-F5344CB8AC3E}">
-        <p14:creationId xmlns:p14="http://schemas.microsoft.com/office/powerpoint/2010/main" val="2577830088"/>
-      </p:ext>
-    </p:extLst>
-  </p:cSld>
-  <p:clrMapOvr>
-    <a:masterClrMapping/>
-  </p:clrMapOvr>
-</p:notes>
-</file>
-
-<file path=ppt/notesSlides/notesSlide42.xml><?xml version="1.0" encoding="utf-8"?>
-<p:notes xmlns:a="http://schemas.openxmlformats.org/drawingml/2006/main" xmlns:r="http://schemas.openxmlformats.org/officeDocument/2006/relationships" xmlns:p="http://schemas.openxmlformats.org/presentationml/2006/main">
-  <p:cSld>
-    <p:spTree>
-      <p:nvGrpSpPr>
-        <p:cNvPr id="1" name=""/>
-        <p:cNvGrpSpPr/>
-        <p:nvPr/>
-      </p:nvGrpSpPr>
-      <p:grpSpPr>
-        <a:xfrm>
-          <a:off x="0" y="0"/>
-          <a:ext cx="0" cy="0"/>
-          <a:chOff x="0" y="0"/>
-          <a:chExt cx="0" cy="0"/>
-        </a:xfrm>
-      </p:grpSpPr>
-      <p:sp>
-        <p:nvSpPr>
-          <p:cNvPr id="2" name="Slide Image Placeholder 1"/>
-          <p:cNvSpPr>
-            <a:spLocks noGrp="1" noRot="1" noChangeAspect="1"/>
-          </p:cNvSpPr>
-          <p:nvPr>
-            <p:ph type="sldImg"/>
-          </p:nvPr>
-        </p:nvSpPr>
-        <p:spPr/>
-      </p:sp>
-      <p:sp>
-        <p:nvSpPr>
-          <p:cNvPr id="3" name="Notes Placeholder 2"/>
-          <p:cNvSpPr>
-            <a:spLocks noGrp="1"/>
-          </p:cNvSpPr>
-          <p:nvPr>
-            <p:ph type="body" idx="1"/>
-          </p:nvPr>
-        </p:nvSpPr>
-        <p:spPr/>
-        <p:txBody>
-          <a:bodyPr/>
-          <a:lstStyle/>
-          <a:p>
-            <a:pPr marL="0" marR="0" lvl="0" indent="0" algn="l" defTabSz="914400" rtl="0" eaLnBrk="1" fontAlgn="auto" latinLnBrk="0" hangingPunct="1">
-              <a:lnSpc>
-                <a:spcPct val="100000"/>
-              </a:lnSpc>
-              <a:spcBef>
-                <a:spcPts val="0"/>
-              </a:spcBef>
-              <a:spcAft>
-                <a:spcPts val="0"/>
-              </a:spcAft>
-              <a:buClrTx/>
-              <a:buSzTx/>
-              <a:buFontTx/>
-              <a:buNone/>
-              <a:tabLst/>
-              <a:defRPr/>
-            </a:pPr>
-            <a:endParaRPr lang="en-AU" dirty="0"/>
-          </a:p>
-        </p:txBody>
-      </p:sp>
-      <p:sp>
-        <p:nvSpPr>
-          <p:cNvPr id="4" name="Slide Number Placeholder 3"/>
-          <p:cNvSpPr>
-            <a:spLocks noGrp="1"/>
-          </p:cNvSpPr>
-          <p:nvPr>
-            <p:ph type="sldNum" sz="quarter" idx="5"/>
-          </p:nvPr>
-        </p:nvSpPr>
-        <p:spPr/>
-        <p:txBody>
-          <a:bodyPr/>
-          <a:lstStyle/>
-          <a:p>
-            <a:fld id="{DF030C05-EF6C-9847-8923-580D76870F8E}" type="slidenum">
-              <a:rPr lang="en-AU" smtClean="0"/>
-              <a:t>42</a:t>
-            </a:fld>
-            <a:endParaRPr lang="en-AU"/>
-          </a:p>
-        </p:txBody>
-      </p:sp>
-    </p:spTree>
-    <p:extLst>
-      <p:ext uri="{BB962C8B-B14F-4D97-AF65-F5344CB8AC3E}">
-        <p14:creationId xmlns:p14="http://schemas.microsoft.com/office/powerpoint/2010/main" val="3930088544"/>
-      </p:ext>
-    </p:extLst>
-  </p:cSld>
-  <p:clrMapOvr>
-    <a:masterClrMapping/>
-  </p:clrMapOvr>
-</p:notes>
-</file>
-
-<file path=ppt/notesSlides/notesSlide43.xml><?xml version="1.0" encoding="utf-8"?>
-<p:notes xmlns:a="http://schemas.openxmlformats.org/drawingml/2006/main" xmlns:r="http://schemas.openxmlformats.org/officeDocument/2006/relationships" xmlns:p="http://schemas.openxmlformats.org/presentationml/2006/main">
-  <p:cSld>
-    <p:spTree>
-      <p:nvGrpSpPr>
-        <p:cNvPr id="1" name=""/>
-        <p:cNvGrpSpPr/>
-        <p:nvPr/>
-      </p:nvGrpSpPr>
-      <p:grpSpPr>
-        <a:xfrm>
-          <a:off x="0" y="0"/>
-          <a:ext cx="0" cy="0"/>
-          <a:chOff x="0" y="0"/>
-          <a:chExt cx="0" cy="0"/>
-        </a:xfrm>
-      </p:grpSpPr>
-      <p:sp>
-        <p:nvSpPr>
-          <p:cNvPr id="2" name="Slide Image Placeholder 1"/>
-          <p:cNvSpPr>
-            <a:spLocks noGrp="1" noRot="1" noChangeAspect="1"/>
-          </p:cNvSpPr>
-          <p:nvPr>
-            <p:ph type="sldImg"/>
-          </p:nvPr>
-        </p:nvSpPr>
-        <p:spPr/>
-      </p:sp>
-      <p:sp>
-        <p:nvSpPr>
-          <p:cNvPr id="3" name="Notes Placeholder 2"/>
-          <p:cNvSpPr>
-            <a:spLocks noGrp="1"/>
-          </p:cNvSpPr>
-          <p:nvPr>
-            <p:ph type="body" idx="1"/>
-          </p:nvPr>
-        </p:nvSpPr>
-        <p:spPr/>
-        <p:txBody>
-          <a:bodyPr/>
-          <a:lstStyle/>
-          <a:p>
-            <a:pPr marL="0" marR="0" lvl="0" indent="0" algn="l" defTabSz="914400" rtl="0" eaLnBrk="1" fontAlgn="auto" latinLnBrk="0" hangingPunct="1">
-              <a:lnSpc>
-                <a:spcPct val="100000"/>
-              </a:lnSpc>
-              <a:spcBef>
-                <a:spcPts val="0"/>
-              </a:spcBef>
-              <a:spcAft>
-                <a:spcPts val="0"/>
-              </a:spcAft>
-              <a:buClrTx/>
-              <a:buSzTx/>
-              <a:buFontTx/>
-              <a:buNone/>
-              <a:tabLst/>
-              <a:defRPr/>
-            </a:pPr>
-            <a:endParaRPr lang="en-AU" dirty="0"/>
-          </a:p>
-        </p:txBody>
-      </p:sp>
-      <p:sp>
-        <p:nvSpPr>
-          <p:cNvPr id="4" name="Slide Number Placeholder 3"/>
-          <p:cNvSpPr>
-            <a:spLocks noGrp="1"/>
-          </p:cNvSpPr>
-          <p:nvPr>
-            <p:ph type="sldNum" sz="quarter" idx="5"/>
-          </p:nvPr>
-        </p:nvSpPr>
-        <p:spPr/>
-        <p:txBody>
-          <a:bodyPr/>
-          <a:lstStyle/>
-          <a:p>
-            <a:fld id="{DF030C05-EF6C-9847-8923-580D76870F8E}" type="slidenum">
-              <a:rPr lang="en-AU" smtClean="0"/>
-              <a:t>43</a:t>
-            </a:fld>
-            <a:endParaRPr lang="en-AU"/>
-          </a:p>
-        </p:txBody>
-      </p:sp>
-    </p:spTree>
-    <p:extLst>
-      <p:ext uri="{BB962C8B-B14F-4D97-AF65-F5344CB8AC3E}">
-        <p14:creationId xmlns:p14="http://schemas.microsoft.com/office/powerpoint/2010/main" val="3413290938"/>
       </p:ext>
     </p:extLst>
   </p:cSld>
@@ -5917,7 +5003,7 @@
           <a:p>
             <a:fld id="{88D38747-4367-4BD2-8D51-C97E202738E2}" type="datetime1">
               <a:rPr lang="en-US" smtClean="0"/>
-              <a:t>7/12/2023</a:t>
+              <a:t>7/30/2024</a:t>
             </a:fld>
             <a:endParaRPr lang="en-US" dirty="0"/>
           </a:p>
@@ -6222,7 +5308,7 @@
           <a:p>
             <a:fld id="{11F1B079-7EF0-44EE-B798-BCC497C9F3B2}" type="datetime1">
               <a:rPr lang="en-US" smtClean="0"/>
-              <a:t>7/12/2023</a:t>
+              <a:t>7/30/2024</a:t>
             </a:fld>
             <a:endParaRPr lang="en-US" dirty="0"/>
           </a:p>
@@ -6416,7 +5502,7 @@
           <a:p>
             <a:fld id="{28FF70A8-1D13-4657-95F0-A9EA54967B8D}" type="datetime1">
               <a:rPr lang="en-US" smtClean="0"/>
-              <a:t>7/12/2023</a:t>
+              <a:t>7/30/2024</a:t>
             </a:fld>
             <a:endParaRPr lang="en-US" dirty="0"/>
           </a:p>
@@ -6679,7 +5765,7 @@
           <a:p>
             <a:fld id="{21EB90AC-71BD-4C7F-8ACA-7B3F18292E63}" type="datetime1">
               <a:rPr lang="en-US" smtClean="0"/>
-              <a:t>7/12/2023</a:t>
+              <a:t>7/30/2024</a:t>
             </a:fld>
             <a:endParaRPr lang="en-US" dirty="0"/>
           </a:p>
@@ -7115,7 +6201,7 @@
           <a:p>
             <a:fld id="{4E6EFC2C-8905-46F0-B443-CE905B76BA01}" type="datetime1">
               <a:rPr lang="en-US" smtClean="0"/>
-              <a:t>7/12/2023</a:t>
+              <a:t>7/30/2024</a:t>
             </a:fld>
             <a:endParaRPr lang="en-US" dirty="0"/>
           </a:p>
@@ -7652,7 +6738,7 @@
           <a:p>
             <a:fld id="{D9079DC3-C9B5-499E-9140-0DC28B7074E2}" type="datetime1">
               <a:rPr lang="en-US" smtClean="0"/>
-              <a:t>7/12/2023</a:t>
+              <a:t>7/30/2024</a:t>
             </a:fld>
             <a:endParaRPr lang="en-US" dirty="0"/>
           </a:p>
@@ -8534,7 +7620,7 @@
           <a:p>
             <a:fld id="{30BB33EA-E472-4D22-9C03-A9C14AA21CED}" type="datetime1">
               <a:rPr lang="en-US" smtClean="0"/>
-              <a:t>7/12/2023</a:t>
+              <a:t>7/30/2024</a:t>
             </a:fld>
             <a:endParaRPr lang="en-US" dirty="0"/>
           </a:p>
@@ -8704,7 +7790,7 @@
           <a:p>
             <a:fld id="{217E833E-1B6D-415F-AD29-75AE8C43BD0D}" type="datetime1">
               <a:rPr lang="en-US" smtClean="0"/>
-              <a:t>7/12/2023</a:t>
+              <a:t>7/30/2024</a:t>
             </a:fld>
             <a:endParaRPr lang="en-US" dirty="0"/>
           </a:p>
@@ -8888,7 +7974,7 @@
           <a:p>
             <a:fld id="{8452596F-08A7-4B70-989A-F2B1CF31E66B}" type="datetime1">
               <a:rPr lang="en-US" smtClean="0"/>
-              <a:t>7/12/2023</a:t>
+              <a:t>7/30/2024</a:t>
             </a:fld>
             <a:endParaRPr lang="en-US" dirty="0"/>
           </a:p>
@@ -9058,7 +8144,7 @@
           <a:p>
             <a:fld id="{73C55A3C-5767-4844-A0A3-83778C2E5409}" type="datetime1">
               <a:rPr lang="en-US" smtClean="0"/>
-              <a:t>7/12/2023</a:t>
+              <a:t>7/30/2024</a:t>
             </a:fld>
             <a:endParaRPr lang="en-US" dirty="0"/>
           </a:p>
@@ -9302,7 +8388,7 @@
           <a:p>
             <a:fld id="{CAE507A8-A5CF-4D38-AB86-7EDDA87A85D4}" type="datetime1">
               <a:rPr lang="en-US" smtClean="0"/>
-              <a:t>7/12/2023</a:t>
+              <a:t>7/30/2024</a:t>
             </a:fld>
             <a:endParaRPr lang="en-US" dirty="0"/>
           </a:p>
@@ -9544,7 +8630,7 @@
           <a:p>
             <a:fld id="{BDFCD27C-8599-43EF-BA1D-14DDC1946E06}" type="datetime1">
               <a:rPr lang="en-US" smtClean="0"/>
-              <a:t>7/12/2023</a:t>
+              <a:t>7/30/2024</a:t>
             </a:fld>
             <a:endParaRPr lang="en-US" dirty="0"/>
           </a:p>
@@ -10025,7 +9111,7 @@
           <a:p>
             <a:fld id="{49343D99-809A-49C0-96E5-4250D0B498EE}" type="datetime1">
               <a:rPr lang="en-US" smtClean="0"/>
-              <a:t>7/12/2023</a:t>
+              <a:t>7/30/2024</a:t>
             </a:fld>
             <a:endParaRPr lang="en-US" dirty="0"/>
           </a:p>
@@ -10143,7 +9229,7 @@
           <a:p>
             <a:fld id="{A143DE9B-B678-4EFB-BB7D-A4370204A0B0}" type="datetime1">
               <a:rPr lang="en-US" smtClean="0"/>
-              <a:t>7/12/2023</a:t>
+              <a:t>7/30/2024</a:t>
             </a:fld>
             <a:endParaRPr lang="en-US" dirty="0"/>
           </a:p>
@@ -10238,7 +9324,7 @@
           <a:p>
             <a:fld id="{E68812DA-F765-4142-A6A3-A8ED7235E082}" type="datetime1">
               <a:rPr lang="en-US" smtClean="0"/>
-              <a:t>7/12/2023</a:t>
+              <a:t>7/30/2024</a:t>
             </a:fld>
             <a:endParaRPr lang="en-US" dirty="0"/>
           </a:p>
@@ -10493,7 +9579,7 @@
           <a:p>
             <a:fld id="{3E0277FD-7DE6-41D4-930D-AC99F5AFE54E}" type="datetime1">
               <a:rPr lang="en-US" smtClean="0"/>
-              <a:t>7/12/2023</a:t>
+              <a:t>7/30/2024</a:t>
             </a:fld>
             <a:endParaRPr lang="en-US" dirty="0"/>
           </a:p>
@@ -10800,7 +9886,7 @@
           <a:p>
             <a:fld id="{9EA15526-7079-4B7B-987C-1B5FAE11A0FF}" type="datetime1">
               <a:rPr lang="en-US" smtClean="0"/>
-              <a:t>7/12/2023</a:t>
+              <a:t>7/30/2024</a:t>
             </a:fld>
             <a:endParaRPr lang="en-US" dirty="0"/>
           </a:p>
@@ -11035,7 +10121,7 @@
           <a:p>
             <a:fld id="{073ED0CC-082F-4160-86E5-0D6041F12778}" type="datetime1">
               <a:rPr lang="en-US" smtClean="0"/>
-              <a:t>7/12/2023</a:t>
+              <a:t>7/30/2024</a:t>
             </a:fld>
             <a:endParaRPr lang="en-US" dirty="0"/>
           </a:p>
@@ -12005,9 +11091,10 @@
               <a:rPr lang="en-US" sz="4800" dirty="0"/>
             </a:br>
             <a:r>
-              <a:rPr lang="en-US" sz="4800" dirty="0"/>
-              <a:t>[4] Threats exercise</a:t>
-            </a:r>
+              <a:rPr lang="en-US" sz="4800"/>
+              <a:t>Malware Evasion</a:t>
+            </a:r>
+            <a:endParaRPr lang="en-US" sz="4800" dirty="0"/>
           </a:p>
         </p:txBody>
       </p:sp>
@@ -13145,13 +12232,8 @@
             <a:pPr algn="ctr"/>
             <a:r>
               <a:rPr lang="en-AU" sz="2800" dirty="0"/>
-              <a:t>n </a:t>
-            </a:r>
-            <a:r>
-              <a:rPr lang="en-AU" sz="2800" dirty="0" err="1"/>
-              <a:t>decryptors</a:t>
-            </a:r>
-            <a:endParaRPr lang="en-AU" sz="2800" dirty="0"/>
+              <a:t>n decryptors</a:t>
+            </a:r>
           </a:p>
         </p:txBody>
       </p:sp>
@@ -14549,13 +13631,8 @@
             <a:pPr algn="ctr"/>
             <a:r>
               <a:rPr lang="en-AU" sz="2800" dirty="0"/>
-              <a:t>n </a:t>
-            </a:r>
-            <a:r>
-              <a:rPr lang="en-AU" sz="2800" dirty="0" err="1"/>
-              <a:t>decryptors</a:t>
-            </a:r>
-            <a:endParaRPr lang="en-AU" sz="2800" dirty="0"/>
+              <a:t>n decryptors</a:t>
+            </a:r>
           </a:p>
         </p:txBody>
       </p:sp>
@@ -16049,13 +15126,8 @@
             <a:pPr algn="ctr"/>
             <a:r>
               <a:rPr lang="en-AU" sz="2800" dirty="0"/>
-              <a:t>n </a:t>
-            </a:r>
-            <a:r>
-              <a:rPr lang="en-AU" sz="2800" dirty="0" err="1"/>
-              <a:t>decryptors</a:t>
-            </a:r>
-            <a:endParaRPr lang="en-AU" sz="2800" dirty="0"/>
+              <a:t>n decryptors</a:t>
+            </a:r>
           </a:p>
         </p:txBody>
       </p:sp>
@@ -16678,13 +15750,8 @@
             </a:r>
             <a:r>
               <a:rPr lang="en-AU" sz="2800" dirty="0"/>
-              <a:t> </a:t>
-            </a:r>
-            <a:r>
-              <a:rPr lang="en-AU" sz="2800" dirty="0" err="1"/>
-              <a:t>decryptors</a:t>
-            </a:r>
-            <a:endParaRPr lang="en-AU" sz="2800" dirty="0"/>
+              <a:t> decryptors</a:t>
+            </a:r>
           </a:p>
         </p:txBody>
       </p:sp>
@@ -17981,13 +17048,8 @@
             </a:r>
             <a:r>
               <a:rPr lang="en-AU" sz="2800" dirty="0"/>
-              <a:t> </a:t>
-            </a:r>
-            <a:r>
-              <a:rPr lang="en-AU" sz="2800" dirty="0" err="1"/>
-              <a:t>decryptors</a:t>
-            </a:r>
-            <a:endParaRPr lang="en-AU" sz="2800" dirty="0"/>
+              <a:t> decryptors</a:t>
+            </a:r>
           </a:p>
         </p:txBody>
       </p:sp>
@@ -19335,13 +18397,8 @@
             </a:r>
             <a:r>
               <a:rPr lang="en-AU" sz="2800" dirty="0"/>
-              <a:t> </a:t>
-            </a:r>
-            <a:r>
-              <a:rPr lang="en-AU" sz="2800" dirty="0" err="1"/>
-              <a:t>decryptors</a:t>
-            </a:r>
-            <a:endParaRPr lang="en-AU" sz="2800" dirty="0"/>
+              <a:t> decryptors</a:t>
+            </a:r>
           </a:p>
         </p:txBody>
       </p:sp>
@@ -20812,13 +19869,8 @@
             <a:pPr algn="ctr"/>
             <a:r>
               <a:rPr lang="en-AU" sz="2800" dirty="0"/>
-              <a:t>n mutated </a:t>
-            </a:r>
-            <a:r>
-              <a:rPr lang="en-AU" sz="2800" dirty="0" err="1"/>
-              <a:t>decryptors</a:t>
-            </a:r>
-            <a:endParaRPr lang="en-AU" sz="2800" dirty="0"/>
+              <a:t>n mutated decryptors</a:t>
+            </a:r>
           </a:p>
         </p:txBody>
       </p:sp>
@@ -22957,15 +22009,7 @@
             <a:pPr lvl="1"/>
             <a:r>
               <a:rPr lang="en-AU" sz="2800" dirty="0"/>
-              <a:t>pattern detection: identify patterns/signatures in the </a:t>
-            </a:r>
-            <a:r>
-              <a:rPr lang="en-AU" sz="2800" dirty="0" err="1"/>
-              <a:t>decryptors</a:t>
-            </a:r>
-            <a:r>
-              <a:rPr lang="en-AU" sz="2800" dirty="0"/>
-              <a:t>. </a:t>
+              <a:t>pattern detection: identify patterns/signatures in the decryptors. </a:t>
             </a:r>
           </a:p>
           <a:p>
@@ -25800,17 +24844,40 @@
         </p:nvSpPr>
         <p:spPr>
           <a:xfrm>
-            <a:off x="391279" y="1333110"/>
-            <a:ext cx="11514581" cy="3714749"/>
-          </a:xfrm>
-        </p:spPr>
-        <p:txBody>
-          <a:bodyPr/>
+            <a:off x="190314" y="1333110"/>
+            <a:ext cx="11077242" cy="4629540"/>
+          </a:xfrm>
+        </p:spPr>
+        <p:txBody>
+          <a:bodyPr>
+            <a:normAutofit/>
+          </a:bodyPr>
           <a:lstStyle/>
           <a:p>
             <a:r>
               <a:rPr lang="en-AU" sz="2800" dirty="0"/>
               <a:t>Summarize the main characteristics of oligomorphic, polymorphic and metamorphic malware</a:t>
+            </a:r>
+          </a:p>
+          <a:p>
+            <a:pPr lvl="1"/>
+            <a:r>
+              <a:rPr lang="en-AU" sz="2800" dirty="0"/>
+              <a:t>oligomorphic: it decrypts itself with a limited number of decryptors each time it infects others.</a:t>
+            </a:r>
+          </a:p>
+          <a:p>
+            <a:pPr lvl="1"/>
+            <a:r>
+              <a:rPr lang="en-AU" sz="2800" dirty="0"/>
+              <a:t>polymorphic: it decrypts itself with an unlimited number of decryptors each time it infects others.</a:t>
+            </a:r>
+          </a:p>
+          <a:p>
+            <a:pPr lvl="1"/>
+            <a:r>
+              <a:rPr lang="en-AU" sz="2800" dirty="0"/>
+              <a:t>metamorphic: it mutates itself significantly each time it infects others.</a:t>
             </a:r>
           </a:p>
         </p:txBody>
@@ -25851,7 +24918,7 @@
     </p:spTree>
     <p:extLst>
       <p:ext uri="{BB962C8B-B14F-4D97-AF65-F5344CB8AC3E}">
-        <p14:creationId xmlns:p14="http://schemas.microsoft.com/office/powerpoint/2010/main" val="2057311167"/>
+        <p14:creationId xmlns:p14="http://schemas.microsoft.com/office/powerpoint/2010/main" val="2533689939"/>
       </p:ext>
     </p:extLst>
   </p:cSld>
@@ -25880,10 +24947,43 @@
       </p:grpSpPr>
       <p:sp>
         <p:nvSpPr>
+          <p:cNvPr id="2" name="Title 1">
+            <a:extLst>
+              <a:ext uri="{FF2B5EF4-FFF2-40B4-BE49-F238E27FC236}">
+                <a16:creationId xmlns:a16="http://schemas.microsoft.com/office/drawing/2014/main" id="{77B87295-CF06-4EF3-BFCA-2F8DAACB6AC6}"/>
+              </a:ext>
+            </a:extLst>
+          </p:cNvPr>
+          <p:cNvSpPr>
+            <a:spLocks noGrp="1"/>
+          </p:cNvSpPr>
+          <p:nvPr>
+            <p:ph type="title"/>
+          </p:nvPr>
+        </p:nvSpPr>
+        <p:spPr>
+          <a:xfrm>
+            <a:off x="919119" y="81280"/>
+            <a:ext cx="10353762" cy="934720"/>
+          </a:xfrm>
+        </p:spPr>
+        <p:txBody>
+          <a:bodyPr/>
+          <a:lstStyle/>
+          <a:p>
+            <a:r>
+              <a:rPr lang="en-AU" dirty="0"/>
+              <a:t>Malware Detection</a:t>
+            </a:r>
+          </a:p>
+        </p:txBody>
+      </p:sp>
+      <p:sp>
+        <p:nvSpPr>
           <p:cNvPr id="3" name="Content Placeholder 2">
             <a:extLst>
               <a:ext uri="{FF2B5EF4-FFF2-40B4-BE49-F238E27FC236}">
-                <a16:creationId xmlns:a16="http://schemas.microsoft.com/office/drawing/2014/main" id="{586EAAFD-B1FF-4F0E-8F27-BCFF5AA0ABE7}"/>
+                <a16:creationId xmlns:a16="http://schemas.microsoft.com/office/drawing/2014/main" id="{21E8586B-D9A3-4AE1-A171-491E51F2FAF0}"/>
               </a:ext>
             </a:extLst>
           </p:cNvPr>
@@ -25896,97 +24996,85 @@
         </p:nvSpPr>
         <p:spPr>
           <a:xfrm>
-            <a:off x="190314" y="1333110"/>
-            <a:ext cx="11077242" cy="4629540"/>
+            <a:off x="548034" y="918211"/>
+            <a:ext cx="11542365" cy="2650490"/>
           </a:xfrm>
         </p:spPr>
         <p:txBody>
           <a:bodyPr>
-            <a:normAutofit/>
+            <a:noAutofit/>
           </a:bodyPr>
           <a:lstStyle/>
           <a:p>
             <a:r>
               <a:rPr lang="en-AU" sz="2800" dirty="0"/>
-              <a:t>Summarize the main characteristics of oligomorphic, polymorphic and metamorphic malware</a:t>
+              <a:t>Virus Total is a website that provides free online malware scanning.</a:t>
             </a:r>
           </a:p>
           <a:p>
             <a:pPr lvl="1"/>
             <a:r>
               <a:rPr lang="en-AU" sz="2800" dirty="0"/>
-              <a:t>oligomorphic: it decrypts itself with a limited number of </a:t>
-            </a:r>
-            <a:r>
-              <a:rPr lang="en-AU" sz="2800" dirty="0" err="1"/>
-              <a:t>decrpytors</a:t>
-            </a:r>
+              <a:t>It is a collection of no less than 60 malware-detection engines.</a:t>
+            </a:r>
+          </a:p>
+          <a:p>
+            <a:pPr lvl="1"/>
             <a:r>
               <a:rPr lang="en-AU" sz="2800" dirty="0"/>
-              <a:t> each time it infects others.</a:t>
-            </a:r>
-          </a:p>
-          <a:p>
-            <a:pPr lvl="1"/>
+              <a:t>Provides </a:t>
+            </a:r>
+            <a:r>
+              <a:rPr lang="en-US" sz="2800" dirty="0"/>
+              <a:t>a comprehensive view of whether a file or website is malicious</a:t>
+            </a:r>
             <a:r>
               <a:rPr lang="en-AU" sz="2800" dirty="0"/>
-              <a:t>polymorphic: it decrypts itself with an unlimited number of </a:t>
-            </a:r>
-            <a:r>
-              <a:rPr lang="en-AU" sz="2800" dirty="0" err="1"/>
-              <a:t>decrpytors</a:t>
-            </a:r>
-            <a:r>
-              <a:rPr lang="en-AU" sz="2800" dirty="0"/>
-              <a:t> each time it infects others.</a:t>
-            </a:r>
-          </a:p>
-          <a:p>
-            <a:pPr lvl="1"/>
-            <a:r>
-              <a:rPr lang="en-AU" sz="2800" dirty="0"/>
-              <a:t>metamorphic: it mutates itself significantly each time it infects others.</a:t>
-            </a:r>
-          </a:p>
-        </p:txBody>
-      </p:sp>
-      <p:sp>
-        <p:nvSpPr>
-          <p:cNvPr id="6" name="Title 3">
-            <a:extLst>
-              <a:ext uri="{FF2B5EF4-FFF2-40B4-BE49-F238E27FC236}">
-                <a16:creationId xmlns:a16="http://schemas.microsoft.com/office/drawing/2014/main" id="{1CDC1821-C52F-4375-B698-7B035F106C73}"/>
-              </a:ext>
-            </a:extLst>
-          </p:cNvPr>
-          <p:cNvSpPr>
-            <a:spLocks noGrp="1"/>
-          </p:cNvSpPr>
-          <p:nvPr>
-            <p:ph type="title"/>
-          </p:nvPr>
-        </p:nvSpPr>
-        <p:spPr>
-          <a:xfrm>
-            <a:off x="913794" y="-6451"/>
-            <a:ext cx="10353762" cy="975995"/>
-          </a:xfrm>
-        </p:spPr>
-        <p:txBody>
-          <a:bodyPr/>
-          <a:lstStyle/>
-          <a:p>
-            <a:r>
-              <a:rPr lang="en-AU" dirty="0"/>
-              <a:t>Malware</a:t>
-            </a:r>
-          </a:p>
-        </p:txBody>
-      </p:sp>
+              <a:t>.</a:t>
+            </a:r>
+          </a:p>
+          <a:p>
+            <a:pPr marL="450000" lvl="1" indent="0">
+              <a:buNone/>
+            </a:pPr>
+            <a:endParaRPr lang="en-AU" sz="2800" dirty="0"/>
+          </a:p>
+        </p:txBody>
+      </p:sp>
+      <p:pic>
+        <p:nvPicPr>
+          <p:cNvPr id="5" name="Picture 4">
+            <a:extLst>
+              <a:ext uri="{FF2B5EF4-FFF2-40B4-BE49-F238E27FC236}">
+                <a16:creationId xmlns:a16="http://schemas.microsoft.com/office/drawing/2014/main" id="{26DCE218-D7E4-41CA-B2F0-1257F3BAB901}"/>
+              </a:ext>
+            </a:extLst>
+          </p:cNvPr>
+          <p:cNvPicPr>
+            <a:picLocks noChangeAspect="1"/>
+          </p:cNvPicPr>
+          <p:nvPr/>
+        </p:nvPicPr>
+        <p:blipFill>
+          <a:blip r:embed="rId3"/>
+          <a:stretch>
+            <a:fillRect/>
+          </a:stretch>
+        </p:blipFill>
+        <p:spPr>
+          <a:xfrm>
+            <a:off x="3225799" y="2870200"/>
+            <a:ext cx="5892801" cy="3759199"/>
+          </a:xfrm>
+          <a:prstGeom prst="rect">
+            <a:avLst/>
+          </a:prstGeom>
+        </p:spPr>
+      </p:pic>
     </p:spTree>
     <p:extLst>
       <p:ext uri="{BB962C8B-B14F-4D97-AF65-F5344CB8AC3E}">
-        <p14:creationId xmlns:p14="http://schemas.microsoft.com/office/powerpoint/2010/main" val="2533689939"/>
+        <p14:creationId xmlns:p14="http://schemas.microsoft.com/office/powerpoint/2010/main" val="433955085"/>
       </p:ext>
     </p:extLst>
   </p:cSld>
@@ -26015,265 +25103,6 @@
       </p:grpSpPr>
       <p:sp>
         <p:nvSpPr>
-          <p:cNvPr id="3" name="Content Placeholder 2">
-            <a:extLst>
-              <a:ext uri="{FF2B5EF4-FFF2-40B4-BE49-F238E27FC236}">
-                <a16:creationId xmlns:a16="http://schemas.microsoft.com/office/drawing/2014/main" id="{586EAAFD-B1FF-4F0E-8F27-BCFF5AA0ABE7}"/>
-              </a:ext>
-            </a:extLst>
-          </p:cNvPr>
-          <p:cNvSpPr>
-            <a:spLocks noGrp="1"/>
-          </p:cNvSpPr>
-          <p:nvPr>
-            <p:ph idx="1"/>
-          </p:nvPr>
-        </p:nvSpPr>
-        <p:spPr>
-          <a:xfrm>
-            <a:off x="391279" y="1333110"/>
-            <a:ext cx="11514581" cy="3714749"/>
-          </a:xfrm>
-        </p:spPr>
-        <p:txBody>
-          <a:bodyPr/>
-          <a:lstStyle/>
-          <a:p>
-            <a:r>
-              <a:rPr lang="en-AU" sz="2800" dirty="0"/>
-              <a:t>What are the benefits of studying evasive malware?</a:t>
-            </a:r>
-          </a:p>
-          <a:p>
-            <a:pPr lvl="1"/>
-            <a:r>
-              <a:rPr lang="en-AU" sz="2800" dirty="0"/>
-              <a:t>e.g., the attacker’s perspective/the defender’s perspective</a:t>
-            </a:r>
-          </a:p>
-        </p:txBody>
-      </p:sp>
-      <p:sp>
-        <p:nvSpPr>
-          <p:cNvPr id="6" name="Title 3">
-            <a:extLst>
-              <a:ext uri="{FF2B5EF4-FFF2-40B4-BE49-F238E27FC236}">
-                <a16:creationId xmlns:a16="http://schemas.microsoft.com/office/drawing/2014/main" id="{1CDC1821-C52F-4375-B698-7B035F106C73}"/>
-              </a:ext>
-            </a:extLst>
-          </p:cNvPr>
-          <p:cNvSpPr>
-            <a:spLocks noGrp="1"/>
-          </p:cNvSpPr>
-          <p:nvPr>
-            <p:ph type="title"/>
-          </p:nvPr>
-        </p:nvSpPr>
-        <p:spPr>
-          <a:xfrm>
-            <a:off x="913794" y="-6451"/>
-            <a:ext cx="10353762" cy="975995"/>
-          </a:xfrm>
-        </p:spPr>
-        <p:txBody>
-          <a:bodyPr/>
-          <a:lstStyle/>
-          <a:p>
-            <a:r>
-              <a:rPr lang="en-AU" dirty="0"/>
-              <a:t>Malware</a:t>
-            </a:r>
-          </a:p>
-        </p:txBody>
-      </p:sp>
-    </p:spTree>
-    <p:extLst>
-      <p:ext uri="{BB962C8B-B14F-4D97-AF65-F5344CB8AC3E}">
-        <p14:creationId xmlns:p14="http://schemas.microsoft.com/office/powerpoint/2010/main" val="1771193055"/>
-      </p:ext>
-    </p:extLst>
-  </p:cSld>
-  <p:clrMapOvr>
-    <a:masterClrMapping/>
-  </p:clrMapOvr>
-</p:sld>
-</file>
-
-<file path=ppt/slides/slide26.xml><?xml version="1.0" encoding="utf-8"?>
-<p:sld xmlns:a="http://schemas.openxmlformats.org/drawingml/2006/main" xmlns:r="http://schemas.openxmlformats.org/officeDocument/2006/relationships" xmlns:p="http://schemas.openxmlformats.org/presentationml/2006/main">
-  <p:cSld>
-    <p:spTree>
-      <p:nvGrpSpPr>
-        <p:cNvPr id="1" name=""/>
-        <p:cNvGrpSpPr/>
-        <p:nvPr/>
-      </p:nvGrpSpPr>
-      <p:grpSpPr>
-        <a:xfrm>
-          <a:off x="0" y="0"/>
-          <a:ext cx="0" cy="0"/>
-          <a:chOff x="0" y="0"/>
-          <a:chExt cx="0" cy="0"/>
-        </a:xfrm>
-      </p:grpSpPr>
-      <p:sp>
-        <p:nvSpPr>
-          <p:cNvPr id="2" name="Title 1">
-            <a:extLst>
-              <a:ext uri="{FF2B5EF4-FFF2-40B4-BE49-F238E27FC236}">
-                <a16:creationId xmlns:a16="http://schemas.microsoft.com/office/drawing/2014/main" id="{77B87295-CF06-4EF3-BFCA-2F8DAACB6AC6}"/>
-              </a:ext>
-            </a:extLst>
-          </p:cNvPr>
-          <p:cNvSpPr>
-            <a:spLocks noGrp="1"/>
-          </p:cNvSpPr>
-          <p:nvPr>
-            <p:ph type="title"/>
-          </p:nvPr>
-        </p:nvSpPr>
-        <p:spPr>
-          <a:xfrm>
-            <a:off x="919119" y="81280"/>
-            <a:ext cx="10353762" cy="934720"/>
-          </a:xfrm>
-        </p:spPr>
-        <p:txBody>
-          <a:bodyPr/>
-          <a:lstStyle/>
-          <a:p>
-            <a:r>
-              <a:rPr lang="en-AU" dirty="0"/>
-              <a:t>Malware Detection</a:t>
-            </a:r>
-          </a:p>
-        </p:txBody>
-      </p:sp>
-      <p:sp>
-        <p:nvSpPr>
-          <p:cNvPr id="3" name="Content Placeholder 2">
-            <a:extLst>
-              <a:ext uri="{FF2B5EF4-FFF2-40B4-BE49-F238E27FC236}">
-                <a16:creationId xmlns:a16="http://schemas.microsoft.com/office/drawing/2014/main" id="{21E8586B-D9A3-4AE1-A171-491E51F2FAF0}"/>
-              </a:ext>
-            </a:extLst>
-          </p:cNvPr>
-          <p:cNvSpPr>
-            <a:spLocks noGrp="1"/>
-          </p:cNvSpPr>
-          <p:nvPr>
-            <p:ph idx="1"/>
-          </p:nvPr>
-        </p:nvSpPr>
-        <p:spPr>
-          <a:xfrm>
-            <a:off x="548034" y="918211"/>
-            <a:ext cx="11542365" cy="2650490"/>
-          </a:xfrm>
-        </p:spPr>
-        <p:txBody>
-          <a:bodyPr>
-            <a:noAutofit/>
-          </a:bodyPr>
-          <a:lstStyle/>
-          <a:p>
-            <a:r>
-              <a:rPr lang="en-AU" sz="2800" dirty="0"/>
-              <a:t>Virus Total is a website that provides free online malware scanning.</a:t>
-            </a:r>
-          </a:p>
-          <a:p>
-            <a:pPr lvl="1"/>
-            <a:r>
-              <a:rPr lang="en-AU" sz="2800" dirty="0"/>
-              <a:t>It is a collection of no less than 60 malware-detection engines.</a:t>
-            </a:r>
-          </a:p>
-          <a:p>
-            <a:pPr lvl="1"/>
-            <a:r>
-              <a:rPr lang="en-AU" sz="2800" dirty="0"/>
-              <a:t>Provides </a:t>
-            </a:r>
-            <a:r>
-              <a:rPr lang="en-US" sz="2800" dirty="0"/>
-              <a:t>a comprehensive view of whether a file or website is malicious</a:t>
-            </a:r>
-            <a:r>
-              <a:rPr lang="en-AU" sz="2800" dirty="0"/>
-              <a:t>.</a:t>
-            </a:r>
-          </a:p>
-          <a:p>
-            <a:pPr marL="450000" lvl="1" indent="0">
-              <a:buNone/>
-            </a:pPr>
-            <a:endParaRPr lang="en-AU" sz="2800" dirty="0"/>
-          </a:p>
-        </p:txBody>
-      </p:sp>
-      <p:pic>
-        <p:nvPicPr>
-          <p:cNvPr id="5" name="Picture 4">
-            <a:extLst>
-              <a:ext uri="{FF2B5EF4-FFF2-40B4-BE49-F238E27FC236}">
-                <a16:creationId xmlns:a16="http://schemas.microsoft.com/office/drawing/2014/main" id="{26DCE218-D7E4-41CA-B2F0-1257F3BAB901}"/>
-              </a:ext>
-            </a:extLst>
-          </p:cNvPr>
-          <p:cNvPicPr>
-            <a:picLocks noChangeAspect="1"/>
-          </p:cNvPicPr>
-          <p:nvPr/>
-        </p:nvPicPr>
-        <p:blipFill>
-          <a:blip r:embed="rId3"/>
-          <a:stretch>
-            <a:fillRect/>
-          </a:stretch>
-        </p:blipFill>
-        <p:spPr>
-          <a:xfrm>
-            <a:off x="3225799" y="2870200"/>
-            <a:ext cx="5892801" cy="3759199"/>
-          </a:xfrm>
-          <a:prstGeom prst="rect">
-            <a:avLst/>
-          </a:prstGeom>
-        </p:spPr>
-      </p:pic>
-    </p:spTree>
-    <p:extLst>
-      <p:ext uri="{BB962C8B-B14F-4D97-AF65-F5344CB8AC3E}">
-        <p14:creationId xmlns:p14="http://schemas.microsoft.com/office/powerpoint/2010/main" val="433955085"/>
-      </p:ext>
-    </p:extLst>
-  </p:cSld>
-  <p:clrMapOvr>
-    <a:masterClrMapping/>
-  </p:clrMapOvr>
-</p:sld>
-</file>
-
-<file path=ppt/slides/slide27.xml><?xml version="1.0" encoding="utf-8"?>
-<p:sld xmlns:a="http://schemas.openxmlformats.org/drawingml/2006/main" xmlns:r="http://schemas.openxmlformats.org/officeDocument/2006/relationships" xmlns:p="http://schemas.openxmlformats.org/presentationml/2006/main">
-  <p:cSld>
-    <p:spTree>
-      <p:nvGrpSpPr>
-        <p:cNvPr id="1" name=""/>
-        <p:cNvGrpSpPr/>
-        <p:nvPr/>
-      </p:nvGrpSpPr>
-      <p:grpSpPr>
-        <a:xfrm>
-          <a:off x="0" y="0"/>
-          <a:ext cx="0" cy="0"/>
-          <a:chOff x="0" y="0"/>
-          <a:chExt cx="0" cy="0"/>
-        </a:xfrm>
-      </p:grpSpPr>
-      <p:sp>
-        <p:nvSpPr>
           <p:cNvPr id="3" name="Slide Number Placeholder 2"/>
           <p:cNvSpPr>
             <a:spLocks noGrp="1"/>
@@ -26296,7 +25125,7 @@
                 </a:solidFill>
               </a:rPr>
               <a:pPr/>
-              <a:t>27</a:t>
+              <a:t>25</a:t>
             </a:fld>
             <a:endParaRPr lang="en-AU" dirty="0">
               <a:solidFill>
@@ -26526,7 +25355,7 @@
 </p:sld>
 </file>
 
-<file path=ppt/slides/slide28.xml><?xml version="1.0" encoding="utf-8"?>
+<file path=ppt/slides/slide26.xml><?xml version="1.0" encoding="utf-8"?>
 <p:sld xmlns:a="http://schemas.openxmlformats.org/drawingml/2006/main" xmlns:r="http://schemas.openxmlformats.org/officeDocument/2006/relationships" xmlns:p="http://schemas.openxmlformats.org/presentationml/2006/main">
   <p:cSld>
     <p:spTree>
@@ -26567,7 +25396,7 @@
                 </a:solidFill>
               </a:rPr>
               <a:pPr/>
-              <a:t>28</a:t>
+              <a:t>26</a:t>
             </a:fld>
             <a:endParaRPr lang="en-AU" dirty="0">
               <a:solidFill>
@@ -26865,6 +25694,268 @@
 </p:sld>
 </file>
 
+<file path=ppt/slides/slide27.xml><?xml version="1.0" encoding="utf-8"?>
+<p:sld xmlns:a="http://schemas.openxmlformats.org/drawingml/2006/main" xmlns:r="http://schemas.openxmlformats.org/officeDocument/2006/relationships" xmlns:p="http://schemas.openxmlformats.org/presentationml/2006/main">
+  <p:cSld>
+    <p:spTree>
+      <p:nvGrpSpPr>
+        <p:cNvPr id="1" name=""/>
+        <p:cNvGrpSpPr/>
+        <p:nvPr/>
+      </p:nvGrpSpPr>
+      <p:grpSpPr>
+        <a:xfrm>
+          <a:off x="0" y="0"/>
+          <a:ext cx="0" cy="0"/>
+          <a:chOff x="0" y="0"/>
+          <a:chExt cx="0" cy="0"/>
+        </a:xfrm>
+      </p:grpSpPr>
+      <p:sp>
+        <p:nvSpPr>
+          <p:cNvPr id="2" name="Title 1">
+            <a:extLst>
+              <a:ext uri="{FF2B5EF4-FFF2-40B4-BE49-F238E27FC236}">
+                <a16:creationId xmlns:a16="http://schemas.microsoft.com/office/drawing/2014/main" id="{77B87295-CF06-4EF3-BFCA-2F8DAACB6AC6}"/>
+              </a:ext>
+            </a:extLst>
+          </p:cNvPr>
+          <p:cNvSpPr>
+            <a:spLocks noGrp="1"/>
+          </p:cNvSpPr>
+          <p:nvPr>
+            <p:ph type="title"/>
+          </p:nvPr>
+        </p:nvSpPr>
+        <p:spPr>
+          <a:xfrm>
+            <a:off x="919119" y="81280"/>
+            <a:ext cx="10353762" cy="1257300"/>
+          </a:xfrm>
+        </p:spPr>
+        <p:txBody>
+          <a:bodyPr/>
+          <a:lstStyle/>
+          <a:p>
+            <a:r>
+              <a:rPr lang="en-AU" dirty="0"/>
+              <a:t>Malware Detection</a:t>
+            </a:r>
+          </a:p>
+        </p:txBody>
+      </p:sp>
+      <p:sp>
+        <p:nvSpPr>
+          <p:cNvPr id="3" name="Content Placeholder 2">
+            <a:extLst>
+              <a:ext uri="{FF2B5EF4-FFF2-40B4-BE49-F238E27FC236}">
+                <a16:creationId xmlns:a16="http://schemas.microsoft.com/office/drawing/2014/main" id="{21E8586B-D9A3-4AE1-A171-491E51F2FAF0}"/>
+              </a:ext>
+            </a:extLst>
+          </p:cNvPr>
+          <p:cNvSpPr>
+            <a:spLocks noGrp="1"/>
+          </p:cNvSpPr>
+          <p:nvPr>
+            <p:ph idx="1"/>
+          </p:nvPr>
+        </p:nvSpPr>
+        <p:spPr>
+          <a:xfrm>
+            <a:off x="548035" y="1362710"/>
+            <a:ext cx="10353762" cy="3714749"/>
+          </a:xfrm>
+        </p:spPr>
+        <p:txBody>
+          <a:bodyPr>
+            <a:noAutofit/>
+          </a:bodyPr>
+          <a:lstStyle/>
+          <a:p>
+            <a:r>
+              <a:rPr lang="en-US" sz="2800" dirty="0"/>
+              <a:t>How does </a:t>
+            </a:r>
+            <a:r>
+              <a:rPr lang="en-US" sz="2800" dirty="0" err="1"/>
+              <a:t>VirusTotal</a:t>
+            </a:r>
+            <a:r>
+              <a:rPr lang="en-US" sz="2800" dirty="0"/>
+              <a:t> detect malware</a:t>
+            </a:r>
+            <a:r>
+              <a:rPr lang="en-AU" sz="2800" dirty="0"/>
+              <a:t>?</a:t>
+            </a:r>
+          </a:p>
+          <a:p>
+            <a:r>
+              <a:rPr lang="en-US" sz="2800" dirty="0"/>
+              <a:t>Can </a:t>
+            </a:r>
+            <a:r>
+              <a:rPr lang="en-US" sz="2800" dirty="0" err="1"/>
+              <a:t>VirusTotal</a:t>
+            </a:r>
+            <a:r>
+              <a:rPr lang="en-US" sz="2800" dirty="0"/>
+              <a:t> detect all malware? Why or Why not?</a:t>
+            </a:r>
+            <a:endParaRPr lang="en-AU" sz="2800" dirty="0"/>
+          </a:p>
+          <a:p>
+            <a:pPr lvl="1"/>
+            <a:endParaRPr lang="en-AU" sz="2800" dirty="0"/>
+          </a:p>
+          <a:p>
+            <a:pPr marL="450000" lvl="1" indent="0">
+              <a:buNone/>
+            </a:pPr>
+            <a:endParaRPr lang="en-AU" sz="2800" dirty="0"/>
+          </a:p>
+        </p:txBody>
+      </p:sp>
+    </p:spTree>
+    <p:extLst>
+      <p:ext uri="{BB962C8B-B14F-4D97-AF65-F5344CB8AC3E}">
+        <p14:creationId xmlns:p14="http://schemas.microsoft.com/office/powerpoint/2010/main" val="4198926654"/>
+      </p:ext>
+    </p:extLst>
+  </p:cSld>
+  <p:clrMapOvr>
+    <a:masterClrMapping/>
+  </p:clrMapOvr>
+</p:sld>
+</file>
+
+<file path=ppt/slides/slide28.xml><?xml version="1.0" encoding="utf-8"?>
+<p:sld xmlns:a="http://schemas.openxmlformats.org/drawingml/2006/main" xmlns:r="http://schemas.openxmlformats.org/officeDocument/2006/relationships" xmlns:p="http://schemas.openxmlformats.org/presentationml/2006/main">
+  <p:cSld>
+    <p:spTree>
+      <p:nvGrpSpPr>
+        <p:cNvPr id="1" name=""/>
+        <p:cNvGrpSpPr/>
+        <p:nvPr/>
+      </p:nvGrpSpPr>
+      <p:grpSpPr>
+        <a:xfrm>
+          <a:off x="0" y="0"/>
+          <a:ext cx="0" cy="0"/>
+          <a:chOff x="0" y="0"/>
+          <a:chExt cx="0" cy="0"/>
+        </a:xfrm>
+      </p:grpSpPr>
+      <p:sp>
+        <p:nvSpPr>
+          <p:cNvPr id="2" name="Title 1">
+            <a:extLst>
+              <a:ext uri="{FF2B5EF4-FFF2-40B4-BE49-F238E27FC236}">
+                <a16:creationId xmlns:a16="http://schemas.microsoft.com/office/drawing/2014/main" id="{77B87295-CF06-4EF3-BFCA-2F8DAACB6AC6}"/>
+              </a:ext>
+            </a:extLst>
+          </p:cNvPr>
+          <p:cNvSpPr>
+            <a:spLocks noGrp="1"/>
+          </p:cNvSpPr>
+          <p:nvPr>
+            <p:ph type="title"/>
+          </p:nvPr>
+        </p:nvSpPr>
+        <p:spPr>
+          <a:xfrm>
+            <a:off x="919119" y="81280"/>
+            <a:ext cx="10353762" cy="1257300"/>
+          </a:xfrm>
+        </p:spPr>
+        <p:txBody>
+          <a:bodyPr/>
+          <a:lstStyle/>
+          <a:p>
+            <a:r>
+              <a:rPr lang="en-AU" dirty="0"/>
+              <a:t>Malware Detection</a:t>
+            </a:r>
+          </a:p>
+        </p:txBody>
+      </p:sp>
+      <p:sp>
+        <p:nvSpPr>
+          <p:cNvPr id="3" name="Content Placeholder 2">
+            <a:extLst>
+              <a:ext uri="{FF2B5EF4-FFF2-40B4-BE49-F238E27FC236}">
+                <a16:creationId xmlns:a16="http://schemas.microsoft.com/office/drawing/2014/main" id="{21E8586B-D9A3-4AE1-A171-491E51F2FAF0}"/>
+              </a:ext>
+            </a:extLst>
+          </p:cNvPr>
+          <p:cNvSpPr>
+            <a:spLocks noGrp="1"/>
+          </p:cNvSpPr>
+          <p:nvPr>
+            <p:ph idx="1"/>
+          </p:nvPr>
+        </p:nvSpPr>
+        <p:spPr>
+          <a:xfrm>
+            <a:off x="548035" y="1362710"/>
+            <a:ext cx="10353762" cy="3714749"/>
+          </a:xfrm>
+        </p:spPr>
+        <p:txBody>
+          <a:bodyPr>
+            <a:noAutofit/>
+          </a:bodyPr>
+          <a:lstStyle/>
+          <a:p>
+            <a:r>
+              <a:rPr lang="en-US" sz="2800" dirty="0"/>
+              <a:t>How does </a:t>
+            </a:r>
+            <a:r>
+              <a:rPr lang="en-US" sz="2800" dirty="0" err="1"/>
+              <a:t>VirusTotal</a:t>
+            </a:r>
+            <a:r>
+              <a:rPr lang="en-US" sz="2800" dirty="0"/>
+              <a:t> detect malware</a:t>
+            </a:r>
+            <a:r>
+              <a:rPr lang="en-AU" sz="2800" dirty="0"/>
+              <a:t>?</a:t>
+            </a:r>
+          </a:p>
+          <a:p>
+            <a:pPr lvl="1"/>
+            <a:r>
+              <a:rPr lang="en-AU" sz="2800" dirty="0"/>
+              <a:t>e.g., it submits a given file or URL to many anti-malware engines, which apply different techniques for scanning. The techniques can be pattern detection, dynamic analysis, etc.</a:t>
+            </a:r>
+          </a:p>
+          <a:p>
+            <a:pPr lvl="1"/>
+            <a:endParaRPr lang="en-AU" sz="2800" dirty="0"/>
+          </a:p>
+          <a:p>
+            <a:pPr marL="450000" lvl="1" indent="0">
+              <a:buNone/>
+            </a:pPr>
+            <a:endParaRPr lang="en-AU" sz="2800" dirty="0"/>
+          </a:p>
+        </p:txBody>
+      </p:sp>
+    </p:spTree>
+    <p:extLst>
+      <p:ext uri="{BB962C8B-B14F-4D97-AF65-F5344CB8AC3E}">
+        <p14:creationId xmlns:p14="http://schemas.microsoft.com/office/powerpoint/2010/main" val="2617196703"/>
+      </p:ext>
+    </p:extLst>
+  </p:cSld>
+  <p:clrMapOvr>
+    <a:masterClrMapping/>
+  </p:clrMapOvr>
+</p:sld>
+</file>
+
 <file path=ppt/slides/slide29.xml><?xml version="1.0" encoding="utf-8"?>
 <p:sld xmlns:a="http://schemas.openxmlformats.org/drawingml/2006/main" xmlns:r="http://schemas.openxmlformats.org/officeDocument/2006/relationships" xmlns:p="http://schemas.openxmlformats.org/presentationml/2006/main">
   <p:cSld>
@@ -26961,6 +26052,13 @@
             </a:r>
           </a:p>
           <a:p>
+            <a:pPr lvl="1"/>
+            <a:r>
+              <a:rPr lang="en-AU" sz="2800" dirty="0"/>
+              <a:t>e.g., it submits a given file or URL to many anti-malware engines, which apply different techniques for scanning. The techniques can be pattern detection, dynamic analysis, etc.</a:t>
+            </a:r>
+          </a:p>
+          <a:p>
             <a:r>
               <a:rPr lang="en-US" sz="2800" dirty="0"/>
               <a:t>Can </a:t>
@@ -26971,8 +26069,16 @@
             </a:r>
             <a:r>
               <a:rPr lang="en-US" sz="2800" dirty="0"/>
-              <a:t> detect all malware? Why or Why not?</a:t>
-            </a:r>
+              <a:t> detect all malware?</a:t>
+            </a:r>
+            <a:endParaRPr lang="en-AU" sz="2800" dirty="0"/>
+          </a:p>
+          <a:p>
+            <a:pPr lvl="1"/>
+            <a:endParaRPr lang="en-AU" sz="2800" dirty="0"/>
+          </a:p>
+          <a:p>
+            <a:pPr lvl="1"/>
             <a:endParaRPr lang="en-AU" sz="2800" dirty="0"/>
           </a:p>
           <a:p>
@@ -26990,7 +26096,7 @@
     </p:spTree>
     <p:extLst>
       <p:ext uri="{BB962C8B-B14F-4D97-AF65-F5344CB8AC3E}">
-        <p14:creationId xmlns:p14="http://schemas.microsoft.com/office/powerpoint/2010/main" val="4198926654"/>
+        <p14:creationId xmlns:p14="http://schemas.microsoft.com/office/powerpoint/2010/main" val="2826954081"/>
       </p:ext>
     </p:extLst>
   </p:cSld>
@@ -27420,6 +26526,32 @@
             </a:r>
           </a:p>
           <a:p>
+            <a:r>
+              <a:rPr lang="en-US" sz="2800" dirty="0"/>
+              <a:t>Can </a:t>
+            </a:r>
+            <a:r>
+              <a:rPr lang="en-US" sz="2800" dirty="0" err="1"/>
+              <a:t>VirusTotal</a:t>
+            </a:r>
+            <a:r>
+              <a:rPr lang="en-US" sz="2800" dirty="0"/>
+              <a:t> detect all malware?</a:t>
+            </a:r>
+            <a:endParaRPr lang="en-AU" sz="2800" dirty="0"/>
+          </a:p>
+          <a:p>
+            <a:pPr lvl="1"/>
+            <a:r>
+              <a:rPr lang="en-AU" sz="2800" dirty="0"/>
+              <a:t>e.g., mutated/sandbox-aware malware. </a:t>
+            </a:r>
+          </a:p>
+          <a:p>
+            <a:pPr lvl="1"/>
+            <a:endParaRPr lang="en-AU" sz="2800" dirty="0"/>
+          </a:p>
+          <a:p>
             <a:pPr lvl="1"/>
             <a:endParaRPr lang="en-AU" sz="2800" dirty="0"/>
           </a:p>
@@ -27434,7 +26566,7 @@
     </p:spTree>
     <p:extLst>
       <p:ext uri="{BB962C8B-B14F-4D97-AF65-F5344CB8AC3E}">
-        <p14:creationId xmlns:p14="http://schemas.microsoft.com/office/powerpoint/2010/main" val="2617196703"/>
+        <p14:creationId xmlns:p14="http://schemas.microsoft.com/office/powerpoint/2010/main" val="3618927795"/>
       </p:ext>
     </p:extLst>
   </p:cSld>
@@ -27466,7 +26598,7 @@
           <p:cNvPr id="2" name="Title 1">
             <a:extLst>
               <a:ext uri="{FF2B5EF4-FFF2-40B4-BE49-F238E27FC236}">
-                <a16:creationId xmlns:a16="http://schemas.microsoft.com/office/drawing/2014/main" id="{77B87295-CF06-4EF3-BFCA-2F8DAACB6AC6}"/>
+                <a16:creationId xmlns:a16="http://schemas.microsoft.com/office/drawing/2014/main" id="{A2E9C478-AE76-4FD5-8984-90B18062A23A}"/>
               </a:ext>
             </a:extLst>
           </p:cNvPr>
@@ -27479,7 +26611,7 @@
         </p:nvSpPr>
         <p:spPr>
           <a:xfrm>
-            <a:off x="919119" y="81280"/>
+            <a:off x="913795" y="52819"/>
             <a:ext cx="10353762" cy="1257300"/>
           </a:xfrm>
         </p:spPr>
@@ -27499,7 +26631,7 @@
           <p:cNvPr id="3" name="Content Placeholder 2">
             <a:extLst>
               <a:ext uri="{FF2B5EF4-FFF2-40B4-BE49-F238E27FC236}">
-                <a16:creationId xmlns:a16="http://schemas.microsoft.com/office/drawing/2014/main" id="{21E8586B-D9A3-4AE1-A171-491E51F2FAF0}"/>
+                <a16:creationId xmlns:a16="http://schemas.microsoft.com/office/drawing/2014/main" id="{FF38BB1A-17C7-4CE4-80F8-423DE683961B}"/>
               </a:ext>
             </a:extLst>
           </p:cNvPr>
@@ -27512,69 +26644,52 @@
         </p:nvSpPr>
         <p:spPr>
           <a:xfrm>
-            <a:off x="548035" y="1362710"/>
-            <a:ext cx="10353762" cy="3714749"/>
+            <a:off x="913795" y="1594031"/>
+            <a:ext cx="10353762" cy="3481977"/>
           </a:xfrm>
         </p:spPr>
         <p:txBody>
           <a:bodyPr>
-            <a:noAutofit/>
+            <a:normAutofit/>
           </a:bodyPr>
           <a:lstStyle/>
           <a:p>
             <a:r>
+              <a:rPr lang="en-AU" sz="2800" dirty="0"/>
+              <a:t>Yara is a rule-based signature matching tool.</a:t>
+            </a:r>
+          </a:p>
+          <a:p>
+            <a:pPr lvl="1"/>
+            <a:r>
+              <a:rPr lang="en-AU" sz="2800" dirty="0"/>
+              <a:t>It is an open-source project. </a:t>
+            </a:r>
+          </a:p>
+          <a:p>
+            <a:pPr lvl="1"/>
+            <a:r>
+              <a:rPr lang="en-AU" sz="2800" dirty="0"/>
+              <a:t>It uses a set of rules to generate a pattern/signature. </a:t>
+            </a:r>
+          </a:p>
+          <a:p>
+            <a:pPr lvl="1"/>
+            <a:r>
+              <a:rPr lang="en-AU" sz="2800" dirty="0"/>
+              <a:t>The signature describes </a:t>
+            </a:r>
+            <a:r>
               <a:rPr lang="en-US" sz="2800" dirty="0"/>
-              <a:t>How does </a:t>
-            </a:r>
-            <a:r>
-              <a:rPr lang="en-US" sz="2800" dirty="0" err="1"/>
-              <a:t>VirusTotal</a:t>
-            </a:r>
-            <a:r>
-              <a:rPr lang="en-US" sz="2800" dirty="0"/>
-              <a:t> detect malware</a:t>
+              <a:t>characteristics</a:t>
             </a:r>
             <a:r>
               <a:rPr lang="en-AU" sz="2800" dirty="0"/>
-              <a:t>?</a:t>
-            </a:r>
-          </a:p>
-          <a:p>
-            <a:pPr lvl="1"/>
-            <a:r>
-              <a:rPr lang="en-AU" sz="2800" dirty="0"/>
-              <a:t>e.g., it submits a given file or URL to many anti-malware engines, which apply different techniques for scanning. The techniques can be pattern detection, dynamic analysis, etc.</a:t>
-            </a:r>
-          </a:p>
-          <a:p>
-            <a:r>
-              <a:rPr lang="en-US" sz="2800" dirty="0"/>
-              <a:t>Can </a:t>
-            </a:r>
-            <a:r>
-              <a:rPr lang="en-US" sz="2800" dirty="0" err="1"/>
-              <a:t>VirusTotal</a:t>
-            </a:r>
-            <a:r>
-              <a:rPr lang="en-US" sz="2800" dirty="0"/>
-              <a:t> detect all malware?</a:t>
-            </a:r>
-            <a:endParaRPr lang="en-AU" sz="2800" dirty="0"/>
-          </a:p>
-          <a:p>
-            <a:pPr lvl="1"/>
-            <a:endParaRPr lang="en-AU" sz="2800" dirty="0"/>
-          </a:p>
-          <a:p>
-            <a:pPr lvl="1"/>
-            <a:endParaRPr lang="en-AU" sz="2800" dirty="0"/>
-          </a:p>
-          <a:p>
-            <a:pPr lvl="1"/>
-            <a:endParaRPr lang="en-AU" sz="2800" dirty="0"/>
-          </a:p>
-          <a:p>
-            <a:pPr marL="450000" lvl="1" indent="0">
+              <a:t> of malware, e.g., file size, file hash, certain strings of code, etc.</a:t>
+            </a:r>
+          </a:p>
+          <a:p>
+            <a:pPr marL="36900" indent="0">
               <a:buNone/>
             </a:pPr>
             <a:endParaRPr lang="en-AU" sz="2800" dirty="0"/>
@@ -27584,7 +26699,7 @@
     </p:spTree>
     <p:extLst>
       <p:ext uri="{BB962C8B-B14F-4D97-AF65-F5344CB8AC3E}">
-        <p14:creationId xmlns:p14="http://schemas.microsoft.com/office/powerpoint/2010/main" val="2826954081"/>
+        <p14:creationId xmlns:p14="http://schemas.microsoft.com/office/powerpoint/2010/main" val="2809391081"/>
       </p:ext>
     </p:extLst>
   </p:cSld>
@@ -27616,7 +26731,7 @@
           <p:cNvPr id="2" name="Title 1">
             <a:extLst>
               <a:ext uri="{FF2B5EF4-FFF2-40B4-BE49-F238E27FC236}">
-                <a16:creationId xmlns:a16="http://schemas.microsoft.com/office/drawing/2014/main" id="{77B87295-CF06-4EF3-BFCA-2F8DAACB6AC6}"/>
+                <a16:creationId xmlns:a16="http://schemas.microsoft.com/office/drawing/2014/main" id="{A2E9C478-AE76-4FD5-8984-90B18062A23A}"/>
               </a:ext>
             </a:extLst>
           </p:cNvPr>
@@ -27629,8 +26744,8 @@
         </p:nvSpPr>
         <p:spPr>
           <a:xfrm>
-            <a:off x="919119" y="81280"/>
-            <a:ext cx="10353762" cy="1257300"/>
+            <a:off x="919119" y="142240"/>
+            <a:ext cx="10353762" cy="934720"/>
           </a:xfrm>
         </p:spPr>
         <p:txBody>
@@ -27649,7 +26764,7 @@
           <p:cNvPr id="3" name="Content Placeholder 2">
             <a:extLst>
               <a:ext uri="{FF2B5EF4-FFF2-40B4-BE49-F238E27FC236}">
-                <a16:creationId xmlns:a16="http://schemas.microsoft.com/office/drawing/2014/main" id="{21E8586B-D9A3-4AE1-A171-491E51F2FAF0}"/>
+                <a16:creationId xmlns:a16="http://schemas.microsoft.com/office/drawing/2014/main" id="{FF38BB1A-17C7-4CE4-80F8-423DE683961B}"/>
               </a:ext>
             </a:extLst>
           </p:cNvPr>
@@ -27662,1438 +26777,6 @@
         </p:nvSpPr>
         <p:spPr>
           <a:xfrm>
-            <a:off x="548035" y="1362710"/>
-            <a:ext cx="10353762" cy="3714749"/>
-          </a:xfrm>
-        </p:spPr>
-        <p:txBody>
-          <a:bodyPr>
-            <a:noAutofit/>
-          </a:bodyPr>
-          <a:lstStyle/>
-          <a:p>
-            <a:r>
-              <a:rPr lang="en-US" sz="2800" dirty="0"/>
-              <a:t>How does </a:t>
-            </a:r>
-            <a:r>
-              <a:rPr lang="en-US" sz="2800" dirty="0" err="1"/>
-              <a:t>VirusTotal</a:t>
-            </a:r>
-            <a:r>
-              <a:rPr lang="en-US" sz="2800" dirty="0"/>
-              <a:t> detect malware</a:t>
-            </a:r>
-            <a:r>
-              <a:rPr lang="en-AU" sz="2800" dirty="0"/>
-              <a:t>?</a:t>
-            </a:r>
-          </a:p>
-          <a:p>
-            <a:pPr lvl="1"/>
-            <a:r>
-              <a:rPr lang="en-AU" sz="2800" dirty="0"/>
-              <a:t>e.g., it submits a given file or URL to many anti-malware engines, which apply different techniques for scanning. The techniques can be pattern detection, dynamic analysis, etc.</a:t>
-            </a:r>
-          </a:p>
-          <a:p>
-            <a:r>
-              <a:rPr lang="en-US" sz="2800" dirty="0"/>
-              <a:t>Can </a:t>
-            </a:r>
-            <a:r>
-              <a:rPr lang="en-US" sz="2800" dirty="0" err="1"/>
-              <a:t>VirusTotal</a:t>
-            </a:r>
-            <a:r>
-              <a:rPr lang="en-US" sz="2800" dirty="0"/>
-              <a:t> detect all malware?</a:t>
-            </a:r>
-            <a:endParaRPr lang="en-AU" sz="2800" dirty="0"/>
-          </a:p>
-          <a:p>
-            <a:pPr lvl="1"/>
-            <a:r>
-              <a:rPr lang="en-AU" sz="2800" dirty="0"/>
-              <a:t>e.g., mutated/sandbox-aware malware. </a:t>
-            </a:r>
-          </a:p>
-          <a:p>
-            <a:pPr lvl="1"/>
-            <a:endParaRPr lang="en-AU" sz="2800" dirty="0"/>
-          </a:p>
-          <a:p>
-            <a:pPr lvl="1"/>
-            <a:endParaRPr lang="en-AU" sz="2800" dirty="0"/>
-          </a:p>
-          <a:p>
-            <a:pPr marL="450000" lvl="1" indent="0">
-              <a:buNone/>
-            </a:pPr>
-            <a:endParaRPr lang="en-AU" sz="2800" dirty="0"/>
-          </a:p>
-        </p:txBody>
-      </p:sp>
-    </p:spTree>
-    <p:extLst>
-      <p:ext uri="{BB962C8B-B14F-4D97-AF65-F5344CB8AC3E}">
-        <p14:creationId xmlns:p14="http://schemas.microsoft.com/office/powerpoint/2010/main" val="3618927795"/>
-      </p:ext>
-    </p:extLst>
-  </p:cSld>
-  <p:clrMapOvr>
-    <a:masterClrMapping/>
-  </p:clrMapOvr>
-</p:sld>
-</file>
-
-<file path=ppt/slides/slide33.xml><?xml version="1.0" encoding="utf-8"?>
-<p:sld xmlns:a="http://schemas.openxmlformats.org/drawingml/2006/main" xmlns:r="http://schemas.openxmlformats.org/officeDocument/2006/relationships" xmlns:p="http://schemas.openxmlformats.org/presentationml/2006/main">
-  <p:cSld>
-    <p:spTree>
-      <p:nvGrpSpPr>
-        <p:cNvPr id="1" name=""/>
-        <p:cNvGrpSpPr/>
-        <p:nvPr/>
-      </p:nvGrpSpPr>
-      <p:grpSpPr>
-        <a:xfrm>
-          <a:off x="0" y="0"/>
-          <a:ext cx="0" cy="0"/>
-          <a:chOff x="0" y="0"/>
-          <a:chExt cx="0" cy="0"/>
-        </a:xfrm>
-      </p:grpSpPr>
-      <p:sp>
-        <p:nvSpPr>
-          <p:cNvPr id="2" name="Title 1">
-            <a:extLst>
-              <a:ext uri="{FF2B5EF4-FFF2-40B4-BE49-F238E27FC236}">
-                <a16:creationId xmlns:a16="http://schemas.microsoft.com/office/drawing/2014/main" id="{A2E9C478-AE76-4FD5-8984-90B18062A23A}"/>
-              </a:ext>
-            </a:extLst>
-          </p:cNvPr>
-          <p:cNvSpPr>
-            <a:spLocks noGrp="1"/>
-          </p:cNvSpPr>
-          <p:nvPr>
-            <p:ph type="title"/>
-          </p:nvPr>
-        </p:nvSpPr>
-        <p:spPr>
-          <a:xfrm>
-            <a:off x="913795" y="52819"/>
-            <a:ext cx="10353762" cy="1257300"/>
-          </a:xfrm>
-        </p:spPr>
-        <p:txBody>
-          <a:bodyPr/>
-          <a:lstStyle/>
-          <a:p>
-            <a:r>
-              <a:rPr lang="en-AU" dirty="0"/>
-              <a:t>Malware Detection</a:t>
-            </a:r>
-          </a:p>
-        </p:txBody>
-      </p:sp>
-      <p:sp>
-        <p:nvSpPr>
-          <p:cNvPr id="3" name="Content Placeholder 2">
-            <a:extLst>
-              <a:ext uri="{FF2B5EF4-FFF2-40B4-BE49-F238E27FC236}">
-                <a16:creationId xmlns:a16="http://schemas.microsoft.com/office/drawing/2014/main" id="{FF38BB1A-17C7-4CE4-80F8-423DE683961B}"/>
-              </a:ext>
-            </a:extLst>
-          </p:cNvPr>
-          <p:cNvSpPr>
-            <a:spLocks noGrp="1"/>
-          </p:cNvSpPr>
-          <p:nvPr>
-            <p:ph idx="1"/>
-          </p:nvPr>
-        </p:nvSpPr>
-        <p:spPr>
-          <a:xfrm>
-            <a:off x="913795" y="1594031"/>
-            <a:ext cx="10353762" cy="3481977"/>
-          </a:xfrm>
-        </p:spPr>
-        <p:txBody>
-          <a:bodyPr>
-            <a:normAutofit/>
-          </a:bodyPr>
-          <a:lstStyle/>
-          <a:p>
-            <a:r>
-              <a:rPr lang="en-AU" sz="2800" dirty="0"/>
-              <a:t>Yara is a rule-based signature matching tool.</a:t>
-            </a:r>
-          </a:p>
-          <a:p>
-            <a:pPr lvl="1"/>
-            <a:r>
-              <a:rPr lang="en-AU" sz="2800" dirty="0"/>
-              <a:t>It is an open-source project. </a:t>
-            </a:r>
-          </a:p>
-          <a:p>
-            <a:pPr lvl="1"/>
-            <a:r>
-              <a:rPr lang="en-AU" sz="2800" dirty="0"/>
-              <a:t>It uses a set of rules to generate a pattern/signature. </a:t>
-            </a:r>
-          </a:p>
-          <a:p>
-            <a:pPr lvl="1"/>
-            <a:r>
-              <a:rPr lang="en-AU" sz="2800" dirty="0"/>
-              <a:t>The signature describes </a:t>
-            </a:r>
-            <a:r>
-              <a:rPr lang="en-US" sz="2800" dirty="0"/>
-              <a:t>characteristics</a:t>
-            </a:r>
-            <a:r>
-              <a:rPr lang="en-AU" sz="2800" dirty="0"/>
-              <a:t> of malware, e.g., file size, file hash, certain strings of code, etc.</a:t>
-            </a:r>
-          </a:p>
-          <a:p>
-            <a:pPr marL="36900" indent="0">
-              <a:buNone/>
-            </a:pPr>
-            <a:endParaRPr lang="en-AU" sz="2800" dirty="0"/>
-          </a:p>
-        </p:txBody>
-      </p:sp>
-    </p:spTree>
-    <p:extLst>
-      <p:ext uri="{BB962C8B-B14F-4D97-AF65-F5344CB8AC3E}">
-        <p14:creationId xmlns:p14="http://schemas.microsoft.com/office/powerpoint/2010/main" val="2809391081"/>
-      </p:ext>
-    </p:extLst>
-  </p:cSld>
-  <p:clrMapOvr>
-    <a:masterClrMapping/>
-  </p:clrMapOvr>
-</p:sld>
-</file>
-
-<file path=ppt/slides/slide34.xml><?xml version="1.0" encoding="utf-8"?>
-<p:sld xmlns:a="http://schemas.openxmlformats.org/drawingml/2006/main" xmlns:r="http://schemas.openxmlformats.org/officeDocument/2006/relationships" xmlns:p="http://schemas.openxmlformats.org/presentationml/2006/main">
-  <p:cSld>
-    <p:spTree>
-      <p:nvGrpSpPr>
-        <p:cNvPr id="1" name=""/>
-        <p:cNvGrpSpPr/>
-        <p:nvPr/>
-      </p:nvGrpSpPr>
-      <p:grpSpPr>
-        <a:xfrm>
-          <a:off x="0" y="0"/>
-          <a:ext cx="0" cy="0"/>
-          <a:chOff x="0" y="0"/>
-          <a:chExt cx="0" cy="0"/>
-        </a:xfrm>
-      </p:grpSpPr>
-      <p:sp>
-        <p:nvSpPr>
-          <p:cNvPr id="3" name="Slide Number Placeholder 2"/>
-          <p:cNvSpPr>
-            <a:spLocks noGrp="1"/>
-          </p:cNvSpPr>
-          <p:nvPr>
-            <p:ph type="sldNum" sz="quarter" idx="12"/>
-          </p:nvPr>
-        </p:nvSpPr>
-        <p:spPr/>
-        <p:txBody>
-          <a:bodyPr/>
-          <a:lstStyle/>
-          <a:p>
-            <a:fld id="{55670E94-029C-4BA8-8D44-FBB339E4924F}" type="slidenum">
-              <a:rPr lang="en-AU" smtClean="0">
-                <a:solidFill>
-                  <a:prstClr val="black">
-                    <a:tint val="75000"/>
-                  </a:prstClr>
-                </a:solidFill>
-              </a:rPr>
-              <a:pPr/>
-              <a:t>34</a:t>
-            </a:fld>
-            <a:endParaRPr lang="en-AU" dirty="0">
-              <a:solidFill>
-                <a:prstClr val="black">
-                  <a:tint val="75000"/>
-                </a:prstClr>
-              </a:solidFill>
-            </a:endParaRPr>
-          </a:p>
-        </p:txBody>
-      </p:sp>
-      <p:sp>
-        <p:nvSpPr>
-          <p:cNvPr id="8" name="Rounded Rectangle 10">
-            <a:extLst>
-              <a:ext uri="{FF2B5EF4-FFF2-40B4-BE49-F238E27FC236}">
-                <a16:creationId xmlns:a16="http://schemas.microsoft.com/office/drawing/2014/main" id="{EFF2A714-4BFE-4265-87E4-34F8FECB8F6F}"/>
-              </a:ext>
-            </a:extLst>
-          </p:cNvPr>
-          <p:cNvSpPr/>
-          <p:nvPr/>
-        </p:nvSpPr>
-        <p:spPr>
-          <a:xfrm>
-            <a:off x="292666" y="986987"/>
-            <a:ext cx="6543563" cy="639549"/>
-          </a:xfrm>
-          <a:prstGeom prst="roundRect">
-            <a:avLst/>
-          </a:prstGeom>
-          <a:noFill/>
-        </p:spPr>
-        <p:style>
-          <a:lnRef idx="0">
-            <a:schemeClr val="accent2"/>
-          </a:lnRef>
-          <a:fillRef idx="3">
-            <a:schemeClr val="accent2"/>
-          </a:fillRef>
-          <a:effectRef idx="3">
-            <a:schemeClr val="accent2"/>
-          </a:effectRef>
-          <a:fontRef idx="minor">
-            <a:schemeClr val="lt1"/>
-          </a:fontRef>
-        </p:style>
-        <p:txBody>
-          <a:bodyPr rtlCol="0" anchor="ctr"/>
-          <a:lstStyle/>
-          <a:p>
-            <a:pPr algn="ctr"/>
-            <a:r>
-              <a:rPr lang="en-AU" sz="2800" b="1" dirty="0">
-                <a:ln>
-                  <a:solidFill>
-                    <a:schemeClr val="bg1">
-                      <a:lumMod val="75000"/>
-                      <a:lumOff val="25000"/>
-                      <a:alpha val="10000"/>
-                    </a:schemeClr>
-                  </a:solidFill>
-                </a:ln>
-                <a:solidFill>
-                  <a:schemeClr val="tx1"/>
-                </a:solidFill>
-                <a:effectLst>
-                  <a:outerShdw blurRad="9525" dist="25400" dir="14640000" algn="tl" rotWithShape="0">
-                    <a:schemeClr val="bg1">
-                      <a:alpha val="30000"/>
-                    </a:schemeClr>
-                  </a:outerShdw>
-                </a:effectLst>
-              </a:rPr>
-              <a:t>Demo Time: use our docker container</a:t>
-            </a:r>
-          </a:p>
-        </p:txBody>
-      </p:sp>
-      <p:sp>
-        <p:nvSpPr>
-          <p:cNvPr id="9" name="Title 1">
-            <a:extLst>
-              <a:ext uri="{FF2B5EF4-FFF2-40B4-BE49-F238E27FC236}">
-                <a16:creationId xmlns:a16="http://schemas.microsoft.com/office/drawing/2014/main" id="{9D0A4A63-5354-4BB5-8832-B9DB46F783E9}"/>
-              </a:ext>
-            </a:extLst>
-          </p:cNvPr>
-          <p:cNvSpPr>
-            <a:spLocks noGrp="1"/>
-          </p:cNvSpPr>
-          <p:nvPr>
-            <p:ph type="title"/>
-          </p:nvPr>
-        </p:nvSpPr>
-        <p:spPr>
-          <a:xfrm>
-            <a:off x="919119" y="81280"/>
-            <a:ext cx="10353762" cy="1052094"/>
-          </a:xfrm>
-        </p:spPr>
-        <p:txBody>
-          <a:bodyPr/>
-          <a:lstStyle/>
-          <a:p>
-            <a:r>
-              <a:rPr lang="en-AU" dirty="0"/>
-              <a:t>Malware Detection</a:t>
-            </a:r>
-          </a:p>
-        </p:txBody>
-      </p:sp>
-      <p:sp>
-        <p:nvSpPr>
-          <p:cNvPr id="10" name="Content Placeholder 2">
-            <a:extLst>
-              <a:ext uri="{FF2B5EF4-FFF2-40B4-BE49-F238E27FC236}">
-                <a16:creationId xmlns:a16="http://schemas.microsoft.com/office/drawing/2014/main" id="{8869FF1C-52E8-43E9-AF5B-40AA94C39D62}"/>
-              </a:ext>
-            </a:extLst>
-          </p:cNvPr>
-          <p:cNvSpPr>
-            <a:spLocks noGrp="1"/>
-          </p:cNvSpPr>
-          <p:nvPr>
-            <p:ph idx="1"/>
-          </p:nvPr>
-        </p:nvSpPr>
-        <p:spPr>
-          <a:xfrm>
-            <a:off x="727896" y="1709687"/>
-            <a:ext cx="10353762" cy="3714749"/>
-          </a:xfrm>
-        </p:spPr>
-        <p:txBody>
-          <a:bodyPr>
-            <a:noAutofit/>
-          </a:bodyPr>
-          <a:lstStyle/>
-          <a:p>
-            <a:r>
-              <a:rPr lang="en-US" sz="2800" dirty="0" err="1">
-                <a:solidFill>
-                  <a:schemeClr val="tx1"/>
-                </a:solidFill>
-                <a:effectLst/>
-              </a:rPr>
-              <a:t>sudo</a:t>
-            </a:r>
-            <a:r>
-              <a:rPr lang="en-US" sz="2800" dirty="0">
-                <a:solidFill>
-                  <a:schemeClr val="tx1"/>
-                </a:solidFill>
-                <a:effectLst/>
-              </a:rPr>
-              <a:t> docker run -it --rm </a:t>
-            </a:r>
-            <a:r>
-              <a:rPr lang="en-US" sz="2800" dirty="0" err="1">
-                <a:solidFill>
-                  <a:schemeClr val="tx1"/>
-                </a:solidFill>
-                <a:effectLst/>
-              </a:rPr>
-              <a:t>uwacyber</a:t>
-            </a:r>
-            <a:r>
-              <a:rPr lang="en-US" sz="2800" dirty="0">
-                <a:solidFill>
-                  <a:schemeClr val="tx1"/>
-                </a:solidFill>
-                <a:effectLst/>
-              </a:rPr>
-              <a:t>/cits1003-labs:ai-malware</a:t>
-            </a:r>
-            <a:endParaRPr lang="en-AU" sz="2800" dirty="0">
-              <a:effectLst/>
-            </a:endParaRPr>
-          </a:p>
-        </p:txBody>
-      </p:sp>
-    </p:spTree>
-    <p:extLst>
-      <p:ext uri="{BB962C8B-B14F-4D97-AF65-F5344CB8AC3E}">
-        <p14:creationId xmlns:p14="http://schemas.microsoft.com/office/powerpoint/2010/main" val="3263746602"/>
-      </p:ext>
-    </p:extLst>
-  </p:cSld>
-  <p:clrMapOvr>
-    <a:masterClrMapping/>
-  </p:clrMapOvr>
-</p:sld>
-</file>
-
-<file path=ppt/slides/slide35.xml><?xml version="1.0" encoding="utf-8"?>
-<p:sld xmlns:a="http://schemas.openxmlformats.org/drawingml/2006/main" xmlns:r="http://schemas.openxmlformats.org/officeDocument/2006/relationships" xmlns:p="http://schemas.openxmlformats.org/presentationml/2006/main">
-  <p:cSld>
-    <p:spTree>
-      <p:nvGrpSpPr>
-        <p:cNvPr id="1" name=""/>
-        <p:cNvGrpSpPr/>
-        <p:nvPr/>
-      </p:nvGrpSpPr>
-      <p:grpSpPr>
-        <a:xfrm>
-          <a:off x="0" y="0"/>
-          <a:ext cx="0" cy="0"/>
-          <a:chOff x="0" y="0"/>
-          <a:chExt cx="0" cy="0"/>
-        </a:xfrm>
-      </p:grpSpPr>
-      <p:sp>
-        <p:nvSpPr>
-          <p:cNvPr id="3" name="Slide Number Placeholder 2"/>
-          <p:cNvSpPr>
-            <a:spLocks noGrp="1"/>
-          </p:cNvSpPr>
-          <p:nvPr>
-            <p:ph type="sldNum" sz="quarter" idx="12"/>
-          </p:nvPr>
-        </p:nvSpPr>
-        <p:spPr/>
-        <p:txBody>
-          <a:bodyPr/>
-          <a:lstStyle/>
-          <a:p>
-            <a:fld id="{55670E94-029C-4BA8-8D44-FBB339E4924F}" type="slidenum">
-              <a:rPr lang="en-AU" smtClean="0">
-                <a:solidFill>
-                  <a:prstClr val="black">
-                    <a:tint val="75000"/>
-                  </a:prstClr>
-                </a:solidFill>
-              </a:rPr>
-              <a:pPr/>
-              <a:t>35</a:t>
-            </a:fld>
-            <a:endParaRPr lang="en-AU" dirty="0">
-              <a:solidFill>
-                <a:prstClr val="black">
-                  <a:tint val="75000"/>
-                </a:prstClr>
-              </a:solidFill>
-            </a:endParaRPr>
-          </a:p>
-        </p:txBody>
-      </p:sp>
-      <p:sp>
-        <p:nvSpPr>
-          <p:cNvPr id="8" name="Rounded Rectangle 10">
-            <a:extLst>
-              <a:ext uri="{FF2B5EF4-FFF2-40B4-BE49-F238E27FC236}">
-                <a16:creationId xmlns:a16="http://schemas.microsoft.com/office/drawing/2014/main" id="{EFF2A714-4BFE-4265-87E4-34F8FECB8F6F}"/>
-              </a:ext>
-            </a:extLst>
-          </p:cNvPr>
-          <p:cNvSpPr/>
-          <p:nvPr/>
-        </p:nvSpPr>
-        <p:spPr>
-          <a:xfrm>
-            <a:off x="292666" y="986987"/>
-            <a:ext cx="6543563" cy="639549"/>
-          </a:xfrm>
-          <a:prstGeom prst="roundRect">
-            <a:avLst/>
-          </a:prstGeom>
-          <a:noFill/>
-        </p:spPr>
-        <p:style>
-          <a:lnRef idx="0">
-            <a:schemeClr val="accent2"/>
-          </a:lnRef>
-          <a:fillRef idx="3">
-            <a:schemeClr val="accent2"/>
-          </a:fillRef>
-          <a:effectRef idx="3">
-            <a:schemeClr val="accent2"/>
-          </a:effectRef>
-          <a:fontRef idx="minor">
-            <a:schemeClr val="lt1"/>
-          </a:fontRef>
-        </p:style>
-        <p:txBody>
-          <a:bodyPr rtlCol="0" anchor="ctr"/>
-          <a:lstStyle/>
-          <a:p>
-            <a:pPr algn="ctr"/>
-            <a:r>
-              <a:rPr lang="en-AU" sz="2800" b="1" dirty="0">
-                <a:ln>
-                  <a:solidFill>
-                    <a:schemeClr val="bg1">
-                      <a:lumMod val="75000"/>
-                      <a:lumOff val="25000"/>
-                      <a:alpha val="10000"/>
-                    </a:schemeClr>
-                  </a:solidFill>
-                </a:ln>
-                <a:solidFill>
-                  <a:schemeClr val="tx1"/>
-                </a:solidFill>
-                <a:effectLst>
-                  <a:outerShdw blurRad="9525" dist="25400" dir="14640000" algn="tl" rotWithShape="0">
-                    <a:schemeClr val="bg1">
-                      <a:alpha val="30000"/>
-                    </a:schemeClr>
-                  </a:outerShdw>
-                </a:effectLst>
-              </a:rPr>
-              <a:t>Demo Time: use our docker container</a:t>
-            </a:r>
-          </a:p>
-        </p:txBody>
-      </p:sp>
-      <p:sp>
-        <p:nvSpPr>
-          <p:cNvPr id="9" name="Title 1">
-            <a:extLst>
-              <a:ext uri="{FF2B5EF4-FFF2-40B4-BE49-F238E27FC236}">
-                <a16:creationId xmlns:a16="http://schemas.microsoft.com/office/drawing/2014/main" id="{9D0A4A63-5354-4BB5-8832-B9DB46F783E9}"/>
-              </a:ext>
-            </a:extLst>
-          </p:cNvPr>
-          <p:cNvSpPr>
-            <a:spLocks noGrp="1"/>
-          </p:cNvSpPr>
-          <p:nvPr>
-            <p:ph type="title"/>
-          </p:nvPr>
-        </p:nvSpPr>
-        <p:spPr>
-          <a:xfrm>
-            <a:off x="919119" y="81280"/>
-            <a:ext cx="10353762" cy="1052094"/>
-          </a:xfrm>
-        </p:spPr>
-        <p:txBody>
-          <a:bodyPr/>
-          <a:lstStyle/>
-          <a:p>
-            <a:r>
-              <a:rPr lang="en-AU" dirty="0"/>
-              <a:t>Malware Detection</a:t>
-            </a:r>
-          </a:p>
-        </p:txBody>
-      </p:sp>
-      <p:sp>
-        <p:nvSpPr>
-          <p:cNvPr id="12" name="Content Placeholder 2">
-            <a:extLst>
-              <a:ext uri="{FF2B5EF4-FFF2-40B4-BE49-F238E27FC236}">
-                <a16:creationId xmlns:a16="http://schemas.microsoft.com/office/drawing/2014/main" id="{C35F5975-2C76-4F59-A37E-82C404CDCDDD}"/>
-              </a:ext>
-            </a:extLst>
-          </p:cNvPr>
-          <p:cNvSpPr>
-            <a:spLocks noGrp="1"/>
-          </p:cNvSpPr>
-          <p:nvPr>
-            <p:ph idx="1"/>
-          </p:nvPr>
-        </p:nvSpPr>
-        <p:spPr>
-          <a:xfrm>
-            <a:off x="727896" y="1709687"/>
-            <a:ext cx="10353762" cy="3714749"/>
-          </a:xfrm>
-        </p:spPr>
-        <p:txBody>
-          <a:bodyPr>
-            <a:noAutofit/>
-          </a:bodyPr>
-          <a:lstStyle/>
-          <a:p>
-            <a:r>
-              <a:rPr lang="en-US" sz="2800" dirty="0" err="1">
-                <a:solidFill>
-                  <a:schemeClr val="tx1"/>
-                </a:solidFill>
-                <a:effectLst/>
-              </a:rPr>
-              <a:t>sudo</a:t>
-            </a:r>
-            <a:r>
-              <a:rPr lang="en-US" sz="2800" dirty="0">
-                <a:solidFill>
-                  <a:schemeClr val="tx1"/>
-                </a:solidFill>
-                <a:effectLst/>
-              </a:rPr>
-              <a:t> docker run -it --rm </a:t>
-            </a:r>
-            <a:r>
-              <a:rPr lang="en-US" sz="2800" dirty="0" err="1">
-                <a:solidFill>
-                  <a:schemeClr val="tx1"/>
-                </a:solidFill>
-                <a:effectLst/>
-              </a:rPr>
-              <a:t>uwacyber</a:t>
-            </a:r>
-            <a:r>
-              <a:rPr lang="en-US" sz="2800" dirty="0">
-                <a:solidFill>
-                  <a:schemeClr val="tx1"/>
-                </a:solidFill>
-                <a:effectLst/>
-              </a:rPr>
-              <a:t>/cits1003-labs:ai-malware</a:t>
-            </a:r>
-            <a:endParaRPr lang="en-AU" sz="2800" dirty="0">
-              <a:effectLst/>
-            </a:endParaRPr>
-          </a:p>
-        </p:txBody>
-      </p:sp>
-      <p:sp>
-        <p:nvSpPr>
-          <p:cNvPr id="6" name="Content Placeholder 2">
-            <a:extLst>
-              <a:ext uri="{FF2B5EF4-FFF2-40B4-BE49-F238E27FC236}">
-                <a16:creationId xmlns:a16="http://schemas.microsoft.com/office/drawing/2014/main" id="{95424E53-D8D0-485B-9DF3-B31C0110CA76}"/>
-              </a:ext>
-            </a:extLst>
-          </p:cNvPr>
-          <p:cNvSpPr txBox="1">
-            <a:spLocks/>
-          </p:cNvSpPr>
-          <p:nvPr/>
-        </p:nvSpPr>
-        <p:spPr>
-          <a:xfrm>
-            <a:off x="727896" y="2501849"/>
-            <a:ext cx="10353762" cy="3714749"/>
-          </a:xfrm>
-          <a:prstGeom prst="rect">
-            <a:avLst/>
-          </a:prstGeom>
-          <a:effectLst>
-            <a:outerShdw blurRad="25400" dir="17880000">
-              <a:srgbClr val="000000">
-                <a:alpha val="46000"/>
-              </a:srgbClr>
-            </a:outerShdw>
-          </a:effectLst>
-        </p:spPr>
-        <p:txBody>
-          <a:bodyPr vert="horz" lIns="91440" tIns="45720" rIns="91440" bIns="45720" rtlCol="0" anchor="t">
-            <a:noAutofit/>
-          </a:bodyPr>
-          <a:lstStyle>
-            <a:lvl1pPr marL="342900" indent="-306000" algn="l" defTabSz="457200" rtl="0" eaLnBrk="1" latinLnBrk="0" hangingPunct="1">
-              <a:lnSpc>
-                <a:spcPct val="110000"/>
-              </a:lnSpc>
-              <a:spcBef>
-                <a:spcPct val="20000"/>
-              </a:spcBef>
-              <a:spcAft>
-                <a:spcPts val="600"/>
-              </a:spcAft>
-              <a:buClr>
-                <a:schemeClr val="tx2"/>
-              </a:buClr>
-              <a:buSzPct val="70000"/>
-              <a:buFont typeface="Wingdings 2" charset="2"/>
-              <a:buChar char=""/>
-              <a:defRPr sz="2100" kern="1200">
-                <a:ln>
-                  <a:solidFill>
-                    <a:schemeClr val="bg1">
-                      <a:lumMod val="75000"/>
-                      <a:lumOff val="25000"/>
-                      <a:alpha val="10000"/>
-                    </a:schemeClr>
-                  </a:solidFill>
-                </a:ln>
-                <a:solidFill>
-                  <a:schemeClr val="tx2"/>
-                </a:solidFill>
-                <a:effectLst>
-                  <a:outerShdw blurRad="9525" dist="25400" dir="14640000" algn="tl" rotWithShape="0">
-                    <a:schemeClr val="bg1">
-                      <a:alpha val="30000"/>
-                    </a:schemeClr>
-                  </a:outerShdw>
-                </a:effectLst>
-                <a:latin typeface="+mn-lt"/>
-                <a:ea typeface="+mn-ea"/>
-                <a:cs typeface="+mn-cs"/>
-              </a:defRPr>
-            </a:lvl1pPr>
-            <a:lvl2pPr marL="720000" indent="-270000" algn="l" defTabSz="457200" rtl="0" eaLnBrk="1" latinLnBrk="0" hangingPunct="1">
-              <a:spcBef>
-                <a:spcPct val="20000"/>
-              </a:spcBef>
-              <a:spcAft>
-                <a:spcPts val="600"/>
-              </a:spcAft>
-              <a:buClr>
-                <a:schemeClr val="tx2"/>
-              </a:buClr>
-              <a:buSzPct val="70000"/>
-              <a:buFont typeface="Wingdings 2" charset="2"/>
-              <a:buChar char=""/>
-              <a:defRPr sz="1900" kern="1200">
-                <a:ln>
-                  <a:solidFill>
-                    <a:schemeClr val="bg1">
-                      <a:lumMod val="75000"/>
-                      <a:lumOff val="25000"/>
-                      <a:alpha val="10000"/>
-                    </a:schemeClr>
-                  </a:solidFill>
-                </a:ln>
-                <a:solidFill>
-                  <a:schemeClr val="tx2"/>
-                </a:solidFill>
-                <a:effectLst>
-                  <a:outerShdw blurRad="9525" dist="25400" dir="14640000" algn="tl" rotWithShape="0">
-                    <a:schemeClr val="bg1">
-                      <a:alpha val="30000"/>
-                    </a:schemeClr>
-                  </a:outerShdw>
-                </a:effectLst>
-                <a:latin typeface="+mn-lt"/>
-                <a:ea typeface="+mn-ea"/>
-                <a:cs typeface="+mn-cs"/>
-              </a:defRPr>
-            </a:lvl2pPr>
-            <a:lvl3pPr marL="1026000" indent="-216000" algn="l" defTabSz="457200" rtl="0" eaLnBrk="1" latinLnBrk="0" hangingPunct="1">
-              <a:spcBef>
-                <a:spcPct val="20000"/>
-              </a:spcBef>
-              <a:spcAft>
-                <a:spcPts val="600"/>
-              </a:spcAft>
-              <a:buClr>
-                <a:schemeClr val="tx2"/>
-              </a:buClr>
-              <a:buSzPct val="70000"/>
-              <a:buFont typeface="Wingdings 2" charset="2"/>
-              <a:buChar char=""/>
-              <a:defRPr sz="1700" kern="1200">
-                <a:ln>
-                  <a:solidFill>
-                    <a:schemeClr val="bg1">
-                      <a:lumMod val="75000"/>
-                      <a:lumOff val="25000"/>
-                      <a:alpha val="10000"/>
-                    </a:schemeClr>
-                  </a:solidFill>
-                </a:ln>
-                <a:solidFill>
-                  <a:schemeClr val="tx2"/>
-                </a:solidFill>
-                <a:effectLst>
-                  <a:outerShdw blurRad="9525" dist="25400" dir="14640000" algn="tl" rotWithShape="0">
-                    <a:schemeClr val="bg1">
-                      <a:alpha val="30000"/>
-                    </a:schemeClr>
-                  </a:outerShdw>
-                </a:effectLst>
-                <a:latin typeface="+mn-lt"/>
-                <a:ea typeface="+mn-ea"/>
-                <a:cs typeface="+mn-cs"/>
-              </a:defRPr>
-            </a:lvl3pPr>
-            <a:lvl4pPr marL="1386000" indent="-216000" algn="l" defTabSz="457200" rtl="0" eaLnBrk="1" latinLnBrk="0" hangingPunct="1">
-              <a:spcBef>
-                <a:spcPct val="20000"/>
-              </a:spcBef>
-              <a:spcAft>
-                <a:spcPts val="600"/>
-              </a:spcAft>
-              <a:buClr>
-                <a:schemeClr val="tx2"/>
-              </a:buClr>
-              <a:buSzPct val="70000"/>
-              <a:buFont typeface="Wingdings 2" charset="2"/>
-              <a:buChar char=""/>
-              <a:defRPr sz="1500" kern="1200">
-                <a:ln>
-                  <a:solidFill>
-                    <a:schemeClr val="bg1">
-                      <a:lumMod val="75000"/>
-                      <a:lumOff val="25000"/>
-                      <a:alpha val="10000"/>
-                    </a:schemeClr>
-                  </a:solidFill>
-                </a:ln>
-                <a:solidFill>
-                  <a:schemeClr val="tx2"/>
-                </a:solidFill>
-                <a:effectLst>
-                  <a:outerShdw blurRad="9525" dist="25400" dir="14640000" algn="tl" rotWithShape="0">
-                    <a:schemeClr val="bg1">
-                      <a:alpha val="30000"/>
-                    </a:schemeClr>
-                  </a:outerShdw>
-                </a:effectLst>
-                <a:latin typeface="+mn-lt"/>
-                <a:ea typeface="+mn-ea"/>
-                <a:cs typeface="+mn-cs"/>
-              </a:defRPr>
-            </a:lvl4pPr>
-            <a:lvl5pPr marL="1674000" indent="-216000" algn="l" defTabSz="457200" rtl="0" eaLnBrk="1" latinLnBrk="0" hangingPunct="1">
-              <a:spcBef>
-                <a:spcPct val="20000"/>
-              </a:spcBef>
-              <a:spcAft>
-                <a:spcPts val="600"/>
-              </a:spcAft>
-              <a:buClr>
-                <a:schemeClr val="tx2"/>
-              </a:buClr>
-              <a:buSzPct val="70000"/>
-              <a:buFont typeface="Wingdings 2" charset="2"/>
-              <a:buChar char=""/>
-              <a:defRPr sz="1500" kern="1200">
-                <a:ln>
-                  <a:solidFill>
-                    <a:schemeClr val="bg1">
-                      <a:lumMod val="75000"/>
-                      <a:lumOff val="25000"/>
-                      <a:alpha val="10000"/>
-                    </a:schemeClr>
-                  </a:solidFill>
-                </a:ln>
-                <a:solidFill>
-                  <a:schemeClr val="tx2"/>
-                </a:solidFill>
-                <a:effectLst>
-                  <a:outerShdw blurRad="9525" dist="25400" dir="14640000" algn="tl" rotWithShape="0">
-                    <a:schemeClr val="bg1">
-                      <a:alpha val="30000"/>
-                    </a:schemeClr>
-                  </a:outerShdw>
-                </a:effectLst>
-                <a:latin typeface="+mn-lt"/>
-                <a:ea typeface="+mn-ea"/>
-                <a:cs typeface="+mn-cs"/>
-              </a:defRPr>
-            </a:lvl5pPr>
-            <a:lvl6pPr marL="2014600" indent="-228600" algn="l" defTabSz="457200" rtl="0" eaLnBrk="1" latinLnBrk="0" hangingPunct="1">
-              <a:spcBef>
-                <a:spcPct val="20000"/>
-              </a:spcBef>
-              <a:spcAft>
-                <a:spcPts val="600"/>
-              </a:spcAft>
-              <a:buClr>
-                <a:schemeClr val="tx2"/>
-              </a:buClr>
-              <a:buSzPct val="70000"/>
-              <a:buFont typeface="Wingdings 2" charset="2"/>
-              <a:buChar char=""/>
-              <a:defRPr sz="1400" kern="1200">
-                <a:ln>
-                  <a:solidFill>
-                    <a:schemeClr val="bg1">
-                      <a:lumMod val="75000"/>
-                      <a:lumOff val="25000"/>
-                      <a:alpha val="10000"/>
-                    </a:schemeClr>
-                  </a:solidFill>
-                </a:ln>
-                <a:solidFill>
-                  <a:schemeClr val="tx2"/>
-                </a:solidFill>
-                <a:effectLst>
-                  <a:outerShdw blurRad="9525" dist="25400" dir="14640000" algn="tl" rotWithShape="0">
-                    <a:schemeClr val="bg1">
-                      <a:alpha val="30000"/>
-                    </a:schemeClr>
-                  </a:outerShdw>
-                </a:effectLst>
-                <a:latin typeface="+mn-lt"/>
-                <a:ea typeface="+mn-ea"/>
-                <a:cs typeface="+mn-cs"/>
-              </a:defRPr>
-            </a:lvl6pPr>
-            <a:lvl7pPr marL="2401800" indent="-228600" algn="l" defTabSz="457200" rtl="0" eaLnBrk="1" latinLnBrk="0" hangingPunct="1">
-              <a:spcBef>
-                <a:spcPct val="20000"/>
-              </a:spcBef>
-              <a:spcAft>
-                <a:spcPts val="600"/>
-              </a:spcAft>
-              <a:buClr>
-                <a:schemeClr val="tx2"/>
-              </a:buClr>
-              <a:buSzPct val="70000"/>
-              <a:buFont typeface="Wingdings 2" charset="2"/>
-              <a:buChar char=""/>
-              <a:defRPr sz="1400" kern="1200">
-                <a:ln>
-                  <a:solidFill>
-                    <a:schemeClr val="bg1">
-                      <a:lumMod val="75000"/>
-                      <a:lumOff val="25000"/>
-                      <a:alpha val="10000"/>
-                    </a:schemeClr>
-                  </a:solidFill>
-                </a:ln>
-                <a:solidFill>
-                  <a:schemeClr val="tx2"/>
-                </a:solidFill>
-                <a:effectLst>
-                  <a:outerShdw blurRad="9525" dist="25400" dir="14640000" algn="tl" rotWithShape="0">
-                    <a:schemeClr val="bg1">
-                      <a:alpha val="30000"/>
-                    </a:schemeClr>
-                  </a:outerShdw>
-                </a:effectLst>
-                <a:latin typeface="+mn-lt"/>
-                <a:ea typeface="+mn-ea"/>
-                <a:cs typeface="+mn-cs"/>
-              </a:defRPr>
-            </a:lvl7pPr>
-            <a:lvl8pPr marL="2789000" indent="-228600" algn="l" defTabSz="457200" rtl="0" eaLnBrk="1" latinLnBrk="0" hangingPunct="1">
-              <a:spcBef>
-                <a:spcPct val="20000"/>
-              </a:spcBef>
-              <a:spcAft>
-                <a:spcPts val="600"/>
-              </a:spcAft>
-              <a:buClr>
-                <a:schemeClr val="tx2"/>
-              </a:buClr>
-              <a:buSzPct val="70000"/>
-              <a:buFont typeface="Wingdings 2" charset="2"/>
-              <a:buChar char=""/>
-              <a:defRPr sz="1400" kern="1200">
-                <a:ln>
-                  <a:solidFill>
-                    <a:schemeClr val="bg1">
-                      <a:lumMod val="75000"/>
-                      <a:lumOff val="25000"/>
-                      <a:alpha val="10000"/>
-                    </a:schemeClr>
-                  </a:solidFill>
-                </a:ln>
-                <a:solidFill>
-                  <a:schemeClr val="tx2"/>
-                </a:solidFill>
-                <a:effectLst>
-                  <a:outerShdw blurRad="9525" dist="25400" dir="14640000" algn="tl" rotWithShape="0">
-                    <a:schemeClr val="bg1">
-                      <a:alpha val="30000"/>
-                    </a:schemeClr>
-                  </a:outerShdw>
-                </a:effectLst>
-                <a:latin typeface="+mn-lt"/>
-                <a:ea typeface="+mn-ea"/>
-                <a:cs typeface="+mn-cs"/>
-              </a:defRPr>
-            </a:lvl8pPr>
-            <a:lvl9pPr marL="3106200" indent="-228600" algn="l" defTabSz="457200" rtl="0" eaLnBrk="1" latinLnBrk="0" hangingPunct="1">
-              <a:spcBef>
-                <a:spcPct val="20000"/>
-              </a:spcBef>
-              <a:spcAft>
-                <a:spcPts val="600"/>
-              </a:spcAft>
-              <a:buClr>
-                <a:schemeClr val="tx2"/>
-              </a:buClr>
-              <a:buSzPct val="70000"/>
-              <a:buFont typeface="Wingdings 2" charset="2"/>
-              <a:buChar char=""/>
-              <a:defRPr sz="1400" kern="1200">
-                <a:ln>
-                  <a:solidFill>
-                    <a:schemeClr val="bg1">
-                      <a:lumMod val="75000"/>
-                      <a:lumOff val="25000"/>
-                      <a:alpha val="10000"/>
-                    </a:schemeClr>
-                  </a:solidFill>
-                </a:ln>
-                <a:solidFill>
-                  <a:schemeClr val="tx2"/>
-                </a:solidFill>
-                <a:effectLst>
-                  <a:outerShdw blurRad="9525" dist="25400" dir="14640000" algn="tl" rotWithShape="0">
-                    <a:schemeClr val="bg1">
-                      <a:alpha val="30000"/>
-                    </a:schemeClr>
-                  </a:outerShdw>
-                </a:effectLst>
-                <a:latin typeface="+mn-lt"/>
-                <a:ea typeface="+mn-ea"/>
-                <a:cs typeface="+mn-cs"/>
-              </a:defRPr>
-            </a:lvl9pPr>
-          </a:lstStyle>
-          <a:p>
-            <a:r>
-              <a:rPr lang="en-AU" sz="2800">
-                <a:effectLst/>
-              </a:rPr>
-              <a:t>apt-get install yara</a:t>
-            </a:r>
-          </a:p>
-          <a:p>
-            <a:r>
-              <a:rPr lang="en-AU" sz="2800">
-                <a:effectLst/>
-              </a:rPr>
-              <a:t>git clone https://github.com/Yara-Rules/rules.git</a:t>
-            </a:r>
-          </a:p>
-          <a:p>
-            <a:pPr lvl="1"/>
-            <a:endParaRPr lang="en-AU" sz="2800">
-              <a:effectLst/>
-            </a:endParaRPr>
-          </a:p>
-          <a:p>
-            <a:pPr lvl="1"/>
-            <a:endParaRPr lang="en-AU" sz="2800"/>
-          </a:p>
-          <a:p>
-            <a:pPr marL="450000" lvl="1" indent="0">
-              <a:buFont typeface="Wingdings 2" charset="2"/>
-              <a:buNone/>
-            </a:pPr>
-            <a:endParaRPr lang="en-AU" sz="2800" dirty="0"/>
-          </a:p>
-        </p:txBody>
-      </p:sp>
-    </p:spTree>
-    <p:extLst>
-      <p:ext uri="{BB962C8B-B14F-4D97-AF65-F5344CB8AC3E}">
-        <p14:creationId xmlns:p14="http://schemas.microsoft.com/office/powerpoint/2010/main" val="3399154406"/>
-      </p:ext>
-    </p:extLst>
-  </p:cSld>
-  <p:clrMapOvr>
-    <a:masterClrMapping/>
-  </p:clrMapOvr>
-</p:sld>
-</file>
-
-<file path=ppt/slides/slide36.xml><?xml version="1.0" encoding="utf-8"?>
-<p:sld xmlns:a="http://schemas.openxmlformats.org/drawingml/2006/main" xmlns:r="http://schemas.openxmlformats.org/officeDocument/2006/relationships" xmlns:p="http://schemas.openxmlformats.org/presentationml/2006/main">
-  <p:cSld>
-    <p:spTree>
-      <p:nvGrpSpPr>
-        <p:cNvPr id="1" name=""/>
-        <p:cNvGrpSpPr/>
-        <p:nvPr/>
-      </p:nvGrpSpPr>
-      <p:grpSpPr>
-        <a:xfrm>
-          <a:off x="0" y="0"/>
-          <a:ext cx="0" cy="0"/>
-          <a:chOff x="0" y="0"/>
-          <a:chExt cx="0" cy="0"/>
-        </a:xfrm>
-      </p:grpSpPr>
-      <p:sp>
-        <p:nvSpPr>
-          <p:cNvPr id="2" name="Title 1">
-            <a:extLst>
-              <a:ext uri="{FF2B5EF4-FFF2-40B4-BE49-F238E27FC236}">
-                <a16:creationId xmlns:a16="http://schemas.microsoft.com/office/drawing/2014/main" id="{77B87295-CF06-4EF3-BFCA-2F8DAACB6AC6}"/>
-              </a:ext>
-            </a:extLst>
-          </p:cNvPr>
-          <p:cNvSpPr>
-            <a:spLocks noGrp="1"/>
-          </p:cNvSpPr>
-          <p:nvPr>
-            <p:ph type="title"/>
-          </p:nvPr>
-        </p:nvSpPr>
-        <p:spPr>
-          <a:xfrm>
-            <a:off x="919119" y="81280"/>
-            <a:ext cx="10353762" cy="1257300"/>
-          </a:xfrm>
-        </p:spPr>
-        <p:txBody>
-          <a:bodyPr/>
-          <a:lstStyle/>
-          <a:p>
-            <a:r>
-              <a:rPr lang="en-AU" dirty="0"/>
-              <a:t>Malware Detection</a:t>
-            </a:r>
-          </a:p>
-        </p:txBody>
-      </p:sp>
-      <p:sp>
-        <p:nvSpPr>
-          <p:cNvPr id="3" name="Content Placeholder 2">
-            <a:extLst>
-              <a:ext uri="{FF2B5EF4-FFF2-40B4-BE49-F238E27FC236}">
-                <a16:creationId xmlns:a16="http://schemas.microsoft.com/office/drawing/2014/main" id="{21E8586B-D9A3-4AE1-A171-491E51F2FAF0}"/>
-              </a:ext>
-            </a:extLst>
-          </p:cNvPr>
-          <p:cNvSpPr>
-            <a:spLocks noGrp="1"/>
-          </p:cNvSpPr>
-          <p:nvPr>
-            <p:ph idx="1"/>
-          </p:nvPr>
-        </p:nvSpPr>
-        <p:spPr>
-          <a:xfrm>
-            <a:off x="548034" y="1362710"/>
-            <a:ext cx="11315719" cy="3714749"/>
-          </a:xfrm>
-        </p:spPr>
-        <p:txBody>
-          <a:bodyPr>
-            <a:noAutofit/>
-          </a:bodyPr>
-          <a:lstStyle/>
-          <a:p>
-            <a:r>
-              <a:rPr lang="en-US" sz="2800" dirty="0"/>
-              <a:t>List a few practical use-cases of YARA in cybersecurity</a:t>
-            </a:r>
-          </a:p>
-          <a:p>
-            <a:pPr marL="36900" indent="0">
-              <a:buNone/>
-            </a:pPr>
-            <a:endParaRPr lang="en-AU" sz="2800" dirty="0"/>
-          </a:p>
-          <a:p>
-            <a:pPr lvl="1"/>
-            <a:endParaRPr lang="en-AU" sz="2800" dirty="0"/>
-          </a:p>
-          <a:p>
-            <a:pPr lvl="1"/>
-            <a:endParaRPr lang="en-AU" sz="2800" dirty="0"/>
-          </a:p>
-          <a:p>
-            <a:pPr lvl="1"/>
-            <a:endParaRPr lang="en-AU" sz="2800" dirty="0"/>
-          </a:p>
-          <a:p>
-            <a:pPr marL="450000" lvl="1" indent="0">
-              <a:buNone/>
-            </a:pPr>
-            <a:endParaRPr lang="en-AU" sz="2800" dirty="0"/>
-          </a:p>
-        </p:txBody>
-      </p:sp>
-    </p:spTree>
-    <p:extLst>
-      <p:ext uri="{BB962C8B-B14F-4D97-AF65-F5344CB8AC3E}">
-        <p14:creationId xmlns:p14="http://schemas.microsoft.com/office/powerpoint/2010/main" val="2758315679"/>
-      </p:ext>
-    </p:extLst>
-  </p:cSld>
-  <p:clrMapOvr>
-    <a:masterClrMapping/>
-  </p:clrMapOvr>
-</p:sld>
-</file>
-
-<file path=ppt/slides/slide37.xml><?xml version="1.0" encoding="utf-8"?>
-<p:sld xmlns:a="http://schemas.openxmlformats.org/drawingml/2006/main" xmlns:r="http://schemas.openxmlformats.org/officeDocument/2006/relationships" xmlns:p="http://schemas.openxmlformats.org/presentationml/2006/main">
-  <p:cSld>
-    <p:spTree>
-      <p:nvGrpSpPr>
-        <p:cNvPr id="1" name=""/>
-        <p:cNvGrpSpPr/>
-        <p:nvPr/>
-      </p:nvGrpSpPr>
-      <p:grpSpPr>
-        <a:xfrm>
-          <a:off x="0" y="0"/>
-          <a:ext cx="0" cy="0"/>
-          <a:chOff x="0" y="0"/>
-          <a:chExt cx="0" cy="0"/>
-        </a:xfrm>
-      </p:grpSpPr>
-      <p:sp>
-        <p:nvSpPr>
-          <p:cNvPr id="2" name="Title 1">
-            <a:extLst>
-              <a:ext uri="{FF2B5EF4-FFF2-40B4-BE49-F238E27FC236}">
-                <a16:creationId xmlns:a16="http://schemas.microsoft.com/office/drawing/2014/main" id="{77B87295-CF06-4EF3-BFCA-2F8DAACB6AC6}"/>
-              </a:ext>
-            </a:extLst>
-          </p:cNvPr>
-          <p:cNvSpPr>
-            <a:spLocks noGrp="1"/>
-          </p:cNvSpPr>
-          <p:nvPr>
-            <p:ph type="title"/>
-          </p:nvPr>
-        </p:nvSpPr>
-        <p:spPr>
-          <a:xfrm>
-            <a:off x="919119" y="81280"/>
-            <a:ext cx="10353762" cy="1257300"/>
-          </a:xfrm>
-        </p:spPr>
-        <p:txBody>
-          <a:bodyPr/>
-          <a:lstStyle/>
-          <a:p>
-            <a:r>
-              <a:rPr lang="en-AU" dirty="0"/>
-              <a:t>Malware Detection</a:t>
-            </a:r>
-          </a:p>
-        </p:txBody>
-      </p:sp>
-      <p:sp>
-        <p:nvSpPr>
-          <p:cNvPr id="3" name="Content Placeholder 2">
-            <a:extLst>
-              <a:ext uri="{FF2B5EF4-FFF2-40B4-BE49-F238E27FC236}">
-                <a16:creationId xmlns:a16="http://schemas.microsoft.com/office/drawing/2014/main" id="{21E8586B-D9A3-4AE1-A171-491E51F2FAF0}"/>
-              </a:ext>
-            </a:extLst>
-          </p:cNvPr>
-          <p:cNvSpPr>
-            <a:spLocks noGrp="1"/>
-          </p:cNvSpPr>
-          <p:nvPr>
-            <p:ph idx="1"/>
-          </p:nvPr>
-        </p:nvSpPr>
-        <p:spPr>
-          <a:xfrm>
-            <a:off x="548034" y="1362710"/>
-            <a:ext cx="11315719" cy="3714749"/>
-          </a:xfrm>
-        </p:spPr>
-        <p:txBody>
-          <a:bodyPr>
-            <a:noAutofit/>
-          </a:bodyPr>
-          <a:lstStyle/>
-          <a:p>
-            <a:r>
-              <a:rPr lang="en-US" sz="2800" dirty="0"/>
-              <a:t>List a few practical use-cases of YARA in cybersecurity</a:t>
-            </a:r>
-          </a:p>
-          <a:p>
-            <a:pPr lvl="1"/>
-            <a:r>
-              <a:rPr lang="en-US" sz="2800" dirty="0"/>
-              <a:t>e.g., </a:t>
-            </a:r>
-            <a:r>
-              <a:rPr lang="en-AU" sz="2800" dirty="0"/>
-              <a:t>malware detection/intrusion detection/system monitoring</a:t>
-            </a:r>
-            <a:endParaRPr lang="en-US" sz="2800" dirty="0"/>
-          </a:p>
-          <a:p>
-            <a:pPr marL="36900" indent="0">
-              <a:buNone/>
-            </a:pPr>
-            <a:endParaRPr lang="en-AU" sz="2800" dirty="0"/>
-          </a:p>
-          <a:p>
-            <a:pPr lvl="1"/>
-            <a:endParaRPr lang="en-AU" sz="2800" dirty="0"/>
-          </a:p>
-          <a:p>
-            <a:pPr lvl="1"/>
-            <a:endParaRPr lang="en-AU" sz="2800" dirty="0"/>
-          </a:p>
-          <a:p>
-            <a:pPr lvl="1"/>
-            <a:endParaRPr lang="en-AU" sz="2800" dirty="0"/>
-          </a:p>
-          <a:p>
-            <a:pPr marL="450000" lvl="1" indent="0">
-              <a:buNone/>
-            </a:pPr>
-            <a:endParaRPr lang="en-AU" sz="2800" dirty="0"/>
-          </a:p>
-        </p:txBody>
-      </p:sp>
-    </p:spTree>
-    <p:extLst>
-      <p:ext uri="{BB962C8B-B14F-4D97-AF65-F5344CB8AC3E}">
-        <p14:creationId xmlns:p14="http://schemas.microsoft.com/office/powerpoint/2010/main" val="2761264589"/>
-      </p:ext>
-    </p:extLst>
-  </p:cSld>
-  <p:clrMapOvr>
-    <a:masterClrMapping/>
-  </p:clrMapOvr>
-</p:sld>
-</file>
-
-<file path=ppt/slides/slide38.xml><?xml version="1.0" encoding="utf-8"?>
-<p:sld xmlns:a="http://schemas.openxmlformats.org/drawingml/2006/main" xmlns:r="http://schemas.openxmlformats.org/officeDocument/2006/relationships" xmlns:p="http://schemas.openxmlformats.org/presentationml/2006/main">
-  <p:cSld>
-    <p:spTree>
-      <p:nvGrpSpPr>
-        <p:cNvPr id="1" name=""/>
-        <p:cNvGrpSpPr/>
-        <p:nvPr/>
-      </p:nvGrpSpPr>
-      <p:grpSpPr>
-        <a:xfrm>
-          <a:off x="0" y="0"/>
-          <a:ext cx="0" cy="0"/>
-          <a:chOff x="0" y="0"/>
-          <a:chExt cx="0" cy="0"/>
-        </a:xfrm>
-      </p:grpSpPr>
-      <p:sp>
-        <p:nvSpPr>
-          <p:cNvPr id="2" name="Title 1">
-            <a:extLst>
-              <a:ext uri="{FF2B5EF4-FFF2-40B4-BE49-F238E27FC236}">
-                <a16:creationId xmlns:a16="http://schemas.microsoft.com/office/drawing/2014/main" id="{A2E9C478-AE76-4FD5-8984-90B18062A23A}"/>
-              </a:ext>
-            </a:extLst>
-          </p:cNvPr>
-          <p:cNvSpPr>
-            <a:spLocks noGrp="1"/>
-          </p:cNvSpPr>
-          <p:nvPr>
-            <p:ph type="title"/>
-          </p:nvPr>
-        </p:nvSpPr>
-        <p:spPr>
-          <a:xfrm>
-            <a:off x="919119" y="142240"/>
-            <a:ext cx="10353762" cy="934720"/>
-          </a:xfrm>
-        </p:spPr>
-        <p:txBody>
-          <a:bodyPr/>
-          <a:lstStyle/>
-          <a:p>
-            <a:r>
-              <a:rPr lang="en-AU" dirty="0"/>
-              <a:t>Malware Detection</a:t>
-            </a:r>
-          </a:p>
-        </p:txBody>
-      </p:sp>
-      <p:sp>
-        <p:nvSpPr>
-          <p:cNvPr id="3" name="Content Placeholder 2">
-            <a:extLst>
-              <a:ext uri="{FF2B5EF4-FFF2-40B4-BE49-F238E27FC236}">
-                <a16:creationId xmlns:a16="http://schemas.microsoft.com/office/drawing/2014/main" id="{FF38BB1A-17C7-4CE4-80F8-423DE683961B}"/>
-              </a:ext>
-            </a:extLst>
-          </p:cNvPr>
-          <p:cNvSpPr>
-            <a:spLocks noGrp="1"/>
-          </p:cNvSpPr>
-          <p:nvPr>
-            <p:ph idx="1"/>
-          </p:nvPr>
-        </p:nvSpPr>
-        <p:spPr>
-          <a:xfrm>
             <a:off x="710595" y="1162050"/>
             <a:ext cx="10353762" cy="4913630"/>
           </a:xfrm>
@@ -29145,253 +26828,6 @@
     <p:extLst>
       <p:ext uri="{BB962C8B-B14F-4D97-AF65-F5344CB8AC3E}">
         <p14:creationId xmlns:p14="http://schemas.microsoft.com/office/powerpoint/2010/main" val="835046270"/>
-      </p:ext>
-    </p:extLst>
-  </p:cSld>
-  <p:clrMapOvr>
-    <a:masterClrMapping/>
-  </p:clrMapOvr>
-</p:sld>
-</file>
-
-<file path=ppt/slides/slide39.xml><?xml version="1.0" encoding="utf-8"?>
-<p:sld xmlns:a="http://schemas.openxmlformats.org/drawingml/2006/main" xmlns:r="http://schemas.openxmlformats.org/officeDocument/2006/relationships" xmlns:p="http://schemas.openxmlformats.org/presentationml/2006/main">
-  <p:cSld>
-    <p:spTree>
-      <p:nvGrpSpPr>
-        <p:cNvPr id="1" name=""/>
-        <p:cNvGrpSpPr/>
-        <p:nvPr/>
-      </p:nvGrpSpPr>
-      <p:grpSpPr>
-        <a:xfrm>
-          <a:off x="0" y="0"/>
-          <a:ext cx="0" cy="0"/>
-          <a:chOff x="0" y="0"/>
-          <a:chExt cx="0" cy="0"/>
-        </a:xfrm>
-      </p:grpSpPr>
-      <p:sp>
-        <p:nvSpPr>
-          <p:cNvPr id="3" name="Slide Number Placeholder 2"/>
-          <p:cNvSpPr>
-            <a:spLocks noGrp="1"/>
-          </p:cNvSpPr>
-          <p:nvPr>
-            <p:ph type="sldNum" sz="quarter" idx="12"/>
-          </p:nvPr>
-        </p:nvSpPr>
-        <p:spPr/>
-        <p:txBody>
-          <a:bodyPr/>
-          <a:lstStyle/>
-          <a:p>
-            <a:fld id="{55670E94-029C-4BA8-8D44-FBB339E4924F}" type="slidenum">
-              <a:rPr lang="en-AU" smtClean="0">
-                <a:solidFill>
-                  <a:prstClr val="black">
-                    <a:tint val="75000"/>
-                  </a:prstClr>
-                </a:solidFill>
-              </a:rPr>
-              <a:pPr/>
-              <a:t>39</a:t>
-            </a:fld>
-            <a:endParaRPr lang="en-AU" dirty="0">
-              <a:solidFill>
-                <a:prstClr val="black">
-                  <a:tint val="75000"/>
-                </a:prstClr>
-              </a:solidFill>
-            </a:endParaRPr>
-          </a:p>
-        </p:txBody>
-      </p:sp>
-      <p:sp>
-        <p:nvSpPr>
-          <p:cNvPr id="8" name="Rounded Rectangle 10">
-            <a:extLst>
-              <a:ext uri="{FF2B5EF4-FFF2-40B4-BE49-F238E27FC236}">
-                <a16:creationId xmlns:a16="http://schemas.microsoft.com/office/drawing/2014/main" id="{EFF2A714-4BFE-4265-87E4-34F8FECB8F6F}"/>
-              </a:ext>
-            </a:extLst>
-          </p:cNvPr>
-          <p:cNvSpPr/>
-          <p:nvPr/>
-        </p:nvSpPr>
-        <p:spPr>
-          <a:xfrm>
-            <a:off x="292666" y="986987"/>
-            <a:ext cx="6543563" cy="639549"/>
-          </a:xfrm>
-          <a:prstGeom prst="roundRect">
-            <a:avLst/>
-          </a:prstGeom>
-          <a:noFill/>
-        </p:spPr>
-        <p:style>
-          <a:lnRef idx="0">
-            <a:schemeClr val="accent2"/>
-          </a:lnRef>
-          <a:fillRef idx="3">
-            <a:schemeClr val="accent2"/>
-          </a:fillRef>
-          <a:effectRef idx="3">
-            <a:schemeClr val="accent2"/>
-          </a:effectRef>
-          <a:fontRef idx="minor">
-            <a:schemeClr val="lt1"/>
-          </a:fontRef>
-        </p:style>
-        <p:txBody>
-          <a:bodyPr rtlCol="0" anchor="ctr"/>
-          <a:lstStyle/>
-          <a:p>
-            <a:pPr algn="ctr"/>
-            <a:r>
-              <a:rPr lang="en-AU" sz="2800" b="1" dirty="0">
-                <a:ln>
-                  <a:solidFill>
-                    <a:schemeClr val="bg1">
-                      <a:lumMod val="75000"/>
-                      <a:lumOff val="25000"/>
-                      <a:alpha val="10000"/>
-                    </a:schemeClr>
-                  </a:solidFill>
-                </a:ln>
-                <a:solidFill>
-                  <a:schemeClr val="tx1"/>
-                </a:solidFill>
-                <a:effectLst>
-                  <a:outerShdw blurRad="9525" dist="25400" dir="14640000" algn="tl" rotWithShape="0">
-                    <a:schemeClr val="bg1">
-                      <a:alpha val="30000"/>
-                    </a:schemeClr>
-                  </a:outerShdw>
-                </a:effectLst>
-              </a:rPr>
-              <a:t>Demo Time: use our docker container</a:t>
-            </a:r>
-          </a:p>
-        </p:txBody>
-      </p:sp>
-      <p:sp>
-        <p:nvSpPr>
-          <p:cNvPr id="9" name="Title 1">
-            <a:extLst>
-              <a:ext uri="{FF2B5EF4-FFF2-40B4-BE49-F238E27FC236}">
-                <a16:creationId xmlns:a16="http://schemas.microsoft.com/office/drawing/2014/main" id="{9D0A4A63-5354-4BB5-8832-B9DB46F783E9}"/>
-              </a:ext>
-            </a:extLst>
-          </p:cNvPr>
-          <p:cNvSpPr>
-            <a:spLocks noGrp="1"/>
-          </p:cNvSpPr>
-          <p:nvPr>
-            <p:ph type="title"/>
-          </p:nvPr>
-        </p:nvSpPr>
-        <p:spPr>
-          <a:xfrm>
-            <a:off x="919119" y="81280"/>
-            <a:ext cx="10353762" cy="1052094"/>
-          </a:xfrm>
-        </p:spPr>
-        <p:txBody>
-          <a:bodyPr/>
-          <a:lstStyle/>
-          <a:p>
-            <a:r>
-              <a:rPr lang="en-AU" dirty="0"/>
-              <a:t>Malware Detection</a:t>
-            </a:r>
-          </a:p>
-        </p:txBody>
-      </p:sp>
-      <p:sp>
-        <p:nvSpPr>
-          <p:cNvPr id="12" name="Content Placeholder 2">
-            <a:extLst>
-              <a:ext uri="{FF2B5EF4-FFF2-40B4-BE49-F238E27FC236}">
-                <a16:creationId xmlns:a16="http://schemas.microsoft.com/office/drawing/2014/main" id="{C35F5975-2C76-4F59-A37E-82C404CDCDDD}"/>
-              </a:ext>
-            </a:extLst>
-          </p:cNvPr>
-          <p:cNvSpPr>
-            <a:spLocks noGrp="1"/>
-          </p:cNvSpPr>
-          <p:nvPr>
-            <p:ph idx="1"/>
-          </p:nvPr>
-        </p:nvSpPr>
-        <p:spPr>
-          <a:xfrm>
-            <a:off x="727896" y="1709687"/>
-            <a:ext cx="10353762" cy="3714749"/>
-          </a:xfrm>
-        </p:spPr>
-        <p:txBody>
-          <a:bodyPr>
-            <a:noAutofit/>
-          </a:bodyPr>
-          <a:lstStyle/>
-          <a:p>
-            <a:r>
-              <a:rPr lang="en-US" sz="2800" dirty="0" err="1">
-                <a:solidFill>
-                  <a:schemeClr val="tx1"/>
-                </a:solidFill>
-                <a:effectLst/>
-              </a:rPr>
-              <a:t>sudo</a:t>
-            </a:r>
-            <a:r>
-              <a:rPr lang="en-US" sz="2800" dirty="0">
-                <a:solidFill>
-                  <a:schemeClr val="tx1"/>
-                </a:solidFill>
-                <a:effectLst/>
-              </a:rPr>
-              <a:t> docker run -it --rm </a:t>
-            </a:r>
-            <a:r>
-              <a:rPr lang="en-US" sz="2800" dirty="0" err="1">
-                <a:solidFill>
-                  <a:schemeClr val="tx1"/>
-                </a:solidFill>
-                <a:effectLst/>
-              </a:rPr>
-              <a:t>uwacyber</a:t>
-            </a:r>
-            <a:r>
-              <a:rPr lang="en-US" sz="2800" dirty="0">
-                <a:solidFill>
-                  <a:schemeClr val="tx1"/>
-                </a:solidFill>
-                <a:effectLst/>
-              </a:rPr>
-              <a:t>/cits1003-labs:ai-malware</a:t>
-            </a:r>
-          </a:p>
-          <a:p>
-            <a:pPr marL="36900" indent="0">
-              <a:buNone/>
-            </a:pPr>
-            <a:endParaRPr lang="en-AU" sz="2800" dirty="0">
-              <a:effectLst/>
-            </a:endParaRPr>
-          </a:p>
-          <a:p>
-            <a:endParaRPr lang="en-AU" sz="2800" dirty="0">
-              <a:effectLst/>
-            </a:endParaRPr>
-          </a:p>
-        </p:txBody>
-      </p:sp>
-    </p:spTree>
-    <p:extLst>
-      <p:ext uri="{BB962C8B-B14F-4D97-AF65-F5344CB8AC3E}">
-        <p14:creationId xmlns:p14="http://schemas.microsoft.com/office/powerpoint/2010/main" val="2862420244"/>
       </p:ext>
     </p:extLst>
   </p:cSld>
@@ -29804,484 +27240,6 @@
     <p:extLst>
       <p:ext uri="{BB962C8B-B14F-4D97-AF65-F5344CB8AC3E}">
         <p14:creationId xmlns:p14="http://schemas.microsoft.com/office/powerpoint/2010/main" val="3333459246"/>
-      </p:ext>
-    </p:extLst>
-  </p:cSld>
-  <p:clrMapOvr>
-    <a:masterClrMapping/>
-  </p:clrMapOvr>
-</p:sld>
-</file>
-
-<file path=ppt/slides/slide40.xml><?xml version="1.0" encoding="utf-8"?>
-<p:sld xmlns:a="http://schemas.openxmlformats.org/drawingml/2006/main" xmlns:r="http://schemas.openxmlformats.org/officeDocument/2006/relationships" xmlns:p="http://schemas.openxmlformats.org/presentationml/2006/main">
-  <p:cSld>
-    <p:spTree>
-      <p:nvGrpSpPr>
-        <p:cNvPr id="1" name=""/>
-        <p:cNvGrpSpPr/>
-        <p:nvPr/>
-      </p:nvGrpSpPr>
-      <p:grpSpPr>
-        <a:xfrm>
-          <a:off x="0" y="0"/>
-          <a:ext cx="0" cy="0"/>
-          <a:chOff x="0" y="0"/>
-          <a:chExt cx="0" cy="0"/>
-        </a:xfrm>
-      </p:grpSpPr>
-      <p:sp>
-        <p:nvSpPr>
-          <p:cNvPr id="2" name="Title 1">
-            <a:extLst>
-              <a:ext uri="{FF2B5EF4-FFF2-40B4-BE49-F238E27FC236}">
-                <a16:creationId xmlns:a16="http://schemas.microsoft.com/office/drawing/2014/main" id="{6D96B3F8-6C7A-45B0-88C1-4B992D33F899}"/>
-              </a:ext>
-            </a:extLst>
-          </p:cNvPr>
-          <p:cNvSpPr>
-            <a:spLocks noGrp="1"/>
-          </p:cNvSpPr>
-          <p:nvPr>
-            <p:ph type="title"/>
-          </p:nvPr>
-        </p:nvSpPr>
-        <p:spPr>
-          <a:xfrm>
-            <a:off x="913795" y="101600"/>
-            <a:ext cx="10353762" cy="1257300"/>
-          </a:xfrm>
-        </p:spPr>
-        <p:txBody>
-          <a:bodyPr/>
-          <a:lstStyle/>
-          <a:p>
-            <a:r>
-              <a:rPr lang="en-AU" dirty="0"/>
-              <a:t>Malware Detection</a:t>
-            </a:r>
-          </a:p>
-        </p:txBody>
-      </p:sp>
-      <p:sp>
-        <p:nvSpPr>
-          <p:cNvPr id="3" name="Content Placeholder 2">
-            <a:extLst>
-              <a:ext uri="{FF2B5EF4-FFF2-40B4-BE49-F238E27FC236}">
-                <a16:creationId xmlns:a16="http://schemas.microsoft.com/office/drawing/2014/main" id="{A063E825-B27E-43D0-A784-C43512E937CF}"/>
-              </a:ext>
-            </a:extLst>
-          </p:cNvPr>
-          <p:cNvSpPr>
-            <a:spLocks noGrp="1"/>
-          </p:cNvSpPr>
-          <p:nvPr>
-            <p:ph idx="1"/>
-          </p:nvPr>
-        </p:nvSpPr>
-        <p:spPr>
-          <a:xfrm>
-            <a:off x="913795" y="1544320"/>
-            <a:ext cx="10353762" cy="4246879"/>
-          </a:xfrm>
-        </p:spPr>
-        <p:txBody>
-          <a:bodyPr>
-            <a:normAutofit/>
-          </a:bodyPr>
-          <a:lstStyle/>
-          <a:p>
-            <a:r>
-              <a:rPr lang="en-AU" sz="2800" dirty="0"/>
-              <a:t>What is the main difference between Yara and Ember?</a:t>
-            </a:r>
-          </a:p>
-          <a:p>
-            <a:r>
-              <a:rPr lang="en-AU" sz="2800" dirty="0"/>
-              <a:t>What can be done to improve them?</a:t>
-            </a:r>
-          </a:p>
-        </p:txBody>
-      </p:sp>
-    </p:spTree>
-    <p:extLst>
-      <p:ext uri="{BB962C8B-B14F-4D97-AF65-F5344CB8AC3E}">
-        <p14:creationId xmlns:p14="http://schemas.microsoft.com/office/powerpoint/2010/main" val="3682485318"/>
-      </p:ext>
-    </p:extLst>
-  </p:cSld>
-  <p:clrMapOvr>
-    <a:masterClrMapping/>
-  </p:clrMapOvr>
-</p:sld>
-</file>
-
-<file path=ppt/slides/slide41.xml><?xml version="1.0" encoding="utf-8"?>
-<p:sld xmlns:a="http://schemas.openxmlformats.org/drawingml/2006/main" xmlns:r="http://schemas.openxmlformats.org/officeDocument/2006/relationships" xmlns:p="http://schemas.openxmlformats.org/presentationml/2006/main">
-  <p:cSld>
-    <p:spTree>
-      <p:nvGrpSpPr>
-        <p:cNvPr id="1" name=""/>
-        <p:cNvGrpSpPr/>
-        <p:nvPr/>
-      </p:nvGrpSpPr>
-      <p:grpSpPr>
-        <a:xfrm>
-          <a:off x="0" y="0"/>
-          <a:ext cx="0" cy="0"/>
-          <a:chOff x="0" y="0"/>
-          <a:chExt cx="0" cy="0"/>
-        </a:xfrm>
-      </p:grpSpPr>
-      <p:sp>
-        <p:nvSpPr>
-          <p:cNvPr id="2" name="Title 1">
-            <a:extLst>
-              <a:ext uri="{FF2B5EF4-FFF2-40B4-BE49-F238E27FC236}">
-                <a16:creationId xmlns:a16="http://schemas.microsoft.com/office/drawing/2014/main" id="{6D96B3F8-6C7A-45B0-88C1-4B992D33F899}"/>
-              </a:ext>
-            </a:extLst>
-          </p:cNvPr>
-          <p:cNvSpPr>
-            <a:spLocks noGrp="1"/>
-          </p:cNvSpPr>
-          <p:nvPr>
-            <p:ph type="title"/>
-          </p:nvPr>
-        </p:nvSpPr>
-        <p:spPr>
-          <a:xfrm>
-            <a:off x="913795" y="101600"/>
-            <a:ext cx="10353762" cy="1257300"/>
-          </a:xfrm>
-        </p:spPr>
-        <p:txBody>
-          <a:bodyPr/>
-          <a:lstStyle/>
-          <a:p>
-            <a:r>
-              <a:rPr lang="en-AU" dirty="0"/>
-              <a:t>Malware Detection</a:t>
-            </a:r>
-          </a:p>
-        </p:txBody>
-      </p:sp>
-      <p:sp>
-        <p:nvSpPr>
-          <p:cNvPr id="3" name="Content Placeholder 2">
-            <a:extLst>
-              <a:ext uri="{FF2B5EF4-FFF2-40B4-BE49-F238E27FC236}">
-                <a16:creationId xmlns:a16="http://schemas.microsoft.com/office/drawing/2014/main" id="{A063E825-B27E-43D0-A784-C43512E937CF}"/>
-              </a:ext>
-            </a:extLst>
-          </p:cNvPr>
-          <p:cNvSpPr>
-            <a:spLocks noGrp="1"/>
-          </p:cNvSpPr>
-          <p:nvPr>
-            <p:ph idx="1"/>
-          </p:nvPr>
-        </p:nvSpPr>
-        <p:spPr>
-          <a:xfrm>
-            <a:off x="913795" y="1544320"/>
-            <a:ext cx="10353762" cy="4246879"/>
-          </a:xfrm>
-        </p:spPr>
-        <p:txBody>
-          <a:bodyPr>
-            <a:normAutofit/>
-          </a:bodyPr>
-          <a:lstStyle/>
-          <a:p>
-            <a:r>
-              <a:rPr lang="en-AU" sz="2800" dirty="0"/>
-              <a:t>What is the main difference between Yara and Ember?</a:t>
-            </a:r>
-          </a:p>
-          <a:p>
-            <a:pPr lvl="1"/>
-            <a:r>
-              <a:rPr lang="en-AU" sz="2600" dirty="0"/>
-              <a:t>e.g., Yara is rule-based while Ember is DL-based. </a:t>
-            </a:r>
-          </a:p>
-          <a:p>
-            <a:pPr lvl="1"/>
-            <a:r>
-              <a:rPr lang="en-AU" sz="2600" dirty="0"/>
-              <a:t>Yara supports multiple file types while Ember is limited to one type.</a:t>
-            </a:r>
-          </a:p>
-          <a:p>
-            <a:pPr lvl="1"/>
-            <a:endParaRPr lang="en-AU" sz="2800" dirty="0"/>
-          </a:p>
-        </p:txBody>
-      </p:sp>
-    </p:spTree>
-    <p:extLst>
-      <p:ext uri="{BB962C8B-B14F-4D97-AF65-F5344CB8AC3E}">
-        <p14:creationId xmlns:p14="http://schemas.microsoft.com/office/powerpoint/2010/main" val="3121942135"/>
-      </p:ext>
-    </p:extLst>
-  </p:cSld>
-  <p:clrMapOvr>
-    <a:masterClrMapping/>
-  </p:clrMapOvr>
-</p:sld>
-</file>
-
-<file path=ppt/slides/slide42.xml><?xml version="1.0" encoding="utf-8"?>
-<p:sld xmlns:a="http://schemas.openxmlformats.org/drawingml/2006/main" xmlns:r="http://schemas.openxmlformats.org/officeDocument/2006/relationships" xmlns:p="http://schemas.openxmlformats.org/presentationml/2006/main">
-  <p:cSld>
-    <p:spTree>
-      <p:nvGrpSpPr>
-        <p:cNvPr id="1" name=""/>
-        <p:cNvGrpSpPr/>
-        <p:nvPr/>
-      </p:nvGrpSpPr>
-      <p:grpSpPr>
-        <a:xfrm>
-          <a:off x="0" y="0"/>
-          <a:ext cx="0" cy="0"/>
-          <a:chOff x="0" y="0"/>
-          <a:chExt cx="0" cy="0"/>
-        </a:xfrm>
-      </p:grpSpPr>
-      <p:sp>
-        <p:nvSpPr>
-          <p:cNvPr id="2" name="Title 1">
-            <a:extLst>
-              <a:ext uri="{FF2B5EF4-FFF2-40B4-BE49-F238E27FC236}">
-                <a16:creationId xmlns:a16="http://schemas.microsoft.com/office/drawing/2014/main" id="{6D96B3F8-6C7A-45B0-88C1-4B992D33F899}"/>
-              </a:ext>
-            </a:extLst>
-          </p:cNvPr>
-          <p:cNvSpPr>
-            <a:spLocks noGrp="1"/>
-          </p:cNvSpPr>
-          <p:nvPr>
-            <p:ph type="title"/>
-          </p:nvPr>
-        </p:nvSpPr>
-        <p:spPr>
-          <a:xfrm>
-            <a:off x="913795" y="101600"/>
-            <a:ext cx="10353762" cy="1257300"/>
-          </a:xfrm>
-        </p:spPr>
-        <p:txBody>
-          <a:bodyPr/>
-          <a:lstStyle/>
-          <a:p>
-            <a:r>
-              <a:rPr lang="en-AU" dirty="0"/>
-              <a:t>Malware Detection</a:t>
-            </a:r>
-          </a:p>
-        </p:txBody>
-      </p:sp>
-      <p:sp>
-        <p:nvSpPr>
-          <p:cNvPr id="3" name="Content Placeholder 2">
-            <a:extLst>
-              <a:ext uri="{FF2B5EF4-FFF2-40B4-BE49-F238E27FC236}">
-                <a16:creationId xmlns:a16="http://schemas.microsoft.com/office/drawing/2014/main" id="{A063E825-B27E-43D0-A784-C43512E937CF}"/>
-              </a:ext>
-            </a:extLst>
-          </p:cNvPr>
-          <p:cNvSpPr>
-            <a:spLocks noGrp="1"/>
-          </p:cNvSpPr>
-          <p:nvPr>
-            <p:ph idx="1"/>
-          </p:nvPr>
-        </p:nvSpPr>
-        <p:spPr>
-          <a:xfrm>
-            <a:off x="913795" y="1544320"/>
-            <a:ext cx="10353762" cy="4246879"/>
-          </a:xfrm>
-        </p:spPr>
-        <p:txBody>
-          <a:bodyPr>
-            <a:normAutofit/>
-          </a:bodyPr>
-          <a:lstStyle/>
-          <a:p>
-            <a:r>
-              <a:rPr lang="en-AU" sz="2800" dirty="0"/>
-              <a:t>What is the main difference between Yara and Ember?</a:t>
-            </a:r>
-          </a:p>
-          <a:p>
-            <a:pPr lvl="1"/>
-            <a:r>
-              <a:rPr lang="en-AU" sz="2600" dirty="0"/>
-              <a:t>e.g., Yara is rule-based while Ember is DL-based. </a:t>
-            </a:r>
-          </a:p>
-          <a:p>
-            <a:pPr lvl="1"/>
-            <a:r>
-              <a:rPr lang="en-AU" sz="2600" dirty="0"/>
-              <a:t>Yara supports multiple file types while Ember is limited to one type.</a:t>
-            </a:r>
-          </a:p>
-          <a:p>
-            <a:r>
-              <a:rPr lang="en-AU" sz="2800" dirty="0"/>
-              <a:t>What can be done to improve them?</a:t>
-            </a:r>
-          </a:p>
-          <a:p>
-            <a:pPr lvl="1"/>
-            <a:endParaRPr lang="en-AU" sz="2800" dirty="0"/>
-          </a:p>
-        </p:txBody>
-      </p:sp>
-    </p:spTree>
-    <p:extLst>
-      <p:ext uri="{BB962C8B-B14F-4D97-AF65-F5344CB8AC3E}">
-        <p14:creationId xmlns:p14="http://schemas.microsoft.com/office/powerpoint/2010/main" val="853962288"/>
-      </p:ext>
-    </p:extLst>
-  </p:cSld>
-  <p:clrMapOvr>
-    <a:masterClrMapping/>
-  </p:clrMapOvr>
-</p:sld>
-</file>
-
-<file path=ppt/slides/slide43.xml><?xml version="1.0" encoding="utf-8"?>
-<p:sld xmlns:a="http://schemas.openxmlformats.org/drawingml/2006/main" xmlns:r="http://schemas.openxmlformats.org/officeDocument/2006/relationships" xmlns:p="http://schemas.openxmlformats.org/presentationml/2006/main">
-  <p:cSld>
-    <p:spTree>
-      <p:nvGrpSpPr>
-        <p:cNvPr id="1" name=""/>
-        <p:cNvGrpSpPr/>
-        <p:nvPr/>
-      </p:nvGrpSpPr>
-      <p:grpSpPr>
-        <a:xfrm>
-          <a:off x="0" y="0"/>
-          <a:ext cx="0" cy="0"/>
-          <a:chOff x="0" y="0"/>
-          <a:chExt cx="0" cy="0"/>
-        </a:xfrm>
-      </p:grpSpPr>
-      <p:sp>
-        <p:nvSpPr>
-          <p:cNvPr id="2" name="Title 1">
-            <a:extLst>
-              <a:ext uri="{FF2B5EF4-FFF2-40B4-BE49-F238E27FC236}">
-                <a16:creationId xmlns:a16="http://schemas.microsoft.com/office/drawing/2014/main" id="{6D96B3F8-6C7A-45B0-88C1-4B992D33F899}"/>
-              </a:ext>
-            </a:extLst>
-          </p:cNvPr>
-          <p:cNvSpPr>
-            <a:spLocks noGrp="1"/>
-          </p:cNvSpPr>
-          <p:nvPr>
-            <p:ph type="title"/>
-          </p:nvPr>
-        </p:nvSpPr>
-        <p:spPr>
-          <a:xfrm>
-            <a:off x="913795" y="101600"/>
-            <a:ext cx="10353762" cy="1257300"/>
-          </a:xfrm>
-        </p:spPr>
-        <p:txBody>
-          <a:bodyPr/>
-          <a:lstStyle/>
-          <a:p>
-            <a:r>
-              <a:rPr lang="en-AU" dirty="0"/>
-              <a:t>Malware Detection</a:t>
-            </a:r>
-          </a:p>
-        </p:txBody>
-      </p:sp>
-      <p:sp>
-        <p:nvSpPr>
-          <p:cNvPr id="3" name="Content Placeholder 2">
-            <a:extLst>
-              <a:ext uri="{FF2B5EF4-FFF2-40B4-BE49-F238E27FC236}">
-                <a16:creationId xmlns:a16="http://schemas.microsoft.com/office/drawing/2014/main" id="{A063E825-B27E-43D0-A784-C43512E937CF}"/>
-              </a:ext>
-            </a:extLst>
-          </p:cNvPr>
-          <p:cNvSpPr>
-            <a:spLocks noGrp="1"/>
-          </p:cNvSpPr>
-          <p:nvPr>
-            <p:ph idx="1"/>
-          </p:nvPr>
-        </p:nvSpPr>
-        <p:spPr>
-          <a:xfrm>
-            <a:off x="616005" y="1363178"/>
-            <a:ext cx="10949342" cy="4246879"/>
-          </a:xfrm>
-        </p:spPr>
-        <p:txBody>
-          <a:bodyPr>
-            <a:normAutofit/>
-          </a:bodyPr>
-          <a:lstStyle/>
-          <a:p>
-            <a:r>
-              <a:rPr lang="en-AU" sz="2800" dirty="0"/>
-              <a:t>What is the main difference between Yara and Ember?</a:t>
-            </a:r>
-          </a:p>
-          <a:p>
-            <a:pPr lvl="1"/>
-            <a:r>
-              <a:rPr lang="en-AU" sz="2600" dirty="0"/>
-              <a:t>e.g., Yara is rule-based while Ember is DL-based. </a:t>
-            </a:r>
-          </a:p>
-          <a:p>
-            <a:pPr lvl="1"/>
-            <a:r>
-              <a:rPr lang="en-AU" sz="2600" dirty="0"/>
-              <a:t>Yara supports multiple file types while Ember is limited to one type.</a:t>
-            </a:r>
-          </a:p>
-          <a:p>
-            <a:r>
-              <a:rPr lang="en-AU" sz="2800" dirty="0"/>
-              <a:t>What can be done to improve them?</a:t>
-            </a:r>
-          </a:p>
-          <a:p>
-            <a:pPr lvl="1"/>
-            <a:r>
-              <a:rPr lang="en-AU" sz="2600" dirty="0"/>
-              <a:t>e.g., Yara’s key limitation: rule-based signature matching, which makes it hard to work against advanced mutation techniques. </a:t>
-            </a:r>
-          </a:p>
-          <a:p>
-            <a:pPr lvl="1"/>
-            <a:r>
-              <a:rPr lang="en-AU" sz="2600" dirty="0"/>
-              <a:t>Ember’s key limitation: its dataset used to train its DNN model is obsolete. </a:t>
-            </a:r>
-          </a:p>
-          <a:p>
-            <a:pPr lvl="1"/>
-            <a:endParaRPr lang="en-AU" sz="2800" dirty="0"/>
-          </a:p>
-        </p:txBody>
-      </p:sp>
-    </p:spTree>
-    <p:extLst>
-      <p:ext uri="{BB962C8B-B14F-4D97-AF65-F5344CB8AC3E}">
-        <p14:creationId xmlns:p14="http://schemas.microsoft.com/office/powerpoint/2010/main" val="1050398790"/>
       </p:ext>
     </p:extLst>
   </p:cSld>
@@ -32015,13 +28973,8 @@
             <a:pPr algn="ctr"/>
             <a:r>
               <a:rPr lang="en-AU" sz="2800" dirty="0"/>
-              <a:t>n </a:t>
-            </a:r>
-            <a:r>
-              <a:rPr lang="en-AU" sz="2800" dirty="0" err="1"/>
-              <a:t>decryptors</a:t>
-            </a:r>
-            <a:endParaRPr lang="en-AU" sz="2800" dirty="0"/>
+              <a:t>n decryptors</a:t>
+            </a:r>
           </a:p>
         </p:txBody>
       </p:sp>
@@ -32632,13 +29585,8 @@
             <a:pPr algn="ctr"/>
             <a:r>
               <a:rPr lang="en-AU" sz="2800" dirty="0"/>
-              <a:t>n </a:t>
-            </a:r>
-            <a:r>
-              <a:rPr lang="en-AU" sz="2800" dirty="0" err="1"/>
-              <a:t>decryptors</a:t>
-            </a:r>
-            <a:endParaRPr lang="en-AU" sz="2800" dirty="0"/>
+              <a:t>n decryptors</a:t>
+            </a:r>
           </a:p>
         </p:txBody>
       </p:sp>
@@ -33952,13 +30900,8 @@
             <a:pPr algn="ctr"/>
             <a:r>
               <a:rPr lang="en-AU" sz="2800" dirty="0"/>
-              <a:t>n </a:t>
-            </a:r>
-            <a:r>
-              <a:rPr lang="en-AU" sz="2800" dirty="0" err="1"/>
-              <a:t>decryptors</a:t>
-            </a:r>
-            <a:endParaRPr lang="en-AU" sz="2800" dirty="0"/>
+              <a:t>n decryptors</a:t>
+            </a:r>
           </a:p>
         </p:txBody>
       </p:sp>

--- a/cits1003-lecture_slides/CITS1003-5 Threats - exercises.pptx
+++ b/cits1003-lecture_slides/CITS1003-5 Threats - exercises.pptx
@@ -1404,6 +1404,30 @@
     </pc:docChg>
   </pc:docChgLst>
   <pc:docChgLst>
+    <pc:chgData name="Robert McKnight" userId="d5c7fb24-67df-49c0-a0e8-7fe946ae099c" providerId="ADAL" clId="{C7960707-425E-4811-A6E5-EECCBE777322}"/>
+    <pc:docChg chg="undo custSel modSld">
+      <pc:chgData name="Robert McKnight" userId="d5c7fb24-67df-49c0-a0e8-7fe946ae099c" providerId="ADAL" clId="{C7960707-425E-4811-A6E5-EECCBE777322}" dt="2024-11-06T04:19:04.734" v="1" actId="20577"/>
+      <pc:docMkLst>
+        <pc:docMk/>
+      </pc:docMkLst>
+      <pc:sldChg chg="modSp mod">
+        <pc:chgData name="Robert McKnight" userId="d5c7fb24-67df-49c0-a0e8-7fe946ae099c" providerId="ADAL" clId="{C7960707-425E-4811-A6E5-EECCBE777322}" dt="2024-11-06T04:19:04.734" v="1" actId="20577"/>
+        <pc:sldMkLst>
+          <pc:docMk/>
+          <pc:sldMk cId="4030956127" sldId="507"/>
+        </pc:sldMkLst>
+        <pc:spChg chg="mod">
+          <ac:chgData name="Robert McKnight" userId="d5c7fb24-67df-49c0-a0e8-7fe946ae099c" providerId="ADAL" clId="{C7960707-425E-4811-A6E5-EECCBE777322}" dt="2024-11-06T04:19:04.734" v="1" actId="20577"/>
+          <ac:spMkLst>
+            <pc:docMk/>
+            <pc:sldMk cId="4030956127" sldId="507"/>
+            <ac:spMk id="7" creationId="{EBC053A3-DD58-4410-B408-D3593E92DB21}"/>
+          </ac:spMkLst>
+        </pc:spChg>
+      </pc:sldChg>
+    </pc:docChg>
+  </pc:docChgLst>
+  <pc:docChgLst>
     <pc:chgData name="Robert McKnight" userId="d5c7fb24-67df-49c0-a0e8-7fe946ae099c" providerId="ADAL" clId="{BD2C2FCF-E82F-4043-A4A0-ABC9423D0828}"/>
     <pc:docChg chg="custSel delSld modSld">
       <pc:chgData name="Robert McKnight" userId="d5c7fb24-67df-49c0-a0e8-7fe946ae099c" providerId="ADAL" clId="{BD2C2FCF-E82F-4043-A4A0-ABC9423D0828}" dt="2023-07-12T07:58:27.833" v="11" actId="478"/>
@@ -1709,7 +1733,7 @@
           <a:p>
             <a:fld id="{6D6D7260-B7E4-B548-BD1F-84ED14536037}" type="datetimeFigureOut">
               <a:rPr lang="en-AU" smtClean="0"/>
-              <a:t>30/07/2024</a:t>
+              <a:t>6/11/2024</a:t>
             </a:fld>
             <a:endParaRPr lang="en-AU"/>
           </a:p>
@@ -5003,7 +5027,7 @@
           <a:p>
             <a:fld id="{88D38747-4367-4BD2-8D51-C97E202738E2}" type="datetime1">
               <a:rPr lang="en-US" smtClean="0"/>
-              <a:t>7/30/2024</a:t>
+              <a:t>11/6/2024</a:t>
             </a:fld>
             <a:endParaRPr lang="en-US" dirty="0"/>
           </a:p>
@@ -5308,7 +5332,7 @@
           <a:p>
             <a:fld id="{11F1B079-7EF0-44EE-B798-BCC497C9F3B2}" type="datetime1">
               <a:rPr lang="en-US" smtClean="0"/>
-              <a:t>7/30/2024</a:t>
+              <a:t>11/6/2024</a:t>
             </a:fld>
             <a:endParaRPr lang="en-US" dirty="0"/>
           </a:p>
@@ -5502,7 +5526,7 @@
           <a:p>
             <a:fld id="{28FF70A8-1D13-4657-95F0-A9EA54967B8D}" type="datetime1">
               <a:rPr lang="en-US" smtClean="0"/>
-              <a:t>7/30/2024</a:t>
+              <a:t>11/6/2024</a:t>
             </a:fld>
             <a:endParaRPr lang="en-US" dirty="0"/>
           </a:p>
@@ -5765,7 +5789,7 @@
           <a:p>
             <a:fld id="{21EB90AC-71BD-4C7F-8ACA-7B3F18292E63}" type="datetime1">
               <a:rPr lang="en-US" smtClean="0"/>
-              <a:t>7/30/2024</a:t>
+              <a:t>11/6/2024</a:t>
             </a:fld>
             <a:endParaRPr lang="en-US" dirty="0"/>
           </a:p>
@@ -6201,7 +6225,7 @@
           <a:p>
             <a:fld id="{4E6EFC2C-8905-46F0-B443-CE905B76BA01}" type="datetime1">
               <a:rPr lang="en-US" smtClean="0"/>
-              <a:t>7/30/2024</a:t>
+              <a:t>11/6/2024</a:t>
             </a:fld>
             <a:endParaRPr lang="en-US" dirty="0"/>
           </a:p>
@@ -6738,7 +6762,7 @@
           <a:p>
             <a:fld id="{D9079DC3-C9B5-499E-9140-0DC28B7074E2}" type="datetime1">
               <a:rPr lang="en-US" smtClean="0"/>
-              <a:t>7/30/2024</a:t>
+              <a:t>11/6/2024</a:t>
             </a:fld>
             <a:endParaRPr lang="en-US" dirty="0"/>
           </a:p>
@@ -7620,7 +7644,7 @@
           <a:p>
             <a:fld id="{30BB33EA-E472-4D22-9C03-A9C14AA21CED}" type="datetime1">
               <a:rPr lang="en-US" smtClean="0"/>
-              <a:t>7/30/2024</a:t>
+              <a:t>11/6/2024</a:t>
             </a:fld>
             <a:endParaRPr lang="en-US" dirty="0"/>
           </a:p>
@@ -7790,7 +7814,7 @@
           <a:p>
             <a:fld id="{217E833E-1B6D-415F-AD29-75AE8C43BD0D}" type="datetime1">
               <a:rPr lang="en-US" smtClean="0"/>
-              <a:t>7/30/2024</a:t>
+              <a:t>11/6/2024</a:t>
             </a:fld>
             <a:endParaRPr lang="en-US" dirty="0"/>
           </a:p>
@@ -7974,7 +7998,7 @@
           <a:p>
             <a:fld id="{8452596F-08A7-4B70-989A-F2B1CF31E66B}" type="datetime1">
               <a:rPr lang="en-US" smtClean="0"/>
-              <a:t>7/30/2024</a:t>
+              <a:t>11/6/2024</a:t>
             </a:fld>
             <a:endParaRPr lang="en-US" dirty="0"/>
           </a:p>
@@ -8144,7 +8168,7 @@
           <a:p>
             <a:fld id="{73C55A3C-5767-4844-A0A3-83778C2E5409}" type="datetime1">
               <a:rPr lang="en-US" smtClean="0"/>
-              <a:t>7/30/2024</a:t>
+              <a:t>11/6/2024</a:t>
             </a:fld>
             <a:endParaRPr lang="en-US" dirty="0"/>
           </a:p>
@@ -8388,7 +8412,7 @@
           <a:p>
             <a:fld id="{CAE507A8-A5CF-4D38-AB86-7EDDA87A85D4}" type="datetime1">
               <a:rPr lang="en-US" smtClean="0"/>
-              <a:t>7/30/2024</a:t>
+              <a:t>11/6/2024</a:t>
             </a:fld>
             <a:endParaRPr lang="en-US" dirty="0"/>
           </a:p>
@@ -8630,7 +8654,7 @@
           <a:p>
             <a:fld id="{BDFCD27C-8599-43EF-BA1D-14DDC1946E06}" type="datetime1">
               <a:rPr lang="en-US" smtClean="0"/>
-              <a:t>7/30/2024</a:t>
+              <a:t>11/6/2024</a:t>
             </a:fld>
             <a:endParaRPr lang="en-US" dirty="0"/>
           </a:p>
@@ -9111,7 +9135,7 @@
           <a:p>
             <a:fld id="{49343D99-809A-49C0-96E5-4250D0B498EE}" type="datetime1">
               <a:rPr lang="en-US" smtClean="0"/>
-              <a:t>7/30/2024</a:t>
+              <a:t>11/6/2024</a:t>
             </a:fld>
             <a:endParaRPr lang="en-US" dirty="0"/>
           </a:p>
@@ -9229,7 +9253,7 @@
           <a:p>
             <a:fld id="{A143DE9B-B678-4EFB-BB7D-A4370204A0B0}" type="datetime1">
               <a:rPr lang="en-US" smtClean="0"/>
-              <a:t>7/30/2024</a:t>
+              <a:t>11/6/2024</a:t>
             </a:fld>
             <a:endParaRPr lang="en-US" dirty="0"/>
           </a:p>
@@ -9324,7 +9348,7 @@
           <a:p>
             <a:fld id="{E68812DA-F765-4142-A6A3-A8ED7235E082}" type="datetime1">
               <a:rPr lang="en-US" smtClean="0"/>
-              <a:t>7/30/2024</a:t>
+              <a:t>11/6/2024</a:t>
             </a:fld>
             <a:endParaRPr lang="en-US" dirty="0"/>
           </a:p>
@@ -9579,7 +9603,7 @@
           <a:p>
             <a:fld id="{3E0277FD-7DE6-41D4-930D-AC99F5AFE54E}" type="datetime1">
               <a:rPr lang="en-US" smtClean="0"/>
-              <a:t>7/30/2024</a:t>
+              <a:t>11/6/2024</a:t>
             </a:fld>
             <a:endParaRPr lang="en-US" dirty="0"/>
           </a:p>
@@ -9886,7 +9910,7 @@
           <a:p>
             <a:fld id="{9EA15526-7079-4B7B-987C-1B5FAE11A0FF}" type="datetime1">
               <a:rPr lang="en-US" smtClean="0"/>
-              <a:t>7/30/2024</a:t>
+              <a:t>11/6/2024</a:t>
             </a:fld>
             <a:endParaRPr lang="en-US" dirty="0"/>
           </a:p>
@@ -10121,7 +10145,7 @@
           <a:p>
             <a:fld id="{073ED0CC-082F-4160-86E5-0D6041F12778}" type="datetime1">
               <a:rPr lang="en-US" smtClean="0"/>
-              <a:t>7/30/2024</a:t>
+              <a:t>11/6/2024</a:t>
             </a:fld>
             <a:endParaRPr lang="en-US" dirty="0"/>
           </a:p>
@@ -11032,7 +11056,7 @@
           </a:effectLst>
           <a:extLst>
             <a:ext uri="{91240B29-F687-4f45-9708-019B960494DF}">
-              <a14:hiddenLine xmlns:a16="http://schemas.microsoft.com/office/drawing/2014/main" xmlns:p14="http://schemas.microsoft.com/office/powerpoint/2010/main" xmlns:a14="http://schemas.microsoft.com/office/drawing/2010/main" xmlns="" w="9525">
+              <a14:hiddenLine xmlns="" xmlns:a14="http://schemas.microsoft.com/office/drawing/2010/main" xmlns:p14="http://schemas.microsoft.com/office/powerpoint/2010/main" xmlns:a16="http://schemas.microsoft.com/office/drawing/2014/main" w="9525">
                 <a:solidFill>
                   <a:srgbClr val="000000"/>
                 </a:solidFill>
